--- a/CMS_HGCAL_DB/from_Umesh/Grading_to_summary_templates.pptx
+++ b/CMS_HGCAL_DB/from_Umesh/Grading_to_summary_templates.pptx
@@ -1,24 +1,119 @@
 
 <file path=ppt/presentation.xml><?xml version="1.0" encoding="utf-8"?>
-<p:presentation xmlns:a="http://schemas.openxmlformats.org/drawingml/2006/main" xmlns:p="http://schemas.openxmlformats.org/presentationml/2006/main" xmlns:r="http://schemas.openxmlformats.org/officeDocument/2006/relationships" xmlns:p14="http://schemas.microsoft.com/office/powerpoint/2010/main" xmlns:p15="http://schemas.microsoft.com/office/powerpoint/2012/main" xmlns:mc="http://schemas.openxmlformats.org/markup-compatibility/2006">
+<p:presentation xmlns:a="http://schemas.openxmlformats.org/drawingml/2006/main" xmlns:r="http://schemas.openxmlformats.org/officeDocument/2006/relationships" xmlns:p="http://schemas.openxmlformats.org/presentationml/2006/main">
   <p:sldMasterIdLst>
-    <p:sldMasterId id="2147483648" r:id="rId2"/>
-    <p:sldMasterId id="2147483661" r:id="rId3"/>
+    <p:sldMasterId id="2147483648" r:id="rId1"/>
+    <p:sldMasterId id="2147483661" r:id="rId2"/>
   </p:sldMasterIdLst>
   <p:sldIdLst>
-    <p:sldId id="256" r:id="rId4"/>
-    <p:sldId id="257" r:id="rId5"/>
-    <p:sldId id="258" r:id="rId6"/>
-    <p:sldId id="259" r:id="rId7"/>
-    <p:sldId id="260" r:id="rId8"/>
+    <p:sldId id="256" r:id="rId3"/>
+    <p:sldId id="257" r:id="rId4"/>
+    <p:sldId id="258" r:id="rId5"/>
+    <p:sldId id="259" r:id="rId6"/>
+    <p:sldId id="260" r:id="rId7"/>
   </p:sldIdLst>
   <p:sldSz cx="12192000" cy="6858000"/>
   <p:notesSz cx="7772400" cy="10058400"/>
+  <p:defaultTextStyle>
+    <a:defPPr>
+      <a:defRPr lang="en-US"/>
+    </a:defPPr>
+    <a:lvl1pPr marL="0" algn="l" defTabSz="914400" rtl="0" eaLnBrk="1" latinLnBrk="0" hangingPunct="1">
+      <a:defRPr sz="1800" kern="1200">
+        <a:solidFill>
+          <a:schemeClr val="tx1"/>
+        </a:solidFill>
+        <a:latin typeface="+mn-lt"/>
+        <a:ea typeface="+mn-ea"/>
+        <a:cs typeface="+mn-cs"/>
+      </a:defRPr>
+    </a:lvl1pPr>
+    <a:lvl2pPr marL="457200" algn="l" defTabSz="914400" rtl="0" eaLnBrk="1" latinLnBrk="0" hangingPunct="1">
+      <a:defRPr sz="1800" kern="1200">
+        <a:solidFill>
+          <a:schemeClr val="tx1"/>
+        </a:solidFill>
+        <a:latin typeface="+mn-lt"/>
+        <a:ea typeface="+mn-ea"/>
+        <a:cs typeface="+mn-cs"/>
+      </a:defRPr>
+    </a:lvl2pPr>
+    <a:lvl3pPr marL="914400" algn="l" defTabSz="914400" rtl="0" eaLnBrk="1" latinLnBrk="0" hangingPunct="1">
+      <a:defRPr sz="1800" kern="1200">
+        <a:solidFill>
+          <a:schemeClr val="tx1"/>
+        </a:solidFill>
+        <a:latin typeface="+mn-lt"/>
+        <a:ea typeface="+mn-ea"/>
+        <a:cs typeface="+mn-cs"/>
+      </a:defRPr>
+    </a:lvl3pPr>
+    <a:lvl4pPr marL="1371600" algn="l" defTabSz="914400" rtl="0" eaLnBrk="1" latinLnBrk="0" hangingPunct="1">
+      <a:defRPr sz="1800" kern="1200">
+        <a:solidFill>
+          <a:schemeClr val="tx1"/>
+        </a:solidFill>
+        <a:latin typeface="+mn-lt"/>
+        <a:ea typeface="+mn-ea"/>
+        <a:cs typeface="+mn-cs"/>
+      </a:defRPr>
+    </a:lvl4pPr>
+    <a:lvl5pPr marL="1828800" algn="l" defTabSz="914400" rtl="0" eaLnBrk="1" latinLnBrk="0" hangingPunct="1">
+      <a:defRPr sz="1800" kern="1200">
+        <a:solidFill>
+          <a:schemeClr val="tx1"/>
+        </a:solidFill>
+        <a:latin typeface="+mn-lt"/>
+        <a:ea typeface="+mn-ea"/>
+        <a:cs typeface="+mn-cs"/>
+      </a:defRPr>
+    </a:lvl5pPr>
+    <a:lvl6pPr marL="2286000" algn="l" defTabSz="914400" rtl="0" eaLnBrk="1" latinLnBrk="0" hangingPunct="1">
+      <a:defRPr sz="1800" kern="1200">
+        <a:solidFill>
+          <a:schemeClr val="tx1"/>
+        </a:solidFill>
+        <a:latin typeface="+mn-lt"/>
+        <a:ea typeface="+mn-ea"/>
+        <a:cs typeface="+mn-cs"/>
+      </a:defRPr>
+    </a:lvl6pPr>
+    <a:lvl7pPr marL="2743200" algn="l" defTabSz="914400" rtl="0" eaLnBrk="1" latinLnBrk="0" hangingPunct="1">
+      <a:defRPr sz="1800" kern="1200">
+        <a:solidFill>
+          <a:schemeClr val="tx1"/>
+        </a:solidFill>
+        <a:latin typeface="+mn-lt"/>
+        <a:ea typeface="+mn-ea"/>
+        <a:cs typeface="+mn-cs"/>
+      </a:defRPr>
+    </a:lvl7pPr>
+    <a:lvl8pPr marL="3200400" algn="l" defTabSz="914400" rtl="0" eaLnBrk="1" latinLnBrk="0" hangingPunct="1">
+      <a:defRPr sz="1800" kern="1200">
+        <a:solidFill>
+          <a:schemeClr val="tx1"/>
+        </a:solidFill>
+        <a:latin typeface="+mn-lt"/>
+        <a:ea typeface="+mn-ea"/>
+        <a:cs typeface="+mn-cs"/>
+      </a:defRPr>
+    </a:lvl8pPr>
+    <a:lvl9pPr marL="3657600" algn="l" defTabSz="914400" rtl="0" eaLnBrk="1" latinLnBrk="0" hangingPunct="1">
+      <a:defRPr sz="1800" kern="1200">
+        <a:solidFill>
+          <a:schemeClr val="tx1"/>
+        </a:solidFill>
+        <a:latin typeface="+mn-lt"/>
+        <a:ea typeface="+mn-ea"/>
+        <a:cs typeface="+mn-cs"/>
+      </a:defRPr>
+    </a:lvl9pPr>
+  </p:defaultTextStyle>
 </p:presentation>
 </file>
 
 <file path=ppt/slideLayouts/slideLayout1.xml><?xml version="1.0" encoding="utf-8"?>
-<p:sldLayout xmlns:a="http://schemas.openxmlformats.org/drawingml/2006/main" xmlns:p="http://schemas.openxmlformats.org/presentationml/2006/main" xmlns:r="http://schemas.openxmlformats.org/officeDocument/2006/relationships" xmlns:p14="http://schemas.microsoft.com/office/powerpoint/2010/main" xmlns:p15="http://schemas.microsoft.com/office/powerpoint/2012/main" xmlns:mc="http://schemas.openxmlformats.org/markup-compatibility/2006" type="blank" preserve="1">
+<p:sldLayout xmlns:a="http://schemas.openxmlformats.org/drawingml/2006/main" xmlns:r="http://schemas.openxmlformats.org/officeDocument/2006/relationships" xmlns:p="http://schemas.openxmlformats.org/presentationml/2006/main" type="blank" preserve="1">
   <p:cSld name="Blank Slide">
     <p:spTree>
       <p:nvGrpSpPr>
@@ -36,11 +131,14 @@
       </p:grpSpPr>
     </p:spTree>
   </p:cSld>
+  <p:clrMapOvr>
+    <a:masterClrMapping/>
+  </p:clrMapOvr>
 </p:sldLayout>
 </file>
 
 <file path=ppt/slideLayouts/slideLayout10.xml><?xml version="1.0" encoding="utf-8"?>
-<p:sldLayout xmlns:a="http://schemas.openxmlformats.org/drawingml/2006/main" xmlns:p="http://schemas.openxmlformats.org/presentationml/2006/main" xmlns:r="http://schemas.openxmlformats.org/officeDocument/2006/relationships" xmlns:p14="http://schemas.microsoft.com/office/powerpoint/2010/main" xmlns:p15="http://schemas.microsoft.com/office/powerpoint/2012/main" xmlns:mc="http://schemas.openxmlformats.org/markup-compatibility/2006" type="objOverTx" preserve="1">
+<p:sldLayout xmlns:a="http://schemas.openxmlformats.org/drawingml/2006/main" xmlns:r="http://schemas.openxmlformats.org/officeDocument/2006/relationships" xmlns:p="http://schemas.openxmlformats.org/presentationml/2006/main" type="objOverTx" preserve="1">
   <p:cSld name="Title, Content over Content">
     <p:spTree>
       <p:nvGrpSpPr>
@@ -76,11 +174,12 @@
           </a:prstGeom>
         </p:spPr>
         <p:txBody>
-          <a:bodyPr lIns="0" rIns="0" tIns="0" bIns="0" anchor="ctr">
+          <a:bodyPr lIns="0" tIns="0" rIns="0" bIns="0" anchor="ctr">
             <a:noAutofit/>
           </a:bodyPr>
-          <a:p>
-            <a:endParaRPr b="0" lang="en-US" sz="1800" spc="-1" strike="noStrike">
+          <a:lstStyle/>
+          <a:p>
+            <a:endParaRPr lang="en-US" sz="1800" b="0" strike="noStrike" spc="-1">
               <a:solidFill>
                 <a:srgbClr val="000000"/>
               </a:solidFill>
@@ -109,11 +208,12 @@
           </a:prstGeom>
         </p:spPr>
         <p:txBody>
-          <a:bodyPr lIns="0" rIns="0" tIns="0" bIns="0">
+          <a:bodyPr lIns="0" tIns="0" rIns="0" bIns="0">
             <a:normAutofit/>
           </a:bodyPr>
-          <a:p>
-            <a:endParaRPr b="0" lang="en-US" sz="2800" spc="-1" strike="noStrike">
+          <a:lstStyle/>
+          <a:p>
+            <a:endParaRPr lang="en-US" sz="2800" b="0" strike="noStrike" spc="-1">
               <a:solidFill>
                 <a:srgbClr val="000000"/>
               </a:solidFill>
@@ -142,11 +242,12 @@
           </a:prstGeom>
         </p:spPr>
         <p:txBody>
-          <a:bodyPr lIns="0" rIns="0" tIns="0" bIns="0">
+          <a:bodyPr lIns="0" tIns="0" rIns="0" bIns="0">
             <a:normAutofit/>
           </a:bodyPr>
-          <a:p>
-            <a:endParaRPr b="0" lang="en-US" sz="2800" spc="-1" strike="noStrike">
+          <a:lstStyle/>
+          <a:p>
+            <a:endParaRPr lang="en-US" sz="2800" b="0" strike="noStrike" spc="-1">
               <a:solidFill>
                 <a:srgbClr val="000000"/>
               </a:solidFill>
@@ -157,11 +258,14 @@
       </p:sp>
     </p:spTree>
   </p:cSld>
+  <p:clrMapOvr>
+    <a:masterClrMapping/>
+  </p:clrMapOvr>
 </p:sldLayout>
 </file>
 
 <file path=ppt/slideLayouts/slideLayout11.xml><?xml version="1.0" encoding="utf-8"?>
-<p:sldLayout xmlns:a="http://schemas.openxmlformats.org/drawingml/2006/main" xmlns:p="http://schemas.openxmlformats.org/presentationml/2006/main" xmlns:r="http://schemas.openxmlformats.org/officeDocument/2006/relationships" xmlns:p14="http://schemas.microsoft.com/office/powerpoint/2010/main" xmlns:p15="http://schemas.microsoft.com/office/powerpoint/2012/main" xmlns:mc="http://schemas.openxmlformats.org/markup-compatibility/2006" type="fourObj" preserve="1">
+<p:sldLayout xmlns:a="http://schemas.openxmlformats.org/drawingml/2006/main" xmlns:r="http://schemas.openxmlformats.org/officeDocument/2006/relationships" xmlns:p="http://schemas.openxmlformats.org/presentationml/2006/main" type="fourObj" preserve="1">
   <p:cSld name="Title, 4 Content">
     <p:spTree>
       <p:nvGrpSpPr>
@@ -197,11 +301,12 @@
           </a:prstGeom>
         </p:spPr>
         <p:txBody>
-          <a:bodyPr lIns="0" rIns="0" tIns="0" bIns="0" anchor="ctr">
+          <a:bodyPr lIns="0" tIns="0" rIns="0" bIns="0" anchor="ctr">
             <a:noAutofit/>
           </a:bodyPr>
-          <a:p>
-            <a:endParaRPr b="0" lang="en-US" sz="1800" spc="-1" strike="noStrike">
+          <a:lstStyle/>
+          <a:p>
+            <a:endParaRPr lang="en-US" sz="1800" b="0" strike="noStrike" spc="-1">
               <a:solidFill>
                 <a:srgbClr val="000000"/>
               </a:solidFill>
@@ -230,11 +335,12 @@
           </a:prstGeom>
         </p:spPr>
         <p:txBody>
-          <a:bodyPr lIns="0" rIns="0" tIns="0" bIns="0">
+          <a:bodyPr lIns="0" tIns="0" rIns="0" bIns="0">
             <a:normAutofit/>
           </a:bodyPr>
-          <a:p>
-            <a:endParaRPr b="0" lang="en-US" sz="2800" spc="-1" strike="noStrike">
+          <a:lstStyle/>
+          <a:p>
+            <a:endParaRPr lang="en-US" sz="2800" b="0" strike="noStrike" spc="-1">
               <a:solidFill>
                 <a:srgbClr val="000000"/>
               </a:solidFill>
@@ -263,11 +369,12 @@
           </a:prstGeom>
         </p:spPr>
         <p:txBody>
-          <a:bodyPr lIns="0" rIns="0" tIns="0" bIns="0">
+          <a:bodyPr lIns="0" tIns="0" rIns="0" bIns="0">
             <a:normAutofit/>
           </a:bodyPr>
-          <a:p>
-            <a:endParaRPr b="0" lang="en-US" sz="2800" spc="-1" strike="noStrike">
+          <a:lstStyle/>
+          <a:p>
+            <a:endParaRPr lang="en-US" sz="2800" b="0" strike="noStrike" spc="-1">
               <a:solidFill>
                 <a:srgbClr val="000000"/>
               </a:solidFill>
@@ -296,11 +403,12 @@
           </a:prstGeom>
         </p:spPr>
         <p:txBody>
-          <a:bodyPr lIns="0" rIns="0" tIns="0" bIns="0">
+          <a:bodyPr lIns="0" tIns="0" rIns="0" bIns="0">
             <a:normAutofit/>
           </a:bodyPr>
-          <a:p>
-            <a:endParaRPr b="0" lang="en-US" sz="2800" spc="-1" strike="noStrike">
+          <a:lstStyle/>
+          <a:p>
+            <a:endParaRPr lang="en-US" sz="2800" b="0" strike="noStrike" spc="-1">
               <a:solidFill>
                 <a:srgbClr val="000000"/>
               </a:solidFill>
@@ -329,11 +437,12 @@
           </a:prstGeom>
         </p:spPr>
         <p:txBody>
-          <a:bodyPr lIns="0" rIns="0" tIns="0" bIns="0">
+          <a:bodyPr lIns="0" tIns="0" rIns="0" bIns="0">
             <a:normAutofit/>
           </a:bodyPr>
-          <a:p>
-            <a:endParaRPr b="0" lang="en-US" sz="2800" spc="-1" strike="noStrike">
+          <a:lstStyle/>
+          <a:p>
+            <a:endParaRPr lang="en-US" sz="2800" b="0" strike="noStrike" spc="-1">
               <a:solidFill>
                 <a:srgbClr val="000000"/>
               </a:solidFill>
@@ -344,11 +453,14 @@
       </p:sp>
     </p:spTree>
   </p:cSld>
+  <p:clrMapOvr>
+    <a:masterClrMapping/>
+  </p:clrMapOvr>
 </p:sldLayout>
 </file>
 
 <file path=ppt/slideLayouts/slideLayout12.xml><?xml version="1.0" encoding="utf-8"?>
-<p:sldLayout xmlns:a="http://schemas.openxmlformats.org/drawingml/2006/main" xmlns:p="http://schemas.openxmlformats.org/presentationml/2006/main" xmlns:r="http://schemas.openxmlformats.org/officeDocument/2006/relationships" xmlns:p14="http://schemas.microsoft.com/office/powerpoint/2010/main" xmlns:p15="http://schemas.microsoft.com/office/powerpoint/2012/main" xmlns:mc="http://schemas.openxmlformats.org/markup-compatibility/2006" type="blank" preserve="1">
+<p:sldLayout xmlns:a="http://schemas.openxmlformats.org/drawingml/2006/main" xmlns:r="http://schemas.openxmlformats.org/officeDocument/2006/relationships" xmlns:p="http://schemas.openxmlformats.org/presentationml/2006/main" type="blank" preserve="1">
   <p:cSld name="Title, 6 Content">
     <p:spTree>
       <p:nvGrpSpPr>
@@ -384,11 +496,12 @@
           </a:prstGeom>
         </p:spPr>
         <p:txBody>
-          <a:bodyPr lIns="0" rIns="0" tIns="0" bIns="0" anchor="ctr">
+          <a:bodyPr lIns="0" tIns="0" rIns="0" bIns="0" anchor="ctr">
             <a:noAutofit/>
           </a:bodyPr>
-          <a:p>
-            <a:endParaRPr b="0" lang="en-US" sz="1800" spc="-1" strike="noStrike">
+          <a:lstStyle/>
+          <a:p>
+            <a:endParaRPr lang="en-US" sz="1800" b="0" strike="noStrike" spc="-1">
               <a:solidFill>
                 <a:srgbClr val="000000"/>
               </a:solidFill>
@@ -417,11 +530,12 @@
           </a:prstGeom>
         </p:spPr>
         <p:txBody>
-          <a:bodyPr lIns="0" rIns="0" tIns="0" bIns="0">
+          <a:bodyPr lIns="0" tIns="0" rIns="0" bIns="0">
             <a:normAutofit/>
           </a:bodyPr>
-          <a:p>
-            <a:endParaRPr b="0" lang="en-US" sz="2800" spc="-1" strike="noStrike">
+          <a:lstStyle/>
+          <a:p>
+            <a:endParaRPr lang="en-US" sz="2800" b="0" strike="noStrike" spc="-1">
               <a:solidFill>
                 <a:srgbClr val="000000"/>
               </a:solidFill>
@@ -450,11 +564,12 @@
           </a:prstGeom>
         </p:spPr>
         <p:txBody>
-          <a:bodyPr lIns="0" rIns="0" tIns="0" bIns="0">
+          <a:bodyPr lIns="0" tIns="0" rIns="0" bIns="0">
             <a:normAutofit/>
           </a:bodyPr>
-          <a:p>
-            <a:endParaRPr b="0" lang="en-US" sz="2800" spc="-1" strike="noStrike">
+          <a:lstStyle/>
+          <a:p>
+            <a:endParaRPr lang="en-US" sz="2800" b="0" strike="noStrike" spc="-1">
               <a:solidFill>
                 <a:srgbClr val="000000"/>
               </a:solidFill>
@@ -483,11 +598,12 @@
           </a:prstGeom>
         </p:spPr>
         <p:txBody>
-          <a:bodyPr lIns="0" rIns="0" tIns="0" bIns="0">
+          <a:bodyPr lIns="0" tIns="0" rIns="0" bIns="0">
             <a:normAutofit/>
           </a:bodyPr>
-          <a:p>
-            <a:endParaRPr b="0" lang="en-US" sz="2800" spc="-1" strike="noStrike">
+          <a:lstStyle/>
+          <a:p>
+            <a:endParaRPr lang="en-US" sz="2800" b="0" strike="noStrike" spc="-1">
               <a:solidFill>
                 <a:srgbClr val="000000"/>
               </a:solidFill>
@@ -516,11 +632,12 @@
           </a:prstGeom>
         </p:spPr>
         <p:txBody>
-          <a:bodyPr lIns="0" rIns="0" tIns="0" bIns="0">
+          <a:bodyPr lIns="0" tIns="0" rIns="0" bIns="0">
             <a:normAutofit/>
           </a:bodyPr>
-          <a:p>
-            <a:endParaRPr b="0" lang="en-US" sz="2800" spc="-1" strike="noStrike">
+          <a:lstStyle/>
+          <a:p>
+            <a:endParaRPr lang="en-US" sz="2800" b="0" strike="noStrike" spc="-1">
               <a:solidFill>
                 <a:srgbClr val="000000"/>
               </a:solidFill>
@@ -549,11 +666,12 @@
           </a:prstGeom>
         </p:spPr>
         <p:txBody>
-          <a:bodyPr lIns="0" rIns="0" tIns="0" bIns="0">
+          <a:bodyPr lIns="0" tIns="0" rIns="0" bIns="0">
             <a:normAutofit/>
           </a:bodyPr>
-          <a:p>
-            <a:endParaRPr b="0" lang="en-US" sz="2800" spc="-1" strike="noStrike">
+          <a:lstStyle/>
+          <a:p>
+            <a:endParaRPr lang="en-US" sz="2800" b="0" strike="noStrike" spc="-1">
               <a:solidFill>
                 <a:srgbClr val="000000"/>
               </a:solidFill>
@@ -582,11 +700,12 @@
           </a:prstGeom>
         </p:spPr>
         <p:txBody>
-          <a:bodyPr lIns="0" rIns="0" tIns="0" bIns="0">
+          <a:bodyPr lIns="0" tIns="0" rIns="0" bIns="0">
             <a:normAutofit/>
           </a:bodyPr>
-          <a:p>
-            <a:endParaRPr b="0" lang="en-US" sz="2800" spc="-1" strike="noStrike">
+          <a:lstStyle/>
+          <a:p>
+            <a:endParaRPr lang="en-US" sz="2800" b="0" strike="noStrike" spc="-1">
               <a:solidFill>
                 <a:srgbClr val="000000"/>
               </a:solidFill>
@@ -597,11 +716,14 @@
       </p:sp>
     </p:spTree>
   </p:cSld>
+  <p:clrMapOvr>
+    <a:masterClrMapping/>
+  </p:clrMapOvr>
 </p:sldLayout>
 </file>
 
 <file path=ppt/slideLayouts/slideLayout13.xml><?xml version="1.0" encoding="utf-8"?>
-<p:sldLayout xmlns:a="http://schemas.openxmlformats.org/drawingml/2006/main" xmlns:p="http://schemas.openxmlformats.org/presentationml/2006/main" xmlns:r="http://schemas.openxmlformats.org/officeDocument/2006/relationships" xmlns:p14="http://schemas.microsoft.com/office/powerpoint/2010/main" xmlns:p15="http://schemas.microsoft.com/office/powerpoint/2012/main" xmlns:mc="http://schemas.openxmlformats.org/markup-compatibility/2006" type="blank" preserve="1">
+<p:sldLayout xmlns:a="http://schemas.openxmlformats.org/drawingml/2006/main" xmlns:r="http://schemas.openxmlformats.org/officeDocument/2006/relationships" xmlns:p="http://schemas.openxmlformats.org/presentationml/2006/main" type="blank" preserve="1">
   <p:cSld name="Blank Slide">
     <p:spTree>
       <p:nvGrpSpPr>
@@ -619,11 +741,14 @@
       </p:grpSpPr>
     </p:spTree>
   </p:cSld>
+  <p:clrMapOvr>
+    <a:masterClrMapping/>
+  </p:clrMapOvr>
 </p:sldLayout>
 </file>
 
 <file path=ppt/slideLayouts/slideLayout14.xml><?xml version="1.0" encoding="utf-8"?>
-<p:sldLayout xmlns:a="http://schemas.openxmlformats.org/drawingml/2006/main" xmlns:p="http://schemas.openxmlformats.org/presentationml/2006/main" xmlns:r="http://schemas.openxmlformats.org/officeDocument/2006/relationships" xmlns:p14="http://schemas.microsoft.com/office/powerpoint/2010/main" xmlns:p15="http://schemas.microsoft.com/office/powerpoint/2012/main" xmlns:mc="http://schemas.openxmlformats.org/markup-compatibility/2006" type="tx" preserve="1">
+<p:sldLayout xmlns:a="http://schemas.openxmlformats.org/drawingml/2006/main" xmlns:r="http://schemas.openxmlformats.org/officeDocument/2006/relationships" xmlns:p="http://schemas.openxmlformats.org/presentationml/2006/main" type="tx" preserve="1">
   <p:cSld name="Title Slide">
     <p:spTree>
       <p:nvGrpSpPr>
@@ -659,11 +784,12 @@
           </a:prstGeom>
         </p:spPr>
         <p:txBody>
-          <a:bodyPr lIns="0" rIns="0" tIns="0" bIns="0" anchor="ctr">
+          <a:bodyPr lIns="0" tIns="0" rIns="0" bIns="0" anchor="ctr">
             <a:noAutofit/>
           </a:bodyPr>
-          <a:p>
-            <a:endParaRPr b="0" lang="en-US" sz="1800" spc="-1" strike="noStrike">
+          <a:lstStyle/>
+          <a:p>
+            <a:endParaRPr lang="en-US" sz="1800" b="0" strike="noStrike" spc="-1">
               <a:solidFill>
                 <a:srgbClr val="000000"/>
               </a:solidFill>
@@ -692,12 +818,13 @@
           </a:prstGeom>
         </p:spPr>
         <p:txBody>
-          <a:bodyPr lIns="0" rIns="0" tIns="0" bIns="0" anchor="ctr">
+          <a:bodyPr lIns="0" tIns="0" rIns="0" bIns="0" anchor="ctr">
             <a:noAutofit/>
           </a:bodyPr>
+          <a:lstStyle/>
           <a:p>
             <a:pPr algn="ctr"/>
-            <a:endParaRPr b="0" lang="en-US" sz="3200" spc="-1" strike="noStrike">
+            <a:endParaRPr lang="en-US" sz="3200" b="0" strike="noStrike" spc="-1">
               <a:latin typeface="Arial"/>
             </a:endParaRPr>
           </a:p>
@@ -705,11 +832,14 @@
       </p:sp>
     </p:spTree>
   </p:cSld>
+  <p:clrMapOvr>
+    <a:masterClrMapping/>
+  </p:clrMapOvr>
 </p:sldLayout>
 </file>
 
 <file path=ppt/slideLayouts/slideLayout15.xml><?xml version="1.0" encoding="utf-8"?>
-<p:sldLayout xmlns:a="http://schemas.openxmlformats.org/drawingml/2006/main" xmlns:p="http://schemas.openxmlformats.org/presentationml/2006/main" xmlns:r="http://schemas.openxmlformats.org/officeDocument/2006/relationships" xmlns:p14="http://schemas.microsoft.com/office/powerpoint/2010/main" xmlns:p15="http://schemas.microsoft.com/office/powerpoint/2012/main" xmlns:mc="http://schemas.openxmlformats.org/markup-compatibility/2006" type="obj" preserve="1">
+<p:sldLayout xmlns:a="http://schemas.openxmlformats.org/drawingml/2006/main" xmlns:r="http://schemas.openxmlformats.org/officeDocument/2006/relationships" xmlns:p="http://schemas.openxmlformats.org/presentationml/2006/main" type="obj" preserve="1">
   <p:cSld name="Title, Content">
     <p:spTree>
       <p:nvGrpSpPr>
@@ -745,11 +875,12 @@
           </a:prstGeom>
         </p:spPr>
         <p:txBody>
-          <a:bodyPr lIns="0" rIns="0" tIns="0" bIns="0" anchor="ctr">
+          <a:bodyPr lIns="0" tIns="0" rIns="0" bIns="0" anchor="ctr">
             <a:noAutofit/>
           </a:bodyPr>
-          <a:p>
-            <a:endParaRPr b="0" lang="en-US" sz="1800" spc="-1" strike="noStrike">
+          <a:lstStyle/>
+          <a:p>
+            <a:endParaRPr lang="en-US" sz="1800" b="0" strike="noStrike" spc="-1">
               <a:solidFill>
                 <a:srgbClr val="000000"/>
               </a:solidFill>
@@ -778,11 +909,12 @@
           </a:prstGeom>
         </p:spPr>
         <p:txBody>
-          <a:bodyPr lIns="0" rIns="0" tIns="0" bIns="0">
+          <a:bodyPr lIns="0" tIns="0" rIns="0" bIns="0">
             <a:normAutofit/>
           </a:bodyPr>
-          <a:p>
-            <a:endParaRPr b="0" lang="en-US" sz="2800" spc="-1" strike="noStrike">
+          <a:lstStyle/>
+          <a:p>
+            <a:endParaRPr lang="en-US" sz="2800" b="0" strike="noStrike" spc="-1">
               <a:solidFill>
                 <a:srgbClr val="000000"/>
               </a:solidFill>
@@ -793,11 +925,14 @@
       </p:sp>
     </p:spTree>
   </p:cSld>
+  <p:clrMapOvr>
+    <a:masterClrMapping/>
+  </p:clrMapOvr>
 </p:sldLayout>
 </file>
 
 <file path=ppt/slideLayouts/slideLayout16.xml><?xml version="1.0" encoding="utf-8"?>
-<p:sldLayout xmlns:a="http://schemas.openxmlformats.org/drawingml/2006/main" xmlns:p="http://schemas.openxmlformats.org/presentationml/2006/main" xmlns:r="http://schemas.openxmlformats.org/officeDocument/2006/relationships" xmlns:p14="http://schemas.microsoft.com/office/powerpoint/2010/main" xmlns:p15="http://schemas.microsoft.com/office/powerpoint/2012/main" xmlns:mc="http://schemas.openxmlformats.org/markup-compatibility/2006" type="twoObj" preserve="1">
+<p:sldLayout xmlns:a="http://schemas.openxmlformats.org/drawingml/2006/main" xmlns:r="http://schemas.openxmlformats.org/officeDocument/2006/relationships" xmlns:p="http://schemas.openxmlformats.org/presentationml/2006/main" type="twoObj" preserve="1">
   <p:cSld name="Title, 2 Content">
     <p:spTree>
       <p:nvGrpSpPr>
@@ -833,11 +968,12 @@
           </a:prstGeom>
         </p:spPr>
         <p:txBody>
-          <a:bodyPr lIns="0" rIns="0" tIns="0" bIns="0" anchor="ctr">
+          <a:bodyPr lIns="0" tIns="0" rIns="0" bIns="0" anchor="ctr">
             <a:noAutofit/>
           </a:bodyPr>
-          <a:p>
-            <a:endParaRPr b="0" lang="en-US" sz="1800" spc="-1" strike="noStrike">
+          <a:lstStyle/>
+          <a:p>
+            <a:endParaRPr lang="en-US" sz="1800" b="0" strike="noStrike" spc="-1">
               <a:solidFill>
                 <a:srgbClr val="000000"/>
               </a:solidFill>
@@ -866,11 +1002,12 @@
           </a:prstGeom>
         </p:spPr>
         <p:txBody>
-          <a:bodyPr lIns="0" rIns="0" tIns="0" bIns="0">
+          <a:bodyPr lIns="0" tIns="0" rIns="0" bIns="0">
             <a:normAutofit/>
           </a:bodyPr>
-          <a:p>
-            <a:endParaRPr b="0" lang="en-US" sz="2800" spc="-1" strike="noStrike">
+          <a:lstStyle/>
+          <a:p>
+            <a:endParaRPr lang="en-US" sz="2800" b="0" strike="noStrike" spc="-1">
               <a:solidFill>
                 <a:srgbClr val="000000"/>
               </a:solidFill>
@@ -899,11 +1036,12 @@
           </a:prstGeom>
         </p:spPr>
         <p:txBody>
-          <a:bodyPr lIns="0" rIns="0" tIns="0" bIns="0">
+          <a:bodyPr lIns="0" tIns="0" rIns="0" bIns="0">
             <a:normAutofit/>
           </a:bodyPr>
-          <a:p>
-            <a:endParaRPr b="0" lang="en-US" sz="2800" spc="-1" strike="noStrike">
+          <a:lstStyle/>
+          <a:p>
+            <a:endParaRPr lang="en-US" sz="2800" b="0" strike="noStrike" spc="-1">
               <a:solidFill>
                 <a:srgbClr val="000000"/>
               </a:solidFill>
@@ -914,11 +1052,14 @@
       </p:sp>
     </p:spTree>
   </p:cSld>
+  <p:clrMapOvr>
+    <a:masterClrMapping/>
+  </p:clrMapOvr>
 </p:sldLayout>
 </file>
 
 <file path=ppt/slideLayouts/slideLayout17.xml><?xml version="1.0" encoding="utf-8"?>
-<p:sldLayout xmlns:a="http://schemas.openxmlformats.org/drawingml/2006/main" xmlns:p="http://schemas.openxmlformats.org/presentationml/2006/main" xmlns:r="http://schemas.openxmlformats.org/officeDocument/2006/relationships" xmlns:p14="http://schemas.microsoft.com/office/powerpoint/2010/main" xmlns:p15="http://schemas.microsoft.com/office/powerpoint/2012/main" xmlns:mc="http://schemas.openxmlformats.org/markup-compatibility/2006" type="titleOnly" preserve="1">
+<p:sldLayout xmlns:a="http://schemas.openxmlformats.org/drawingml/2006/main" xmlns:r="http://schemas.openxmlformats.org/officeDocument/2006/relationships" xmlns:p="http://schemas.openxmlformats.org/presentationml/2006/main" type="titleOnly" preserve="1">
   <p:cSld name="Title Only">
     <p:spTree>
       <p:nvGrpSpPr>
@@ -954,11 +1095,12 @@
           </a:prstGeom>
         </p:spPr>
         <p:txBody>
-          <a:bodyPr lIns="0" rIns="0" tIns="0" bIns="0" anchor="ctr">
+          <a:bodyPr lIns="0" tIns="0" rIns="0" bIns="0" anchor="ctr">
             <a:noAutofit/>
           </a:bodyPr>
-          <a:p>
-            <a:endParaRPr b="0" lang="en-US" sz="1800" spc="-1" strike="noStrike">
+          <a:lstStyle/>
+          <a:p>
+            <a:endParaRPr lang="en-US" sz="1800" b="0" strike="noStrike" spc="-1">
               <a:solidFill>
                 <a:srgbClr val="000000"/>
               </a:solidFill>
@@ -969,11 +1111,14 @@
       </p:sp>
     </p:spTree>
   </p:cSld>
+  <p:clrMapOvr>
+    <a:masterClrMapping/>
+  </p:clrMapOvr>
 </p:sldLayout>
 </file>
 
 <file path=ppt/slideLayouts/slideLayout18.xml><?xml version="1.0" encoding="utf-8"?>
-<p:sldLayout xmlns:a="http://schemas.openxmlformats.org/drawingml/2006/main" xmlns:p="http://schemas.openxmlformats.org/presentationml/2006/main" xmlns:r="http://schemas.openxmlformats.org/officeDocument/2006/relationships" xmlns:p14="http://schemas.microsoft.com/office/powerpoint/2010/main" xmlns:p15="http://schemas.microsoft.com/office/powerpoint/2012/main" xmlns:mc="http://schemas.openxmlformats.org/markup-compatibility/2006" type="objOnly" preserve="1">
+<p:sldLayout xmlns:a="http://schemas.openxmlformats.org/drawingml/2006/main" xmlns:r="http://schemas.openxmlformats.org/officeDocument/2006/relationships" xmlns:p="http://schemas.openxmlformats.org/presentationml/2006/main" type="objOnly" preserve="1">
   <p:cSld name="Centered Text">
     <p:spTree>
       <p:nvGrpSpPr>
@@ -1009,12 +1154,13 @@
           </a:prstGeom>
         </p:spPr>
         <p:txBody>
-          <a:bodyPr lIns="0" rIns="0" tIns="0" bIns="0" anchor="ctr">
+          <a:bodyPr lIns="0" tIns="0" rIns="0" bIns="0" anchor="ctr">
             <a:noAutofit/>
           </a:bodyPr>
+          <a:lstStyle/>
           <a:p>
             <a:pPr algn="ctr"/>
-            <a:endParaRPr b="0" lang="en-US" sz="3200" spc="-1" strike="noStrike">
+            <a:endParaRPr lang="en-US" sz="3200" b="0" strike="noStrike" spc="-1">
               <a:latin typeface="Arial"/>
             </a:endParaRPr>
           </a:p>
@@ -1022,11 +1168,14 @@
       </p:sp>
     </p:spTree>
   </p:cSld>
+  <p:clrMapOvr>
+    <a:masterClrMapping/>
+  </p:clrMapOvr>
 </p:sldLayout>
 </file>
 
 <file path=ppt/slideLayouts/slideLayout19.xml><?xml version="1.0" encoding="utf-8"?>
-<p:sldLayout xmlns:a="http://schemas.openxmlformats.org/drawingml/2006/main" xmlns:p="http://schemas.openxmlformats.org/presentationml/2006/main" xmlns:r="http://schemas.openxmlformats.org/officeDocument/2006/relationships" xmlns:p14="http://schemas.microsoft.com/office/powerpoint/2010/main" xmlns:p15="http://schemas.microsoft.com/office/powerpoint/2012/main" xmlns:mc="http://schemas.openxmlformats.org/markup-compatibility/2006" type="twoObjAndObj" preserve="1">
+<p:sldLayout xmlns:a="http://schemas.openxmlformats.org/drawingml/2006/main" xmlns:r="http://schemas.openxmlformats.org/officeDocument/2006/relationships" xmlns:p="http://schemas.openxmlformats.org/presentationml/2006/main" type="twoObjAndObj" preserve="1">
   <p:cSld name="Title, 2 Content and Content">
     <p:spTree>
       <p:nvGrpSpPr>
@@ -1062,11 +1211,12 @@
           </a:prstGeom>
         </p:spPr>
         <p:txBody>
-          <a:bodyPr lIns="0" rIns="0" tIns="0" bIns="0" anchor="ctr">
+          <a:bodyPr lIns="0" tIns="0" rIns="0" bIns="0" anchor="ctr">
             <a:noAutofit/>
           </a:bodyPr>
-          <a:p>
-            <a:endParaRPr b="0" lang="en-US" sz="1800" spc="-1" strike="noStrike">
+          <a:lstStyle/>
+          <a:p>
+            <a:endParaRPr lang="en-US" sz="1800" b="0" strike="noStrike" spc="-1">
               <a:solidFill>
                 <a:srgbClr val="000000"/>
               </a:solidFill>
@@ -1095,11 +1245,12 @@
           </a:prstGeom>
         </p:spPr>
         <p:txBody>
-          <a:bodyPr lIns="0" rIns="0" tIns="0" bIns="0">
+          <a:bodyPr lIns="0" tIns="0" rIns="0" bIns="0">
             <a:normAutofit/>
           </a:bodyPr>
-          <a:p>
-            <a:endParaRPr b="0" lang="en-US" sz="2800" spc="-1" strike="noStrike">
+          <a:lstStyle/>
+          <a:p>
+            <a:endParaRPr lang="en-US" sz="2800" b="0" strike="noStrike" spc="-1">
               <a:solidFill>
                 <a:srgbClr val="000000"/>
               </a:solidFill>
@@ -1128,11 +1279,12 @@
           </a:prstGeom>
         </p:spPr>
         <p:txBody>
-          <a:bodyPr lIns="0" rIns="0" tIns="0" bIns="0">
+          <a:bodyPr lIns="0" tIns="0" rIns="0" bIns="0">
             <a:normAutofit/>
           </a:bodyPr>
-          <a:p>
-            <a:endParaRPr b="0" lang="en-US" sz="2800" spc="-1" strike="noStrike">
+          <a:lstStyle/>
+          <a:p>
+            <a:endParaRPr lang="en-US" sz="2800" b="0" strike="noStrike" spc="-1">
               <a:solidFill>
                 <a:srgbClr val="000000"/>
               </a:solidFill>
@@ -1161,11 +1313,12 @@
           </a:prstGeom>
         </p:spPr>
         <p:txBody>
-          <a:bodyPr lIns="0" rIns="0" tIns="0" bIns="0">
+          <a:bodyPr lIns="0" tIns="0" rIns="0" bIns="0">
             <a:normAutofit/>
           </a:bodyPr>
-          <a:p>
-            <a:endParaRPr b="0" lang="en-US" sz="2800" spc="-1" strike="noStrike">
+          <a:lstStyle/>
+          <a:p>
+            <a:endParaRPr lang="en-US" sz="2800" b="0" strike="noStrike" spc="-1">
               <a:solidFill>
                 <a:srgbClr val="000000"/>
               </a:solidFill>
@@ -1176,11 +1329,14 @@
       </p:sp>
     </p:spTree>
   </p:cSld>
+  <p:clrMapOvr>
+    <a:masterClrMapping/>
+  </p:clrMapOvr>
 </p:sldLayout>
 </file>
 
 <file path=ppt/slideLayouts/slideLayout2.xml><?xml version="1.0" encoding="utf-8"?>
-<p:sldLayout xmlns:a="http://schemas.openxmlformats.org/drawingml/2006/main" xmlns:p="http://schemas.openxmlformats.org/presentationml/2006/main" xmlns:r="http://schemas.openxmlformats.org/officeDocument/2006/relationships" xmlns:p14="http://schemas.microsoft.com/office/powerpoint/2010/main" xmlns:p15="http://schemas.microsoft.com/office/powerpoint/2012/main" xmlns:mc="http://schemas.openxmlformats.org/markup-compatibility/2006" type="tx" preserve="1">
+<p:sldLayout xmlns:a="http://schemas.openxmlformats.org/drawingml/2006/main" xmlns:r="http://schemas.openxmlformats.org/officeDocument/2006/relationships" xmlns:p="http://schemas.openxmlformats.org/presentationml/2006/main" type="tx" preserve="1">
   <p:cSld name="Title Slide">
     <p:spTree>
       <p:nvGrpSpPr>
@@ -1216,11 +1372,12 @@
           </a:prstGeom>
         </p:spPr>
         <p:txBody>
-          <a:bodyPr lIns="0" rIns="0" tIns="0" bIns="0" anchor="ctr">
+          <a:bodyPr lIns="0" tIns="0" rIns="0" bIns="0" anchor="ctr">
             <a:noAutofit/>
           </a:bodyPr>
-          <a:p>
-            <a:endParaRPr b="0" lang="en-US" sz="1800" spc="-1" strike="noStrike">
+          <a:lstStyle/>
+          <a:p>
+            <a:endParaRPr lang="en-US" sz="1800" b="0" strike="noStrike" spc="-1">
               <a:solidFill>
                 <a:srgbClr val="000000"/>
               </a:solidFill>
@@ -1249,12 +1406,13 @@
           </a:prstGeom>
         </p:spPr>
         <p:txBody>
-          <a:bodyPr lIns="0" rIns="0" tIns="0" bIns="0" anchor="ctr">
+          <a:bodyPr lIns="0" tIns="0" rIns="0" bIns="0" anchor="ctr">
             <a:noAutofit/>
           </a:bodyPr>
+          <a:lstStyle/>
           <a:p>
             <a:pPr algn="ctr"/>
-            <a:endParaRPr b="0" lang="en-US" sz="3200" spc="-1" strike="noStrike">
+            <a:endParaRPr lang="en-US" sz="3200" b="0" strike="noStrike" spc="-1">
               <a:latin typeface="Arial"/>
             </a:endParaRPr>
           </a:p>
@@ -1262,11 +1420,14 @@
       </p:sp>
     </p:spTree>
   </p:cSld>
+  <p:clrMapOvr>
+    <a:masterClrMapping/>
+  </p:clrMapOvr>
 </p:sldLayout>
 </file>
 
 <file path=ppt/slideLayouts/slideLayout20.xml><?xml version="1.0" encoding="utf-8"?>
-<p:sldLayout xmlns:a="http://schemas.openxmlformats.org/drawingml/2006/main" xmlns:p="http://schemas.openxmlformats.org/presentationml/2006/main" xmlns:r="http://schemas.openxmlformats.org/officeDocument/2006/relationships" xmlns:p14="http://schemas.microsoft.com/office/powerpoint/2010/main" xmlns:p15="http://schemas.microsoft.com/office/powerpoint/2012/main" xmlns:mc="http://schemas.openxmlformats.org/markup-compatibility/2006" type="objAndTwoObj" preserve="1">
+<p:sldLayout xmlns:a="http://schemas.openxmlformats.org/drawingml/2006/main" xmlns:r="http://schemas.openxmlformats.org/officeDocument/2006/relationships" xmlns:p="http://schemas.openxmlformats.org/presentationml/2006/main" type="objAndTwoObj" preserve="1">
   <p:cSld name="Title Content and 2 Content">
     <p:spTree>
       <p:nvGrpSpPr>
@@ -1302,11 +1463,12 @@
           </a:prstGeom>
         </p:spPr>
         <p:txBody>
-          <a:bodyPr lIns="0" rIns="0" tIns="0" bIns="0" anchor="ctr">
+          <a:bodyPr lIns="0" tIns="0" rIns="0" bIns="0" anchor="ctr">
             <a:noAutofit/>
           </a:bodyPr>
-          <a:p>
-            <a:endParaRPr b="0" lang="en-US" sz="1800" spc="-1" strike="noStrike">
+          <a:lstStyle/>
+          <a:p>
+            <a:endParaRPr lang="en-US" sz="1800" b="0" strike="noStrike" spc="-1">
               <a:solidFill>
                 <a:srgbClr val="000000"/>
               </a:solidFill>
@@ -1335,11 +1497,12 @@
           </a:prstGeom>
         </p:spPr>
         <p:txBody>
-          <a:bodyPr lIns="0" rIns="0" tIns="0" bIns="0">
+          <a:bodyPr lIns="0" tIns="0" rIns="0" bIns="0">
             <a:normAutofit/>
           </a:bodyPr>
-          <a:p>
-            <a:endParaRPr b="0" lang="en-US" sz="2800" spc="-1" strike="noStrike">
+          <a:lstStyle/>
+          <a:p>
+            <a:endParaRPr lang="en-US" sz="2800" b="0" strike="noStrike" spc="-1">
               <a:solidFill>
                 <a:srgbClr val="000000"/>
               </a:solidFill>
@@ -1368,11 +1531,12 @@
           </a:prstGeom>
         </p:spPr>
         <p:txBody>
-          <a:bodyPr lIns="0" rIns="0" tIns="0" bIns="0">
+          <a:bodyPr lIns="0" tIns="0" rIns="0" bIns="0">
             <a:normAutofit/>
           </a:bodyPr>
-          <a:p>
-            <a:endParaRPr b="0" lang="en-US" sz="2800" spc="-1" strike="noStrike">
+          <a:lstStyle/>
+          <a:p>
+            <a:endParaRPr lang="en-US" sz="2800" b="0" strike="noStrike" spc="-1">
               <a:solidFill>
                 <a:srgbClr val="000000"/>
               </a:solidFill>
@@ -1401,11 +1565,12 @@
           </a:prstGeom>
         </p:spPr>
         <p:txBody>
-          <a:bodyPr lIns="0" rIns="0" tIns="0" bIns="0">
+          <a:bodyPr lIns="0" tIns="0" rIns="0" bIns="0">
             <a:normAutofit/>
           </a:bodyPr>
-          <a:p>
-            <a:endParaRPr b="0" lang="en-US" sz="2800" spc="-1" strike="noStrike">
+          <a:lstStyle/>
+          <a:p>
+            <a:endParaRPr lang="en-US" sz="2800" b="0" strike="noStrike" spc="-1">
               <a:solidFill>
                 <a:srgbClr val="000000"/>
               </a:solidFill>
@@ -1416,11 +1581,14 @@
       </p:sp>
     </p:spTree>
   </p:cSld>
+  <p:clrMapOvr>
+    <a:masterClrMapping/>
+  </p:clrMapOvr>
 </p:sldLayout>
 </file>
 
 <file path=ppt/slideLayouts/slideLayout21.xml><?xml version="1.0" encoding="utf-8"?>
-<p:sldLayout xmlns:a="http://schemas.openxmlformats.org/drawingml/2006/main" xmlns:p="http://schemas.openxmlformats.org/presentationml/2006/main" xmlns:r="http://schemas.openxmlformats.org/officeDocument/2006/relationships" xmlns:p14="http://schemas.microsoft.com/office/powerpoint/2010/main" xmlns:p15="http://schemas.microsoft.com/office/powerpoint/2012/main" xmlns:mc="http://schemas.openxmlformats.org/markup-compatibility/2006" type="twoObjOverTx" preserve="1">
+<p:sldLayout xmlns:a="http://schemas.openxmlformats.org/drawingml/2006/main" xmlns:r="http://schemas.openxmlformats.org/officeDocument/2006/relationships" xmlns:p="http://schemas.openxmlformats.org/presentationml/2006/main" type="twoObjOverTx" preserve="1">
   <p:cSld name="Title, 2 Content over Content">
     <p:spTree>
       <p:nvGrpSpPr>
@@ -1456,11 +1624,12 @@
           </a:prstGeom>
         </p:spPr>
         <p:txBody>
-          <a:bodyPr lIns="0" rIns="0" tIns="0" bIns="0" anchor="ctr">
+          <a:bodyPr lIns="0" tIns="0" rIns="0" bIns="0" anchor="ctr">
             <a:noAutofit/>
           </a:bodyPr>
-          <a:p>
-            <a:endParaRPr b="0" lang="en-US" sz="1800" spc="-1" strike="noStrike">
+          <a:lstStyle/>
+          <a:p>
+            <a:endParaRPr lang="en-US" sz="1800" b="0" strike="noStrike" spc="-1">
               <a:solidFill>
                 <a:srgbClr val="000000"/>
               </a:solidFill>
@@ -1489,11 +1658,12 @@
           </a:prstGeom>
         </p:spPr>
         <p:txBody>
-          <a:bodyPr lIns="0" rIns="0" tIns="0" bIns="0">
+          <a:bodyPr lIns="0" tIns="0" rIns="0" bIns="0">
             <a:normAutofit/>
           </a:bodyPr>
-          <a:p>
-            <a:endParaRPr b="0" lang="en-US" sz="2800" spc="-1" strike="noStrike">
+          <a:lstStyle/>
+          <a:p>
+            <a:endParaRPr lang="en-US" sz="2800" b="0" strike="noStrike" spc="-1">
               <a:solidFill>
                 <a:srgbClr val="000000"/>
               </a:solidFill>
@@ -1522,11 +1692,12 @@
           </a:prstGeom>
         </p:spPr>
         <p:txBody>
-          <a:bodyPr lIns="0" rIns="0" tIns="0" bIns="0">
+          <a:bodyPr lIns="0" tIns="0" rIns="0" bIns="0">
             <a:normAutofit/>
           </a:bodyPr>
-          <a:p>
-            <a:endParaRPr b="0" lang="en-US" sz="2800" spc="-1" strike="noStrike">
+          <a:lstStyle/>
+          <a:p>
+            <a:endParaRPr lang="en-US" sz="2800" b="0" strike="noStrike" spc="-1">
               <a:solidFill>
                 <a:srgbClr val="000000"/>
               </a:solidFill>
@@ -1555,11 +1726,12 @@
           </a:prstGeom>
         </p:spPr>
         <p:txBody>
-          <a:bodyPr lIns="0" rIns="0" tIns="0" bIns="0">
+          <a:bodyPr lIns="0" tIns="0" rIns="0" bIns="0">
             <a:normAutofit/>
           </a:bodyPr>
-          <a:p>
-            <a:endParaRPr b="0" lang="en-US" sz="2800" spc="-1" strike="noStrike">
+          <a:lstStyle/>
+          <a:p>
+            <a:endParaRPr lang="en-US" sz="2800" b="0" strike="noStrike" spc="-1">
               <a:solidFill>
                 <a:srgbClr val="000000"/>
               </a:solidFill>
@@ -1570,11 +1742,14 @@
       </p:sp>
     </p:spTree>
   </p:cSld>
+  <p:clrMapOvr>
+    <a:masterClrMapping/>
+  </p:clrMapOvr>
 </p:sldLayout>
 </file>
 
 <file path=ppt/slideLayouts/slideLayout22.xml><?xml version="1.0" encoding="utf-8"?>
-<p:sldLayout xmlns:a="http://schemas.openxmlformats.org/drawingml/2006/main" xmlns:p="http://schemas.openxmlformats.org/presentationml/2006/main" xmlns:r="http://schemas.openxmlformats.org/officeDocument/2006/relationships" xmlns:p14="http://schemas.microsoft.com/office/powerpoint/2010/main" xmlns:p15="http://schemas.microsoft.com/office/powerpoint/2012/main" xmlns:mc="http://schemas.openxmlformats.org/markup-compatibility/2006" type="objOverTx" preserve="1">
+<p:sldLayout xmlns:a="http://schemas.openxmlformats.org/drawingml/2006/main" xmlns:r="http://schemas.openxmlformats.org/officeDocument/2006/relationships" xmlns:p="http://schemas.openxmlformats.org/presentationml/2006/main" type="objOverTx" preserve="1">
   <p:cSld name="Title, Content over Content">
     <p:spTree>
       <p:nvGrpSpPr>
@@ -1610,11 +1785,12 @@
           </a:prstGeom>
         </p:spPr>
         <p:txBody>
-          <a:bodyPr lIns="0" rIns="0" tIns="0" bIns="0" anchor="ctr">
+          <a:bodyPr lIns="0" tIns="0" rIns="0" bIns="0" anchor="ctr">
             <a:noAutofit/>
           </a:bodyPr>
-          <a:p>
-            <a:endParaRPr b="0" lang="en-US" sz="1800" spc="-1" strike="noStrike">
+          <a:lstStyle/>
+          <a:p>
+            <a:endParaRPr lang="en-US" sz="1800" b="0" strike="noStrike" spc="-1">
               <a:solidFill>
                 <a:srgbClr val="000000"/>
               </a:solidFill>
@@ -1643,11 +1819,12 @@
           </a:prstGeom>
         </p:spPr>
         <p:txBody>
-          <a:bodyPr lIns="0" rIns="0" tIns="0" bIns="0">
+          <a:bodyPr lIns="0" tIns="0" rIns="0" bIns="0">
             <a:normAutofit/>
           </a:bodyPr>
-          <a:p>
-            <a:endParaRPr b="0" lang="en-US" sz="2800" spc="-1" strike="noStrike">
+          <a:lstStyle/>
+          <a:p>
+            <a:endParaRPr lang="en-US" sz="2800" b="0" strike="noStrike" spc="-1">
               <a:solidFill>
                 <a:srgbClr val="000000"/>
               </a:solidFill>
@@ -1676,11 +1853,12 @@
           </a:prstGeom>
         </p:spPr>
         <p:txBody>
-          <a:bodyPr lIns="0" rIns="0" tIns="0" bIns="0">
+          <a:bodyPr lIns="0" tIns="0" rIns="0" bIns="0">
             <a:normAutofit/>
           </a:bodyPr>
-          <a:p>
-            <a:endParaRPr b="0" lang="en-US" sz="2800" spc="-1" strike="noStrike">
+          <a:lstStyle/>
+          <a:p>
+            <a:endParaRPr lang="en-US" sz="2800" b="0" strike="noStrike" spc="-1">
               <a:solidFill>
                 <a:srgbClr val="000000"/>
               </a:solidFill>
@@ -1691,11 +1869,14 @@
       </p:sp>
     </p:spTree>
   </p:cSld>
+  <p:clrMapOvr>
+    <a:masterClrMapping/>
+  </p:clrMapOvr>
 </p:sldLayout>
 </file>
 
 <file path=ppt/slideLayouts/slideLayout23.xml><?xml version="1.0" encoding="utf-8"?>
-<p:sldLayout xmlns:a="http://schemas.openxmlformats.org/drawingml/2006/main" xmlns:p="http://schemas.openxmlformats.org/presentationml/2006/main" xmlns:r="http://schemas.openxmlformats.org/officeDocument/2006/relationships" xmlns:p14="http://schemas.microsoft.com/office/powerpoint/2010/main" xmlns:p15="http://schemas.microsoft.com/office/powerpoint/2012/main" xmlns:mc="http://schemas.openxmlformats.org/markup-compatibility/2006" type="fourObj" preserve="1">
+<p:sldLayout xmlns:a="http://schemas.openxmlformats.org/drawingml/2006/main" xmlns:r="http://schemas.openxmlformats.org/officeDocument/2006/relationships" xmlns:p="http://schemas.openxmlformats.org/presentationml/2006/main" type="fourObj" preserve="1">
   <p:cSld name="Title, 4 Content">
     <p:spTree>
       <p:nvGrpSpPr>
@@ -1731,11 +1912,12 @@
           </a:prstGeom>
         </p:spPr>
         <p:txBody>
-          <a:bodyPr lIns="0" rIns="0" tIns="0" bIns="0" anchor="ctr">
+          <a:bodyPr lIns="0" tIns="0" rIns="0" bIns="0" anchor="ctr">
             <a:noAutofit/>
           </a:bodyPr>
-          <a:p>
-            <a:endParaRPr b="0" lang="en-US" sz="1800" spc="-1" strike="noStrike">
+          <a:lstStyle/>
+          <a:p>
+            <a:endParaRPr lang="en-US" sz="1800" b="0" strike="noStrike" spc="-1">
               <a:solidFill>
                 <a:srgbClr val="000000"/>
               </a:solidFill>
@@ -1764,11 +1946,12 @@
           </a:prstGeom>
         </p:spPr>
         <p:txBody>
-          <a:bodyPr lIns="0" rIns="0" tIns="0" bIns="0">
+          <a:bodyPr lIns="0" tIns="0" rIns="0" bIns="0">
             <a:normAutofit/>
           </a:bodyPr>
-          <a:p>
-            <a:endParaRPr b="0" lang="en-US" sz="2800" spc="-1" strike="noStrike">
+          <a:lstStyle/>
+          <a:p>
+            <a:endParaRPr lang="en-US" sz="2800" b="0" strike="noStrike" spc="-1">
               <a:solidFill>
                 <a:srgbClr val="000000"/>
               </a:solidFill>
@@ -1797,11 +1980,12 @@
           </a:prstGeom>
         </p:spPr>
         <p:txBody>
-          <a:bodyPr lIns="0" rIns="0" tIns="0" bIns="0">
+          <a:bodyPr lIns="0" tIns="0" rIns="0" bIns="0">
             <a:normAutofit/>
           </a:bodyPr>
-          <a:p>
-            <a:endParaRPr b="0" lang="en-US" sz="2800" spc="-1" strike="noStrike">
+          <a:lstStyle/>
+          <a:p>
+            <a:endParaRPr lang="en-US" sz="2800" b="0" strike="noStrike" spc="-1">
               <a:solidFill>
                 <a:srgbClr val="000000"/>
               </a:solidFill>
@@ -1830,11 +2014,12 @@
           </a:prstGeom>
         </p:spPr>
         <p:txBody>
-          <a:bodyPr lIns="0" rIns="0" tIns="0" bIns="0">
+          <a:bodyPr lIns="0" tIns="0" rIns="0" bIns="0">
             <a:normAutofit/>
           </a:bodyPr>
-          <a:p>
-            <a:endParaRPr b="0" lang="en-US" sz="2800" spc="-1" strike="noStrike">
+          <a:lstStyle/>
+          <a:p>
+            <a:endParaRPr lang="en-US" sz="2800" b="0" strike="noStrike" spc="-1">
               <a:solidFill>
                 <a:srgbClr val="000000"/>
               </a:solidFill>
@@ -1863,11 +2048,12 @@
           </a:prstGeom>
         </p:spPr>
         <p:txBody>
-          <a:bodyPr lIns="0" rIns="0" tIns="0" bIns="0">
+          <a:bodyPr lIns="0" tIns="0" rIns="0" bIns="0">
             <a:normAutofit/>
           </a:bodyPr>
-          <a:p>
-            <a:endParaRPr b="0" lang="en-US" sz="2800" spc="-1" strike="noStrike">
+          <a:lstStyle/>
+          <a:p>
+            <a:endParaRPr lang="en-US" sz="2800" b="0" strike="noStrike" spc="-1">
               <a:solidFill>
                 <a:srgbClr val="000000"/>
               </a:solidFill>
@@ -1878,11 +2064,14 @@
       </p:sp>
     </p:spTree>
   </p:cSld>
+  <p:clrMapOvr>
+    <a:masterClrMapping/>
+  </p:clrMapOvr>
 </p:sldLayout>
 </file>
 
 <file path=ppt/slideLayouts/slideLayout24.xml><?xml version="1.0" encoding="utf-8"?>
-<p:sldLayout xmlns:a="http://schemas.openxmlformats.org/drawingml/2006/main" xmlns:p="http://schemas.openxmlformats.org/presentationml/2006/main" xmlns:r="http://schemas.openxmlformats.org/officeDocument/2006/relationships" xmlns:p14="http://schemas.microsoft.com/office/powerpoint/2010/main" xmlns:p15="http://schemas.microsoft.com/office/powerpoint/2012/main" xmlns:mc="http://schemas.openxmlformats.org/markup-compatibility/2006" type="blank" preserve="1">
+<p:sldLayout xmlns:a="http://schemas.openxmlformats.org/drawingml/2006/main" xmlns:r="http://schemas.openxmlformats.org/officeDocument/2006/relationships" xmlns:p="http://schemas.openxmlformats.org/presentationml/2006/main" type="blank" preserve="1">
   <p:cSld name="Title, 6 Content">
     <p:spTree>
       <p:nvGrpSpPr>
@@ -1918,11 +2107,12 @@
           </a:prstGeom>
         </p:spPr>
         <p:txBody>
-          <a:bodyPr lIns="0" rIns="0" tIns="0" bIns="0" anchor="ctr">
+          <a:bodyPr lIns="0" tIns="0" rIns="0" bIns="0" anchor="ctr">
             <a:noAutofit/>
           </a:bodyPr>
-          <a:p>
-            <a:endParaRPr b="0" lang="en-US" sz="1800" spc="-1" strike="noStrike">
+          <a:lstStyle/>
+          <a:p>
+            <a:endParaRPr lang="en-US" sz="1800" b="0" strike="noStrike" spc="-1">
               <a:solidFill>
                 <a:srgbClr val="000000"/>
               </a:solidFill>
@@ -1951,11 +2141,12 @@
           </a:prstGeom>
         </p:spPr>
         <p:txBody>
-          <a:bodyPr lIns="0" rIns="0" tIns="0" bIns="0">
+          <a:bodyPr lIns="0" tIns="0" rIns="0" bIns="0">
             <a:normAutofit/>
           </a:bodyPr>
-          <a:p>
-            <a:endParaRPr b="0" lang="en-US" sz="2800" spc="-1" strike="noStrike">
+          <a:lstStyle/>
+          <a:p>
+            <a:endParaRPr lang="en-US" sz="2800" b="0" strike="noStrike" spc="-1">
               <a:solidFill>
                 <a:srgbClr val="000000"/>
               </a:solidFill>
@@ -1984,11 +2175,12 @@
           </a:prstGeom>
         </p:spPr>
         <p:txBody>
-          <a:bodyPr lIns="0" rIns="0" tIns="0" bIns="0">
+          <a:bodyPr lIns="0" tIns="0" rIns="0" bIns="0">
             <a:normAutofit/>
           </a:bodyPr>
-          <a:p>
-            <a:endParaRPr b="0" lang="en-US" sz="2800" spc="-1" strike="noStrike">
+          <a:lstStyle/>
+          <a:p>
+            <a:endParaRPr lang="en-US" sz="2800" b="0" strike="noStrike" spc="-1">
               <a:solidFill>
                 <a:srgbClr val="000000"/>
               </a:solidFill>
@@ -2017,11 +2209,12 @@
           </a:prstGeom>
         </p:spPr>
         <p:txBody>
-          <a:bodyPr lIns="0" rIns="0" tIns="0" bIns="0">
+          <a:bodyPr lIns="0" tIns="0" rIns="0" bIns="0">
             <a:normAutofit/>
           </a:bodyPr>
-          <a:p>
-            <a:endParaRPr b="0" lang="en-US" sz="2800" spc="-1" strike="noStrike">
+          <a:lstStyle/>
+          <a:p>
+            <a:endParaRPr lang="en-US" sz="2800" b="0" strike="noStrike" spc="-1">
               <a:solidFill>
                 <a:srgbClr val="000000"/>
               </a:solidFill>
@@ -2050,11 +2243,12 @@
           </a:prstGeom>
         </p:spPr>
         <p:txBody>
-          <a:bodyPr lIns="0" rIns="0" tIns="0" bIns="0">
+          <a:bodyPr lIns="0" tIns="0" rIns="0" bIns="0">
             <a:normAutofit/>
           </a:bodyPr>
-          <a:p>
-            <a:endParaRPr b="0" lang="en-US" sz="2800" spc="-1" strike="noStrike">
+          <a:lstStyle/>
+          <a:p>
+            <a:endParaRPr lang="en-US" sz="2800" b="0" strike="noStrike" spc="-1">
               <a:solidFill>
                 <a:srgbClr val="000000"/>
               </a:solidFill>
@@ -2083,11 +2277,12 @@
           </a:prstGeom>
         </p:spPr>
         <p:txBody>
-          <a:bodyPr lIns="0" rIns="0" tIns="0" bIns="0">
+          <a:bodyPr lIns="0" tIns="0" rIns="0" bIns="0">
             <a:normAutofit/>
           </a:bodyPr>
-          <a:p>
-            <a:endParaRPr b="0" lang="en-US" sz="2800" spc="-1" strike="noStrike">
+          <a:lstStyle/>
+          <a:p>
+            <a:endParaRPr lang="en-US" sz="2800" b="0" strike="noStrike" spc="-1">
               <a:solidFill>
                 <a:srgbClr val="000000"/>
               </a:solidFill>
@@ -2116,11 +2311,12 @@
           </a:prstGeom>
         </p:spPr>
         <p:txBody>
-          <a:bodyPr lIns="0" rIns="0" tIns="0" bIns="0">
+          <a:bodyPr lIns="0" tIns="0" rIns="0" bIns="0">
             <a:normAutofit/>
           </a:bodyPr>
-          <a:p>
-            <a:endParaRPr b="0" lang="en-US" sz="2800" spc="-1" strike="noStrike">
+          <a:lstStyle/>
+          <a:p>
+            <a:endParaRPr lang="en-US" sz="2800" b="0" strike="noStrike" spc="-1">
               <a:solidFill>
                 <a:srgbClr val="000000"/>
               </a:solidFill>
@@ -2131,11 +2327,14 @@
       </p:sp>
     </p:spTree>
   </p:cSld>
+  <p:clrMapOvr>
+    <a:masterClrMapping/>
+  </p:clrMapOvr>
 </p:sldLayout>
 </file>
 
 <file path=ppt/slideLayouts/slideLayout3.xml><?xml version="1.0" encoding="utf-8"?>
-<p:sldLayout xmlns:a="http://schemas.openxmlformats.org/drawingml/2006/main" xmlns:p="http://schemas.openxmlformats.org/presentationml/2006/main" xmlns:r="http://schemas.openxmlformats.org/officeDocument/2006/relationships" xmlns:p14="http://schemas.microsoft.com/office/powerpoint/2010/main" xmlns:p15="http://schemas.microsoft.com/office/powerpoint/2012/main" xmlns:mc="http://schemas.openxmlformats.org/markup-compatibility/2006" type="obj" preserve="1">
+<p:sldLayout xmlns:a="http://schemas.openxmlformats.org/drawingml/2006/main" xmlns:r="http://schemas.openxmlformats.org/officeDocument/2006/relationships" xmlns:p="http://schemas.openxmlformats.org/presentationml/2006/main" type="obj" preserve="1">
   <p:cSld name="Title, Content">
     <p:spTree>
       <p:nvGrpSpPr>
@@ -2171,11 +2370,12 @@
           </a:prstGeom>
         </p:spPr>
         <p:txBody>
-          <a:bodyPr lIns="0" rIns="0" tIns="0" bIns="0" anchor="ctr">
+          <a:bodyPr lIns="0" tIns="0" rIns="0" bIns="0" anchor="ctr">
             <a:noAutofit/>
           </a:bodyPr>
-          <a:p>
-            <a:endParaRPr b="0" lang="en-US" sz="1800" spc="-1" strike="noStrike">
+          <a:lstStyle/>
+          <a:p>
+            <a:endParaRPr lang="en-US" sz="1800" b="0" strike="noStrike" spc="-1">
               <a:solidFill>
                 <a:srgbClr val="000000"/>
               </a:solidFill>
@@ -2204,11 +2404,12 @@
           </a:prstGeom>
         </p:spPr>
         <p:txBody>
-          <a:bodyPr lIns="0" rIns="0" tIns="0" bIns="0">
+          <a:bodyPr lIns="0" tIns="0" rIns="0" bIns="0">
             <a:normAutofit/>
           </a:bodyPr>
-          <a:p>
-            <a:endParaRPr b="0" lang="en-US" sz="2800" spc="-1" strike="noStrike">
+          <a:lstStyle/>
+          <a:p>
+            <a:endParaRPr lang="en-US" sz="2800" b="0" strike="noStrike" spc="-1">
               <a:solidFill>
                 <a:srgbClr val="000000"/>
               </a:solidFill>
@@ -2219,11 +2420,14 @@
       </p:sp>
     </p:spTree>
   </p:cSld>
+  <p:clrMapOvr>
+    <a:masterClrMapping/>
+  </p:clrMapOvr>
 </p:sldLayout>
 </file>
 
 <file path=ppt/slideLayouts/slideLayout4.xml><?xml version="1.0" encoding="utf-8"?>
-<p:sldLayout xmlns:a="http://schemas.openxmlformats.org/drawingml/2006/main" xmlns:p="http://schemas.openxmlformats.org/presentationml/2006/main" xmlns:r="http://schemas.openxmlformats.org/officeDocument/2006/relationships" xmlns:p14="http://schemas.microsoft.com/office/powerpoint/2010/main" xmlns:p15="http://schemas.microsoft.com/office/powerpoint/2012/main" xmlns:mc="http://schemas.openxmlformats.org/markup-compatibility/2006" type="twoObj" preserve="1">
+<p:sldLayout xmlns:a="http://schemas.openxmlformats.org/drawingml/2006/main" xmlns:r="http://schemas.openxmlformats.org/officeDocument/2006/relationships" xmlns:p="http://schemas.openxmlformats.org/presentationml/2006/main" type="twoObj" preserve="1">
   <p:cSld name="Title, 2 Content">
     <p:spTree>
       <p:nvGrpSpPr>
@@ -2259,11 +2463,12 @@
           </a:prstGeom>
         </p:spPr>
         <p:txBody>
-          <a:bodyPr lIns="0" rIns="0" tIns="0" bIns="0" anchor="ctr">
+          <a:bodyPr lIns="0" tIns="0" rIns="0" bIns="0" anchor="ctr">
             <a:noAutofit/>
           </a:bodyPr>
-          <a:p>
-            <a:endParaRPr b="0" lang="en-US" sz="1800" spc="-1" strike="noStrike">
+          <a:lstStyle/>
+          <a:p>
+            <a:endParaRPr lang="en-US" sz="1800" b="0" strike="noStrike" spc="-1">
               <a:solidFill>
                 <a:srgbClr val="000000"/>
               </a:solidFill>
@@ -2292,11 +2497,12 @@
           </a:prstGeom>
         </p:spPr>
         <p:txBody>
-          <a:bodyPr lIns="0" rIns="0" tIns="0" bIns="0">
+          <a:bodyPr lIns="0" tIns="0" rIns="0" bIns="0">
             <a:normAutofit/>
           </a:bodyPr>
-          <a:p>
-            <a:endParaRPr b="0" lang="en-US" sz="2800" spc="-1" strike="noStrike">
+          <a:lstStyle/>
+          <a:p>
+            <a:endParaRPr lang="en-US" sz="2800" b="0" strike="noStrike" spc="-1">
               <a:solidFill>
                 <a:srgbClr val="000000"/>
               </a:solidFill>
@@ -2325,11 +2531,12 @@
           </a:prstGeom>
         </p:spPr>
         <p:txBody>
-          <a:bodyPr lIns="0" rIns="0" tIns="0" bIns="0">
+          <a:bodyPr lIns="0" tIns="0" rIns="0" bIns="0">
             <a:normAutofit/>
           </a:bodyPr>
-          <a:p>
-            <a:endParaRPr b="0" lang="en-US" sz="2800" spc="-1" strike="noStrike">
+          <a:lstStyle/>
+          <a:p>
+            <a:endParaRPr lang="en-US" sz="2800" b="0" strike="noStrike" spc="-1">
               <a:solidFill>
                 <a:srgbClr val="000000"/>
               </a:solidFill>
@@ -2340,11 +2547,14 @@
       </p:sp>
     </p:spTree>
   </p:cSld>
+  <p:clrMapOvr>
+    <a:masterClrMapping/>
+  </p:clrMapOvr>
 </p:sldLayout>
 </file>
 
 <file path=ppt/slideLayouts/slideLayout5.xml><?xml version="1.0" encoding="utf-8"?>
-<p:sldLayout xmlns:a="http://schemas.openxmlformats.org/drawingml/2006/main" xmlns:p="http://schemas.openxmlformats.org/presentationml/2006/main" xmlns:r="http://schemas.openxmlformats.org/officeDocument/2006/relationships" xmlns:p14="http://schemas.microsoft.com/office/powerpoint/2010/main" xmlns:p15="http://schemas.microsoft.com/office/powerpoint/2012/main" xmlns:mc="http://schemas.openxmlformats.org/markup-compatibility/2006" type="titleOnly" preserve="1">
+<p:sldLayout xmlns:a="http://schemas.openxmlformats.org/drawingml/2006/main" xmlns:r="http://schemas.openxmlformats.org/officeDocument/2006/relationships" xmlns:p="http://schemas.openxmlformats.org/presentationml/2006/main" type="titleOnly" preserve="1">
   <p:cSld name="Title Only">
     <p:spTree>
       <p:nvGrpSpPr>
@@ -2380,11 +2590,12 @@
           </a:prstGeom>
         </p:spPr>
         <p:txBody>
-          <a:bodyPr lIns="0" rIns="0" tIns="0" bIns="0" anchor="ctr">
+          <a:bodyPr lIns="0" tIns="0" rIns="0" bIns="0" anchor="ctr">
             <a:noAutofit/>
           </a:bodyPr>
-          <a:p>
-            <a:endParaRPr b="0" lang="en-US" sz="1800" spc="-1" strike="noStrike">
+          <a:lstStyle/>
+          <a:p>
+            <a:endParaRPr lang="en-US" sz="1800" b="0" strike="noStrike" spc="-1">
               <a:solidFill>
                 <a:srgbClr val="000000"/>
               </a:solidFill>
@@ -2395,11 +2606,14 @@
       </p:sp>
     </p:spTree>
   </p:cSld>
+  <p:clrMapOvr>
+    <a:masterClrMapping/>
+  </p:clrMapOvr>
 </p:sldLayout>
 </file>
 
 <file path=ppt/slideLayouts/slideLayout6.xml><?xml version="1.0" encoding="utf-8"?>
-<p:sldLayout xmlns:a="http://schemas.openxmlformats.org/drawingml/2006/main" xmlns:p="http://schemas.openxmlformats.org/presentationml/2006/main" xmlns:r="http://schemas.openxmlformats.org/officeDocument/2006/relationships" xmlns:p14="http://schemas.microsoft.com/office/powerpoint/2010/main" xmlns:p15="http://schemas.microsoft.com/office/powerpoint/2012/main" xmlns:mc="http://schemas.openxmlformats.org/markup-compatibility/2006" type="objOnly" preserve="1">
+<p:sldLayout xmlns:a="http://schemas.openxmlformats.org/drawingml/2006/main" xmlns:r="http://schemas.openxmlformats.org/officeDocument/2006/relationships" xmlns:p="http://schemas.openxmlformats.org/presentationml/2006/main" type="objOnly" preserve="1">
   <p:cSld name="Centered Text">
     <p:spTree>
       <p:nvGrpSpPr>
@@ -2435,12 +2649,13 @@
           </a:prstGeom>
         </p:spPr>
         <p:txBody>
-          <a:bodyPr lIns="0" rIns="0" tIns="0" bIns="0" anchor="ctr">
+          <a:bodyPr lIns="0" tIns="0" rIns="0" bIns="0" anchor="ctr">
             <a:noAutofit/>
           </a:bodyPr>
+          <a:lstStyle/>
           <a:p>
             <a:pPr algn="ctr"/>
-            <a:endParaRPr b="0" lang="en-US" sz="3200" spc="-1" strike="noStrike">
+            <a:endParaRPr lang="en-US" sz="3200" b="0" strike="noStrike" spc="-1">
               <a:latin typeface="Arial"/>
             </a:endParaRPr>
           </a:p>
@@ -2448,11 +2663,14 @@
       </p:sp>
     </p:spTree>
   </p:cSld>
+  <p:clrMapOvr>
+    <a:masterClrMapping/>
+  </p:clrMapOvr>
 </p:sldLayout>
 </file>
 
 <file path=ppt/slideLayouts/slideLayout7.xml><?xml version="1.0" encoding="utf-8"?>
-<p:sldLayout xmlns:a="http://schemas.openxmlformats.org/drawingml/2006/main" xmlns:p="http://schemas.openxmlformats.org/presentationml/2006/main" xmlns:r="http://schemas.openxmlformats.org/officeDocument/2006/relationships" xmlns:p14="http://schemas.microsoft.com/office/powerpoint/2010/main" xmlns:p15="http://schemas.microsoft.com/office/powerpoint/2012/main" xmlns:mc="http://schemas.openxmlformats.org/markup-compatibility/2006" type="twoObjAndObj" preserve="1">
+<p:sldLayout xmlns:a="http://schemas.openxmlformats.org/drawingml/2006/main" xmlns:r="http://schemas.openxmlformats.org/officeDocument/2006/relationships" xmlns:p="http://schemas.openxmlformats.org/presentationml/2006/main" type="twoObjAndObj" preserve="1">
   <p:cSld name="Title, 2 Content and Content">
     <p:spTree>
       <p:nvGrpSpPr>
@@ -2488,11 +2706,12 @@
           </a:prstGeom>
         </p:spPr>
         <p:txBody>
-          <a:bodyPr lIns="0" rIns="0" tIns="0" bIns="0" anchor="ctr">
+          <a:bodyPr lIns="0" tIns="0" rIns="0" bIns="0" anchor="ctr">
             <a:noAutofit/>
           </a:bodyPr>
-          <a:p>
-            <a:endParaRPr b="0" lang="en-US" sz="1800" spc="-1" strike="noStrike">
+          <a:lstStyle/>
+          <a:p>
+            <a:endParaRPr lang="en-US" sz="1800" b="0" strike="noStrike" spc="-1">
               <a:solidFill>
                 <a:srgbClr val="000000"/>
               </a:solidFill>
@@ -2521,11 +2740,12 @@
           </a:prstGeom>
         </p:spPr>
         <p:txBody>
-          <a:bodyPr lIns="0" rIns="0" tIns="0" bIns="0">
+          <a:bodyPr lIns="0" tIns="0" rIns="0" bIns="0">
             <a:normAutofit/>
           </a:bodyPr>
-          <a:p>
-            <a:endParaRPr b="0" lang="en-US" sz="2800" spc="-1" strike="noStrike">
+          <a:lstStyle/>
+          <a:p>
+            <a:endParaRPr lang="en-US" sz="2800" b="0" strike="noStrike" spc="-1">
               <a:solidFill>
                 <a:srgbClr val="000000"/>
               </a:solidFill>
@@ -2554,11 +2774,12 @@
           </a:prstGeom>
         </p:spPr>
         <p:txBody>
-          <a:bodyPr lIns="0" rIns="0" tIns="0" bIns="0">
+          <a:bodyPr lIns="0" tIns="0" rIns="0" bIns="0">
             <a:normAutofit/>
           </a:bodyPr>
-          <a:p>
-            <a:endParaRPr b="0" lang="en-US" sz="2800" spc="-1" strike="noStrike">
+          <a:lstStyle/>
+          <a:p>
+            <a:endParaRPr lang="en-US" sz="2800" b="0" strike="noStrike" spc="-1">
               <a:solidFill>
                 <a:srgbClr val="000000"/>
               </a:solidFill>
@@ -2587,11 +2808,12 @@
           </a:prstGeom>
         </p:spPr>
         <p:txBody>
-          <a:bodyPr lIns="0" rIns="0" tIns="0" bIns="0">
+          <a:bodyPr lIns="0" tIns="0" rIns="0" bIns="0">
             <a:normAutofit/>
           </a:bodyPr>
-          <a:p>
-            <a:endParaRPr b="0" lang="en-US" sz="2800" spc="-1" strike="noStrike">
+          <a:lstStyle/>
+          <a:p>
+            <a:endParaRPr lang="en-US" sz="2800" b="0" strike="noStrike" spc="-1">
               <a:solidFill>
                 <a:srgbClr val="000000"/>
               </a:solidFill>
@@ -2602,11 +2824,14 @@
       </p:sp>
     </p:spTree>
   </p:cSld>
+  <p:clrMapOvr>
+    <a:masterClrMapping/>
+  </p:clrMapOvr>
 </p:sldLayout>
 </file>
 
 <file path=ppt/slideLayouts/slideLayout8.xml><?xml version="1.0" encoding="utf-8"?>
-<p:sldLayout xmlns:a="http://schemas.openxmlformats.org/drawingml/2006/main" xmlns:p="http://schemas.openxmlformats.org/presentationml/2006/main" xmlns:r="http://schemas.openxmlformats.org/officeDocument/2006/relationships" xmlns:p14="http://schemas.microsoft.com/office/powerpoint/2010/main" xmlns:p15="http://schemas.microsoft.com/office/powerpoint/2012/main" xmlns:mc="http://schemas.openxmlformats.org/markup-compatibility/2006" type="objAndTwoObj" preserve="1">
+<p:sldLayout xmlns:a="http://schemas.openxmlformats.org/drawingml/2006/main" xmlns:r="http://schemas.openxmlformats.org/officeDocument/2006/relationships" xmlns:p="http://schemas.openxmlformats.org/presentationml/2006/main" type="objAndTwoObj" preserve="1">
   <p:cSld name="Title Content and 2 Content">
     <p:spTree>
       <p:nvGrpSpPr>
@@ -2642,11 +2867,12 @@
           </a:prstGeom>
         </p:spPr>
         <p:txBody>
-          <a:bodyPr lIns="0" rIns="0" tIns="0" bIns="0" anchor="ctr">
+          <a:bodyPr lIns="0" tIns="0" rIns="0" bIns="0" anchor="ctr">
             <a:noAutofit/>
           </a:bodyPr>
-          <a:p>
-            <a:endParaRPr b="0" lang="en-US" sz="1800" spc="-1" strike="noStrike">
+          <a:lstStyle/>
+          <a:p>
+            <a:endParaRPr lang="en-US" sz="1800" b="0" strike="noStrike" spc="-1">
               <a:solidFill>
                 <a:srgbClr val="000000"/>
               </a:solidFill>
@@ -2675,11 +2901,12 @@
           </a:prstGeom>
         </p:spPr>
         <p:txBody>
-          <a:bodyPr lIns="0" rIns="0" tIns="0" bIns="0">
+          <a:bodyPr lIns="0" tIns="0" rIns="0" bIns="0">
             <a:normAutofit/>
           </a:bodyPr>
-          <a:p>
-            <a:endParaRPr b="0" lang="en-US" sz="2800" spc="-1" strike="noStrike">
+          <a:lstStyle/>
+          <a:p>
+            <a:endParaRPr lang="en-US" sz="2800" b="0" strike="noStrike" spc="-1">
               <a:solidFill>
                 <a:srgbClr val="000000"/>
               </a:solidFill>
@@ -2708,11 +2935,12 @@
           </a:prstGeom>
         </p:spPr>
         <p:txBody>
-          <a:bodyPr lIns="0" rIns="0" tIns="0" bIns="0">
+          <a:bodyPr lIns="0" tIns="0" rIns="0" bIns="0">
             <a:normAutofit/>
           </a:bodyPr>
-          <a:p>
-            <a:endParaRPr b="0" lang="en-US" sz="2800" spc="-1" strike="noStrike">
+          <a:lstStyle/>
+          <a:p>
+            <a:endParaRPr lang="en-US" sz="2800" b="0" strike="noStrike" spc="-1">
               <a:solidFill>
                 <a:srgbClr val="000000"/>
               </a:solidFill>
@@ -2741,11 +2969,12 @@
           </a:prstGeom>
         </p:spPr>
         <p:txBody>
-          <a:bodyPr lIns="0" rIns="0" tIns="0" bIns="0">
+          <a:bodyPr lIns="0" tIns="0" rIns="0" bIns="0">
             <a:normAutofit/>
           </a:bodyPr>
-          <a:p>
-            <a:endParaRPr b="0" lang="en-US" sz="2800" spc="-1" strike="noStrike">
+          <a:lstStyle/>
+          <a:p>
+            <a:endParaRPr lang="en-US" sz="2800" b="0" strike="noStrike" spc="-1">
               <a:solidFill>
                 <a:srgbClr val="000000"/>
               </a:solidFill>
@@ -2756,11 +2985,14 @@
       </p:sp>
     </p:spTree>
   </p:cSld>
+  <p:clrMapOvr>
+    <a:masterClrMapping/>
+  </p:clrMapOvr>
 </p:sldLayout>
 </file>
 
 <file path=ppt/slideLayouts/slideLayout9.xml><?xml version="1.0" encoding="utf-8"?>
-<p:sldLayout xmlns:a="http://schemas.openxmlformats.org/drawingml/2006/main" xmlns:p="http://schemas.openxmlformats.org/presentationml/2006/main" xmlns:r="http://schemas.openxmlformats.org/officeDocument/2006/relationships" xmlns:p14="http://schemas.microsoft.com/office/powerpoint/2010/main" xmlns:p15="http://schemas.microsoft.com/office/powerpoint/2012/main" xmlns:mc="http://schemas.openxmlformats.org/markup-compatibility/2006" type="twoObjOverTx" preserve="1">
+<p:sldLayout xmlns:a="http://schemas.openxmlformats.org/drawingml/2006/main" xmlns:r="http://schemas.openxmlformats.org/officeDocument/2006/relationships" xmlns:p="http://schemas.openxmlformats.org/presentationml/2006/main" type="twoObjOverTx" preserve="1">
   <p:cSld name="Title, 2 Content over Content">
     <p:spTree>
       <p:nvGrpSpPr>
@@ -2796,11 +3028,12 @@
           </a:prstGeom>
         </p:spPr>
         <p:txBody>
-          <a:bodyPr lIns="0" rIns="0" tIns="0" bIns="0" anchor="ctr">
+          <a:bodyPr lIns="0" tIns="0" rIns="0" bIns="0" anchor="ctr">
             <a:noAutofit/>
           </a:bodyPr>
-          <a:p>
-            <a:endParaRPr b="0" lang="en-US" sz="1800" spc="-1" strike="noStrike">
+          <a:lstStyle/>
+          <a:p>
+            <a:endParaRPr lang="en-US" sz="1800" b="0" strike="noStrike" spc="-1">
               <a:solidFill>
                 <a:srgbClr val="000000"/>
               </a:solidFill>
@@ -2829,11 +3062,12 @@
           </a:prstGeom>
         </p:spPr>
         <p:txBody>
-          <a:bodyPr lIns="0" rIns="0" tIns="0" bIns="0">
+          <a:bodyPr lIns="0" tIns="0" rIns="0" bIns="0">
             <a:normAutofit/>
           </a:bodyPr>
-          <a:p>
-            <a:endParaRPr b="0" lang="en-US" sz="2800" spc="-1" strike="noStrike">
+          <a:lstStyle/>
+          <a:p>
+            <a:endParaRPr lang="en-US" sz="2800" b="0" strike="noStrike" spc="-1">
               <a:solidFill>
                 <a:srgbClr val="000000"/>
               </a:solidFill>
@@ -2862,11 +3096,12 @@
           </a:prstGeom>
         </p:spPr>
         <p:txBody>
-          <a:bodyPr lIns="0" rIns="0" tIns="0" bIns="0">
+          <a:bodyPr lIns="0" tIns="0" rIns="0" bIns="0">
             <a:normAutofit/>
           </a:bodyPr>
-          <a:p>
-            <a:endParaRPr b="0" lang="en-US" sz="2800" spc="-1" strike="noStrike">
+          <a:lstStyle/>
+          <a:p>
+            <a:endParaRPr lang="en-US" sz="2800" b="0" strike="noStrike" spc="-1">
               <a:solidFill>
                 <a:srgbClr val="000000"/>
               </a:solidFill>
@@ -2895,11 +3130,12 @@
           </a:prstGeom>
         </p:spPr>
         <p:txBody>
-          <a:bodyPr lIns="0" rIns="0" tIns="0" bIns="0">
+          <a:bodyPr lIns="0" tIns="0" rIns="0" bIns="0">
             <a:normAutofit/>
           </a:bodyPr>
-          <a:p>
-            <a:endParaRPr b="0" lang="en-US" sz="2800" spc="-1" strike="noStrike">
+          <a:lstStyle/>
+          <a:p>
+            <a:endParaRPr lang="en-US" sz="2800" b="0" strike="noStrike" spc="-1">
               <a:solidFill>
                 <a:srgbClr val="000000"/>
               </a:solidFill>
@@ -2910,17 +3146,21 @@
       </p:sp>
     </p:spTree>
   </p:cSld>
+  <p:clrMapOvr>
+    <a:masterClrMapping/>
+  </p:clrMapOvr>
 </p:sldLayout>
 </file>
 
 <file path=ppt/slideMasters/slideMaster1.xml><?xml version="1.0" encoding="utf-8"?>
-<p:sldMaster xmlns:a="http://schemas.openxmlformats.org/drawingml/2006/main" xmlns:p="http://schemas.openxmlformats.org/presentationml/2006/main" xmlns:r="http://schemas.openxmlformats.org/officeDocument/2006/relationships" xmlns:p14="http://schemas.microsoft.com/office/powerpoint/2010/main" xmlns:p15="http://schemas.microsoft.com/office/powerpoint/2012/main" xmlns:mc="http://schemas.openxmlformats.org/markup-compatibility/2006">
+<p:sldMaster xmlns:a="http://schemas.openxmlformats.org/drawingml/2006/main" xmlns:r="http://schemas.openxmlformats.org/officeDocument/2006/relationships" xmlns:p="http://schemas.openxmlformats.org/presentationml/2006/main">
   <p:cSld>
     <p:bg>
       <p:bgPr>
         <a:solidFill>
-          <a:srgbClr val="ffffff"/>
+          <a:srgbClr val="FFFFFF"/>
         </a:solidFill>
+        <a:effectLst/>
       </p:bgPr>
     </p:bg>
     <p:spTree>
@@ -2939,7 +3179,7 @@
       </p:grpSpPr>
       <p:sp>
         <p:nvSpPr>
-          <p:cNvPr id="0" name="PlaceHolder 1"/>
+          <p:cNvPr id="5" name="PlaceHolder 1"/>
           <p:cNvSpPr>
             <a:spLocks noGrp="1"/>
           </p:cNvSpPr>
@@ -2960,6 +3200,7 @@
           <a:bodyPr anchor="b">
             <a:noAutofit/>
           </a:bodyPr>
+          <a:lstStyle/>
           <a:p>
             <a:pPr algn="ctr">
               <a:lnSpc>
@@ -2967,7 +3208,7 @@
               </a:lnSpc>
             </a:pPr>
             <a:r>
-              <a:rPr b="0" lang="en-US" sz="6000" spc="-1" strike="noStrike">
+              <a:rPr lang="en-US" sz="6000" b="0" strike="noStrike" spc="-1">
                 <a:solidFill>
                   <a:srgbClr val="000000"/>
                 </a:solidFill>
@@ -2975,7 +3216,7 @@
               </a:rPr>
               <a:t>Click to edit Master title style</a:t>
             </a:r>
-            <a:endParaRPr b="0" lang="en-US" sz="6000" spc="-1" strike="noStrike">
+            <a:endParaRPr lang="en-US" sz="6000" b="0" strike="noStrike" spc="-1">
               <a:solidFill>
                 <a:srgbClr val="000000"/>
               </a:solidFill>
@@ -2986,7 +3227,7 @@
       </p:sp>
       <p:sp>
         <p:nvSpPr>
-          <p:cNvPr id="1" name="PlaceHolder 2"/>
+          <p:cNvPr id="6" name="PlaceHolder 2"/>
           <p:cNvSpPr>
             <a:spLocks noGrp="1"/>
           </p:cNvSpPr>
@@ -3007,6 +3248,7 @@
           <a:bodyPr anchor="ctr">
             <a:noAutofit/>
           </a:bodyPr>
+          <a:lstStyle/>
           <a:p>
             <a:pPr>
               <a:lnSpc>
@@ -3014,15 +3256,15 @@
               </a:lnSpc>
             </a:pPr>
             <a:fld id="{3A60C185-9DF7-49AD-955C-4A185CD8E8B6}" type="datetime">
-              <a:rPr b="0" lang="en-US" sz="1200" spc="-1" strike="noStrike">
-                <a:solidFill>
-                  <a:srgbClr val="8b8b8b"/>
+              <a:rPr lang="en-US" sz="1200" b="0" strike="noStrike" spc="-1">
+                <a:solidFill>
+                  <a:srgbClr val="8B8B8B"/>
                 </a:solidFill>
                 <a:latin typeface="Calibri"/>
               </a:rPr>
-              <a:t>10/26/22</a:t>
+              <a:t>10/29/2022</a:t>
             </a:fld>
-            <a:endParaRPr b="0" lang="en-US" sz="1200" spc="-1" strike="noStrike">
+            <a:endParaRPr lang="en-US" sz="1200" b="0" strike="noStrike" spc="-1">
               <a:latin typeface="Times New Roman"/>
             </a:endParaRPr>
           </a:p>
@@ -3051,8 +3293,9 @@
           <a:bodyPr anchor="ctr">
             <a:noAutofit/>
           </a:bodyPr>
-          <a:p>
-            <a:endParaRPr b="0" lang="en-US" sz="2400" spc="-1" strike="noStrike">
+          <a:lstStyle/>
+          <a:p>
+            <a:endParaRPr lang="en-US" sz="2400" b="0" strike="noStrike" spc="-1">
               <a:latin typeface="Times New Roman"/>
             </a:endParaRPr>
           </a:p>
@@ -3081,6 +3324,7 @@
           <a:bodyPr anchor="ctr">
             <a:noAutofit/>
           </a:bodyPr>
+          <a:lstStyle/>
           <a:p>
             <a:pPr algn="r">
               <a:lnSpc>
@@ -3088,15 +3332,15 @@
               </a:lnSpc>
             </a:pPr>
             <a:fld id="{03DF797D-E897-4FC1-AC2D-BEDC882D9562}" type="slidenum">
-              <a:rPr b="0" lang="en-US" sz="1200" spc="-1" strike="noStrike">
-                <a:solidFill>
-                  <a:srgbClr val="8b8b8b"/>
+              <a:rPr lang="en-US" sz="1200" b="0" strike="noStrike" spc="-1">
+                <a:solidFill>
+                  <a:srgbClr val="8B8B8B"/>
                 </a:solidFill>
                 <a:latin typeface="Calibri"/>
               </a:rPr>
-              <a:t>4</a:t>
+              <a:t>‹#›</a:t>
             </a:fld>
-            <a:endParaRPr b="0" lang="en-US" sz="1200" spc="-1" strike="noStrike">
+            <a:endParaRPr lang="en-US" sz="1200" b="0" strike="noStrike" spc="-1">
               <a:latin typeface="Times New Roman"/>
             </a:endParaRPr>
           </a:p>
@@ -3122,9 +3366,10 @@
           </a:prstGeom>
         </p:spPr>
         <p:txBody>
-          <a:bodyPr lIns="0" rIns="0" tIns="0" bIns="0">
+          <a:bodyPr lIns="0" tIns="0" rIns="0" bIns="0">
             <a:normAutofit/>
           </a:bodyPr>
+          <a:lstStyle/>
           <a:p>
             <a:pPr marL="432000" indent="-324000">
               <a:spcBef>
@@ -3138,7 +3383,7 @@
               <a:buChar char=""/>
             </a:pPr>
             <a:r>
-              <a:rPr b="0" lang="en-US" sz="2800" spc="-1" strike="noStrike">
+              <a:rPr lang="en-US" sz="2800" b="0" strike="noStrike" spc="-1">
                 <a:solidFill>
                   <a:srgbClr val="000000"/>
                 </a:solidFill>
@@ -3146,15 +3391,9 @@
               </a:rPr>
               <a:t>Click to edit the outline text format</a:t>
             </a:r>
-            <a:endParaRPr b="0" lang="en-US" sz="2800" spc="-1" strike="noStrike">
-              <a:solidFill>
-                <a:srgbClr val="000000"/>
-              </a:solidFill>
-              <a:latin typeface="Calibri"/>
-            </a:endParaRPr>
-          </a:p>
-          <a:p>
-            <a:pPr lvl="1" marL="864000" indent="-324000">
+          </a:p>
+          <a:p>
+            <a:pPr marL="864000" lvl="1" indent="-324000">
               <a:spcBef>
                 <a:spcPts val="1134"/>
               </a:spcBef>
@@ -3166,7 +3405,7 @@
               <a:buChar char=""/>
             </a:pPr>
             <a:r>
-              <a:rPr b="0" lang="en-US" sz="2000" spc="-1" strike="noStrike">
+              <a:rPr lang="en-US" sz="2000" b="0" strike="noStrike" spc="-1">
                 <a:solidFill>
                   <a:srgbClr val="000000"/>
                 </a:solidFill>
@@ -3174,15 +3413,9 @@
               </a:rPr>
               <a:t>Second Outline Level</a:t>
             </a:r>
-            <a:endParaRPr b="0" lang="en-US" sz="2000" spc="-1" strike="noStrike">
-              <a:solidFill>
-                <a:srgbClr val="000000"/>
-              </a:solidFill>
-              <a:latin typeface="Calibri"/>
-            </a:endParaRPr>
-          </a:p>
-          <a:p>
-            <a:pPr lvl="2" marL="1296000" indent="-288000">
+          </a:p>
+          <a:p>
+            <a:pPr marL="1296000" lvl="2" indent="-288000">
               <a:spcBef>
                 <a:spcPts val="850"/>
               </a:spcBef>
@@ -3194,7 +3427,7 @@
               <a:buChar char=""/>
             </a:pPr>
             <a:r>
-              <a:rPr b="0" lang="en-US" sz="1800" spc="-1" strike="noStrike">
+              <a:rPr lang="en-US" sz="1800" b="0" strike="noStrike" spc="-1">
                 <a:solidFill>
                   <a:srgbClr val="000000"/>
                 </a:solidFill>
@@ -3202,15 +3435,9 @@
               </a:rPr>
               <a:t>Third Outline Level</a:t>
             </a:r>
-            <a:endParaRPr b="0" lang="en-US" sz="1800" spc="-1" strike="noStrike">
-              <a:solidFill>
-                <a:srgbClr val="000000"/>
-              </a:solidFill>
-              <a:latin typeface="Calibri"/>
-            </a:endParaRPr>
-          </a:p>
-          <a:p>
-            <a:pPr lvl="3" marL="1728000" indent="-216000">
+          </a:p>
+          <a:p>
+            <a:pPr marL="1728000" lvl="3" indent="-216000">
               <a:spcBef>
                 <a:spcPts val="567"/>
               </a:spcBef>
@@ -3222,7 +3449,7 @@
               <a:buChar char=""/>
             </a:pPr>
             <a:r>
-              <a:rPr b="0" lang="en-US" sz="1800" spc="-1" strike="noStrike">
+              <a:rPr lang="en-US" sz="1800" b="0" strike="noStrike" spc="-1">
                 <a:solidFill>
                   <a:srgbClr val="000000"/>
                 </a:solidFill>
@@ -3230,15 +3457,9 @@
               </a:rPr>
               <a:t>Fourth Outline Level</a:t>
             </a:r>
-            <a:endParaRPr b="0" lang="en-US" sz="1800" spc="-1" strike="noStrike">
-              <a:solidFill>
-                <a:srgbClr val="000000"/>
-              </a:solidFill>
-              <a:latin typeface="Calibri"/>
-            </a:endParaRPr>
-          </a:p>
-          <a:p>
-            <a:pPr lvl="4" marL="2160000" indent="-216000">
+          </a:p>
+          <a:p>
+            <a:pPr marL="2160000" lvl="4" indent="-216000">
               <a:spcBef>
                 <a:spcPts val="283"/>
               </a:spcBef>
@@ -3250,7 +3471,7 @@
               <a:buChar char=""/>
             </a:pPr>
             <a:r>
-              <a:rPr b="0" lang="en-US" sz="2000" spc="-1" strike="noStrike">
+              <a:rPr lang="en-US" sz="2000" b="0" strike="noStrike" spc="-1">
                 <a:solidFill>
                   <a:srgbClr val="000000"/>
                 </a:solidFill>
@@ -3258,15 +3479,9 @@
               </a:rPr>
               <a:t>Fifth Outline Level</a:t>
             </a:r>
-            <a:endParaRPr b="0" lang="en-US" sz="2000" spc="-1" strike="noStrike">
-              <a:solidFill>
-                <a:srgbClr val="000000"/>
-              </a:solidFill>
-              <a:latin typeface="Calibri"/>
-            </a:endParaRPr>
-          </a:p>
-          <a:p>
-            <a:pPr lvl="5" marL="2592000" indent="-216000">
+          </a:p>
+          <a:p>
+            <a:pPr marL="2592000" lvl="5" indent="-216000">
               <a:spcBef>
                 <a:spcPts val="283"/>
               </a:spcBef>
@@ -3278,7 +3493,7 @@
               <a:buChar char=""/>
             </a:pPr>
             <a:r>
-              <a:rPr b="0" lang="en-US" sz="2000" spc="-1" strike="noStrike">
+              <a:rPr lang="en-US" sz="2000" b="0" strike="noStrike" spc="-1">
                 <a:solidFill>
                   <a:srgbClr val="000000"/>
                 </a:solidFill>
@@ -3286,15 +3501,9 @@
               </a:rPr>
               <a:t>Sixth Outline Level</a:t>
             </a:r>
-            <a:endParaRPr b="0" lang="en-US" sz="2000" spc="-1" strike="noStrike">
-              <a:solidFill>
-                <a:srgbClr val="000000"/>
-              </a:solidFill>
-              <a:latin typeface="Calibri"/>
-            </a:endParaRPr>
-          </a:p>
-          <a:p>
-            <a:pPr lvl="6" marL="3024000" indent="-216000">
+          </a:p>
+          <a:p>
+            <a:pPr marL="3024000" lvl="6" indent="-216000">
               <a:spcBef>
                 <a:spcPts val="283"/>
               </a:spcBef>
@@ -3306,7 +3515,7 @@
               <a:buChar char=""/>
             </a:pPr>
             <a:r>
-              <a:rPr b="0" lang="en-US" sz="2000" spc="-1" strike="noStrike">
+              <a:rPr lang="en-US" sz="2000" b="0" strike="noStrike" spc="-1">
                 <a:solidFill>
                   <a:srgbClr val="000000"/>
                 </a:solidFill>
@@ -3314,43 +3523,318 @@
               </a:rPr>
               <a:t>Seventh Outline Level</a:t>
             </a:r>
-            <a:endParaRPr b="0" lang="en-US" sz="2000" spc="-1" strike="noStrike">
-              <a:solidFill>
-                <a:srgbClr val="000000"/>
-              </a:solidFill>
-              <a:latin typeface="Calibri"/>
-            </a:endParaRPr>
           </a:p>
         </p:txBody>
       </p:sp>
     </p:spTree>
   </p:cSld>
-  <p:clrMap bg1="lt1" bg2="lt2" tx1="dk1" tx2="dk2" accent1="accent1" accent2="accent2" accent3="accent3" accent4="accent4" accent5="accent5" accent6="accent6" hlink="hlink" folHlink="folHlink"/>
+  <p:clrMap bg1="lt1" tx1="dk1" bg2="lt2" tx2="dk2" accent1="accent1" accent2="accent2" accent3="accent3" accent4="accent4" accent5="accent5" accent6="accent6" hlink="hlink" folHlink="folHlink"/>
   <p:sldLayoutIdLst>
-    <p:sldLayoutId id="2147483649" r:id="rId2"/>
-    <p:sldLayoutId id="2147483650" r:id="rId3"/>
-    <p:sldLayoutId id="2147483651" r:id="rId4"/>
-    <p:sldLayoutId id="2147483652" r:id="rId5"/>
-    <p:sldLayoutId id="2147483653" r:id="rId6"/>
-    <p:sldLayoutId id="2147483654" r:id="rId7"/>
-    <p:sldLayoutId id="2147483655" r:id="rId8"/>
-    <p:sldLayoutId id="2147483656" r:id="rId9"/>
-    <p:sldLayoutId id="2147483657" r:id="rId10"/>
-    <p:sldLayoutId id="2147483658" r:id="rId11"/>
-    <p:sldLayoutId id="2147483659" r:id="rId12"/>
-    <p:sldLayoutId id="2147483660" r:id="rId13"/>
+    <p:sldLayoutId id="2147483649" r:id="rId1"/>
+    <p:sldLayoutId id="2147483650" r:id="rId2"/>
+    <p:sldLayoutId id="2147483651" r:id="rId3"/>
+    <p:sldLayoutId id="2147483652" r:id="rId4"/>
+    <p:sldLayoutId id="2147483653" r:id="rId5"/>
+    <p:sldLayoutId id="2147483654" r:id="rId6"/>
+    <p:sldLayoutId id="2147483655" r:id="rId7"/>
+    <p:sldLayoutId id="2147483656" r:id="rId8"/>
+    <p:sldLayoutId id="2147483657" r:id="rId9"/>
+    <p:sldLayoutId id="2147483658" r:id="rId10"/>
+    <p:sldLayoutId id="2147483659" r:id="rId11"/>
+    <p:sldLayoutId id="2147483660" r:id="rId12"/>
   </p:sldLayoutIdLst>
+  <p:txStyles>
+    <p:titleStyle>
+      <a:lvl1pPr algn="l" defTabSz="914400" rtl="0" eaLnBrk="1" latinLnBrk="0" hangingPunct="1">
+        <a:lnSpc>
+          <a:spcPct val="90000"/>
+        </a:lnSpc>
+        <a:spcBef>
+          <a:spcPct val="0"/>
+        </a:spcBef>
+        <a:buNone/>
+        <a:defRPr sz="4400" kern="1200">
+          <a:solidFill>
+            <a:schemeClr val="tx1"/>
+          </a:solidFill>
+          <a:latin typeface="+mj-lt"/>
+          <a:ea typeface="+mj-ea"/>
+          <a:cs typeface="+mj-cs"/>
+        </a:defRPr>
+      </a:lvl1pPr>
+    </p:titleStyle>
+    <p:bodyStyle>
+      <a:lvl1pPr marL="228600" indent="-228600" algn="l" defTabSz="914400" rtl="0" eaLnBrk="1" latinLnBrk="0" hangingPunct="1">
+        <a:lnSpc>
+          <a:spcPct val="90000"/>
+        </a:lnSpc>
+        <a:spcBef>
+          <a:spcPts val="1000"/>
+        </a:spcBef>
+        <a:buFont typeface="Arial" panose="020B0604020202020204" pitchFamily="34" charset="0"/>
+        <a:buChar char="•"/>
+        <a:defRPr sz="2800" kern="1200">
+          <a:solidFill>
+            <a:schemeClr val="tx1"/>
+          </a:solidFill>
+          <a:latin typeface="+mn-lt"/>
+          <a:ea typeface="+mn-ea"/>
+          <a:cs typeface="+mn-cs"/>
+        </a:defRPr>
+      </a:lvl1pPr>
+      <a:lvl2pPr marL="685800" indent="-228600" algn="l" defTabSz="914400" rtl="0" eaLnBrk="1" latinLnBrk="0" hangingPunct="1">
+        <a:lnSpc>
+          <a:spcPct val="90000"/>
+        </a:lnSpc>
+        <a:spcBef>
+          <a:spcPts val="500"/>
+        </a:spcBef>
+        <a:buFont typeface="Arial" panose="020B0604020202020204" pitchFamily="34" charset="0"/>
+        <a:buChar char="•"/>
+        <a:defRPr sz="2400" kern="1200">
+          <a:solidFill>
+            <a:schemeClr val="tx1"/>
+          </a:solidFill>
+          <a:latin typeface="+mn-lt"/>
+          <a:ea typeface="+mn-ea"/>
+          <a:cs typeface="+mn-cs"/>
+        </a:defRPr>
+      </a:lvl2pPr>
+      <a:lvl3pPr marL="1143000" indent="-228600" algn="l" defTabSz="914400" rtl="0" eaLnBrk="1" latinLnBrk="0" hangingPunct="1">
+        <a:lnSpc>
+          <a:spcPct val="90000"/>
+        </a:lnSpc>
+        <a:spcBef>
+          <a:spcPts val="500"/>
+        </a:spcBef>
+        <a:buFont typeface="Arial" panose="020B0604020202020204" pitchFamily="34" charset="0"/>
+        <a:buChar char="•"/>
+        <a:defRPr sz="2000" kern="1200">
+          <a:solidFill>
+            <a:schemeClr val="tx1"/>
+          </a:solidFill>
+          <a:latin typeface="+mn-lt"/>
+          <a:ea typeface="+mn-ea"/>
+          <a:cs typeface="+mn-cs"/>
+        </a:defRPr>
+      </a:lvl3pPr>
+      <a:lvl4pPr marL="1600200" indent="-228600" algn="l" defTabSz="914400" rtl="0" eaLnBrk="1" latinLnBrk="0" hangingPunct="1">
+        <a:lnSpc>
+          <a:spcPct val="90000"/>
+        </a:lnSpc>
+        <a:spcBef>
+          <a:spcPts val="500"/>
+        </a:spcBef>
+        <a:buFont typeface="Arial" panose="020B0604020202020204" pitchFamily="34" charset="0"/>
+        <a:buChar char="•"/>
+        <a:defRPr sz="1800" kern="1200">
+          <a:solidFill>
+            <a:schemeClr val="tx1"/>
+          </a:solidFill>
+          <a:latin typeface="+mn-lt"/>
+          <a:ea typeface="+mn-ea"/>
+          <a:cs typeface="+mn-cs"/>
+        </a:defRPr>
+      </a:lvl4pPr>
+      <a:lvl5pPr marL="2057400" indent="-228600" algn="l" defTabSz="914400" rtl="0" eaLnBrk="1" latinLnBrk="0" hangingPunct="1">
+        <a:lnSpc>
+          <a:spcPct val="90000"/>
+        </a:lnSpc>
+        <a:spcBef>
+          <a:spcPts val="500"/>
+        </a:spcBef>
+        <a:buFont typeface="Arial" panose="020B0604020202020204" pitchFamily="34" charset="0"/>
+        <a:buChar char="•"/>
+        <a:defRPr sz="1800" kern="1200">
+          <a:solidFill>
+            <a:schemeClr val="tx1"/>
+          </a:solidFill>
+          <a:latin typeface="+mn-lt"/>
+          <a:ea typeface="+mn-ea"/>
+          <a:cs typeface="+mn-cs"/>
+        </a:defRPr>
+      </a:lvl5pPr>
+      <a:lvl6pPr marL="2514600" indent="-228600" algn="l" defTabSz="914400" rtl="0" eaLnBrk="1" latinLnBrk="0" hangingPunct="1">
+        <a:lnSpc>
+          <a:spcPct val="90000"/>
+        </a:lnSpc>
+        <a:spcBef>
+          <a:spcPts val="500"/>
+        </a:spcBef>
+        <a:buFont typeface="Arial" panose="020B0604020202020204" pitchFamily="34" charset="0"/>
+        <a:buChar char="•"/>
+        <a:defRPr sz="1800" kern="1200">
+          <a:solidFill>
+            <a:schemeClr val="tx1"/>
+          </a:solidFill>
+          <a:latin typeface="+mn-lt"/>
+          <a:ea typeface="+mn-ea"/>
+          <a:cs typeface="+mn-cs"/>
+        </a:defRPr>
+      </a:lvl6pPr>
+      <a:lvl7pPr marL="2971800" indent="-228600" algn="l" defTabSz="914400" rtl="0" eaLnBrk="1" latinLnBrk="0" hangingPunct="1">
+        <a:lnSpc>
+          <a:spcPct val="90000"/>
+        </a:lnSpc>
+        <a:spcBef>
+          <a:spcPts val="500"/>
+        </a:spcBef>
+        <a:buFont typeface="Arial" panose="020B0604020202020204" pitchFamily="34" charset="0"/>
+        <a:buChar char="•"/>
+        <a:defRPr sz="1800" kern="1200">
+          <a:solidFill>
+            <a:schemeClr val="tx1"/>
+          </a:solidFill>
+          <a:latin typeface="+mn-lt"/>
+          <a:ea typeface="+mn-ea"/>
+          <a:cs typeface="+mn-cs"/>
+        </a:defRPr>
+      </a:lvl7pPr>
+      <a:lvl8pPr marL="3429000" indent="-228600" algn="l" defTabSz="914400" rtl="0" eaLnBrk="1" latinLnBrk="0" hangingPunct="1">
+        <a:lnSpc>
+          <a:spcPct val="90000"/>
+        </a:lnSpc>
+        <a:spcBef>
+          <a:spcPts val="500"/>
+        </a:spcBef>
+        <a:buFont typeface="Arial" panose="020B0604020202020204" pitchFamily="34" charset="0"/>
+        <a:buChar char="•"/>
+        <a:defRPr sz="1800" kern="1200">
+          <a:solidFill>
+            <a:schemeClr val="tx1"/>
+          </a:solidFill>
+          <a:latin typeface="+mn-lt"/>
+          <a:ea typeface="+mn-ea"/>
+          <a:cs typeface="+mn-cs"/>
+        </a:defRPr>
+      </a:lvl8pPr>
+      <a:lvl9pPr marL="3886200" indent="-228600" algn="l" defTabSz="914400" rtl="0" eaLnBrk="1" latinLnBrk="0" hangingPunct="1">
+        <a:lnSpc>
+          <a:spcPct val="90000"/>
+        </a:lnSpc>
+        <a:spcBef>
+          <a:spcPts val="500"/>
+        </a:spcBef>
+        <a:buFont typeface="Arial" panose="020B0604020202020204" pitchFamily="34" charset="0"/>
+        <a:buChar char="•"/>
+        <a:defRPr sz="1800" kern="1200">
+          <a:solidFill>
+            <a:schemeClr val="tx1"/>
+          </a:solidFill>
+          <a:latin typeface="+mn-lt"/>
+          <a:ea typeface="+mn-ea"/>
+          <a:cs typeface="+mn-cs"/>
+        </a:defRPr>
+      </a:lvl9pPr>
+    </p:bodyStyle>
+    <p:otherStyle>
+      <a:defPPr>
+        <a:defRPr lang="en-US"/>
+      </a:defPPr>
+      <a:lvl1pPr marL="0" algn="l" defTabSz="914400" rtl="0" eaLnBrk="1" latinLnBrk="0" hangingPunct="1">
+        <a:defRPr sz="1800" kern="1200">
+          <a:solidFill>
+            <a:schemeClr val="tx1"/>
+          </a:solidFill>
+          <a:latin typeface="+mn-lt"/>
+          <a:ea typeface="+mn-ea"/>
+          <a:cs typeface="+mn-cs"/>
+        </a:defRPr>
+      </a:lvl1pPr>
+      <a:lvl2pPr marL="457200" algn="l" defTabSz="914400" rtl="0" eaLnBrk="1" latinLnBrk="0" hangingPunct="1">
+        <a:defRPr sz="1800" kern="1200">
+          <a:solidFill>
+            <a:schemeClr val="tx1"/>
+          </a:solidFill>
+          <a:latin typeface="+mn-lt"/>
+          <a:ea typeface="+mn-ea"/>
+          <a:cs typeface="+mn-cs"/>
+        </a:defRPr>
+      </a:lvl2pPr>
+      <a:lvl3pPr marL="914400" algn="l" defTabSz="914400" rtl="0" eaLnBrk="1" latinLnBrk="0" hangingPunct="1">
+        <a:defRPr sz="1800" kern="1200">
+          <a:solidFill>
+            <a:schemeClr val="tx1"/>
+          </a:solidFill>
+          <a:latin typeface="+mn-lt"/>
+          <a:ea typeface="+mn-ea"/>
+          <a:cs typeface="+mn-cs"/>
+        </a:defRPr>
+      </a:lvl3pPr>
+      <a:lvl4pPr marL="1371600" algn="l" defTabSz="914400" rtl="0" eaLnBrk="1" latinLnBrk="0" hangingPunct="1">
+        <a:defRPr sz="1800" kern="1200">
+          <a:solidFill>
+            <a:schemeClr val="tx1"/>
+          </a:solidFill>
+          <a:latin typeface="+mn-lt"/>
+          <a:ea typeface="+mn-ea"/>
+          <a:cs typeface="+mn-cs"/>
+        </a:defRPr>
+      </a:lvl4pPr>
+      <a:lvl5pPr marL="1828800" algn="l" defTabSz="914400" rtl="0" eaLnBrk="1" latinLnBrk="0" hangingPunct="1">
+        <a:defRPr sz="1800" kern="1200">
+          <a:solidFill>
+            <a:schemeClr val="tx1"/>
+          </a:solidFill>
+          <a:latin typeface="+mn-lt"/>
+          <a:ea typeface="+mn-ea"/>
+          <a:cs typeface="+mn-cs"/>
+        </a:defRPr>
+      </a:lvl5pPr>
+      <a:lvl6pPr marL="2286000" algn="l" defTabSz="914400" rtl="0" eaLnBrk="1" latinLnBrk="0" hangingPunct="1">
+        <a:defRPr sz="1800" kern="1200">
+          <a:solidFill>
+            <a:schemeClr val="tx1"/>
+          </a:solidFill>
+          <a:latin typeface="+mn-lt"/>
+          <a:ea typeface="+mn-ea"/>
+          <a:cs typeface="+mn-cs"/>
+        </a:defRPr>
+      </a:lvl6pPr>
+      <a:lvl7pPr marL="2743200" algn="l" defTabSz="914400" rtl="0" eaLnBrk="1" latinLnBrk="0" hangingPunct="1">
+        <a:defRPr sz="1800" kern="1200">
+          <a:solidFill>
+            <a:schemeClr val="tx1"/>
+          </a:solidFill>
+          <a:latin typeface="+mn-lt"/>
+          <a:ea typeface="+mn-ea"/>
+          <a:cs typeface="+mn-cs"/>
+        </a:defRPr>
+      </a:lvl7pPr>
+      <a:lvl8pPr marL="3200400" algn="l" defTabSz="914400" rtl="0" eaLnBrk="1" latinLnBrk="0" hangingPunct="1">
+        <a:defRPr sz="1800" kern="1200">
+          <a:solidFill>
+            <a:schemeClr val="tx1"/>
+          </a:solidFill>
+          <a:latin typeface="+mn-lt"/>
+          <a:ea typeface="+mn-ea"/>
+          <a:cs typeface="+mn-cs"/>
+        </a:defRPr>
+      </a:lvl8pPr>
+      <a:lvl9pPr marL="3657600" algn="l" defTabSz="914400" rtl="0" eaLnBrk="1" latinLnBrk="0" hangingPunct="1">
+        <a:defRPr sz="1800" kern="1200">
+          <a:solidFill>
+            <a:schemeClr val="tx1"/>
+          </a:solidFill>
+          <a:latin typeface="+mn-lt"/>
+          <a:ea typeface="+mn-ea"/>
+          <a:cs typeface="+mn-cs"/>
+        </a:defRPr>
+      </a:lvl9pPr>
+    </p:otherStyle>
+  </p:txStyles>
 </p:sldMaster>
 </file>
 
 <file path=ppt/slideMasters/slideMaster2.xml><?xml version="1.0" encoding="utf-8"?>
-<p:sldMaster xmlns:a="http://schemas.openxmlformats.org/drawingml/2006/main" xmlns:p="http://schemas.openxmlformats.org/presentationml/2006/main" xmlns:r="http://schemas.openxmlformats.org/officeDocument/2006/relationships" xmlns:p14="http://schemas.microsoft.com/office/powerpoint/2010/main" xmlns:p15="http://schemas.microsoft.com/office/powerpoint/2012/main" xmlns:mc="http://schemas.openxmlformats.org/markup-compatibility/2006">
+<p:sldMaster xmlns:a="http://schemas.openxmlformats.org/drawingml/2006/main" xmlns:r="http://schemas.openxmlformats.org/officeDocument/2006/relationships" xmlns:p="http://schemas.openxmlformats.org/presentationml/2006/main">
   <p:cSld>
     <p:bg>
       <p:bgPr>
         <a:solidFill>
-          <a:srgbClr val="ffffff"/>
+          <a:srgbClr val="FFFFFF"/>
         </a:solidFill>
+        <a:effectLst/>
       </p:bgPr>
     </p:bg>
     <p:spTree>
@@ -3390,6 +3874,7 @@
           <a:bodyPr anchor="ctr">
             <a:noAutofit/>
           </a:bodyPr>
+          <a:lstStyle/>
           <a:p>
             <a:pPr>
               <a:lnSpc>
@@ -3397,7 +3882,7 @@
               </a:lnSpc>
             </a:pPr>
             <a:r>
-              <a:rPr b="0" lang="en-US" sz="4400" spc="-1" strike="noStrike">
+              <a:rPr lang="en-US" sz="4400" b="0" strike="noStrike" spc="-1">
                 <a:solidFill>
                   <a:srgbClr val="000000"/>
                 </a:solidFill>
@@ -3405,7 +3890,7 @@
               </a:rPr>
               <a:t>Click to edit Master title style</a:t>
             </a:r>
-            <a:endParaRPr b="0" lang="en-US" sz="4400" spc="-1" strike="noStrike">
+            <a:endParaRPr lang="en-US" sz="4400" b="0" strike="noStrike" spc="-1">
               <a:solidFill>
                 <a:srgbClr val="000000"/>
               </a:solidFill>
@@ -3437,6 +3922,7 @@
           <a:bodyPr>
             <a:noAutofit/>
           </a:bodyPr>
+          <a:lstStyle/>
           <a:p>
             <a:pPr marL="228600" indent="-228240">
               <a:lnSpc>
@@ -3452,7 +3938,7 @@
               <a:buChar char="•"/>
             </a:pPr>
             <a:r>
-              <a:rPr b="0" lang="en-US" sz="2800" spc="-1" strike="noStrike">
+              <a:rPr lang="en-US" sz="2800" b="0" strike="noStrike" spc="-1">
                 <a:solidFill>
                   <a:srgbClr val="000000"/>
                 </a:solidFill>
@@ -3460,15 +3946,9 @@
               </a:rPr>
               <a:t>Click to edit Master text styles</a:t>
             </a:r>
-            <a:endParaRPr b="0" lang="en-US" sz="2800" spc="-1" strike="noStrike">
-              <a:solidFill>
-                <a:srgbClr val="000000"/>
-              </a:solidFill>
-              <a:latin typeface="Calibri"/>
-            </a:endParaRPr>
-          </a:p>
-          <a:p>
-            <a:pPr lvl="1" marL="685800" indent="-228240">
+          </a:p>
+          <a:p>
+            <a:pPr marL="685800" lvl="1" indent="-228240">
               <a:lnSpc>
                 <a:spcPct val="90000"/>
               </a:lnSpc>
@@ -3482,7 +3962,7 @@
               <a:buChar char="•"/>
             </a:pPr>
             <a:r>
-              <a:rPr b="0" lang="en-US" sz="2400" spc="-1" strike="noStrike">
+              <a:rPr lang="en-US" sz="2400" b="0" strike="noStrike" spc="-1">
                 <a:solidFill>
                   <a:srgbClr val="000000"/>
                 </a:solidFill>
@@ -3490,15 +3970,9 @@
               </a:rPr>
               <a:t>Second level</a:t>
             </a:r>
-            <a:endParaRPr b="0" lang="en-US" sz="2400" spc="-1" strike="noStrike">
-              <a:solidFill>
-                <a:srgbClr val="000000"/>
-              </a:solidFill>
-              <a:latin typeface="Calibri"/>
-            </a:endParaRPr>
-          </a:p>
-          <a:p>
-            <a:pPr lvl="2" marL="1143000" indent="-228240">
+          </a:p>
+          <a:p>
+            <a:pPr marL="1143000" lvl="2" indent="-228240">
               <a:lnSpc>
                 <a:spcPct val="90000"/>
               </a:lnSpc>
@@ -3512,7 +3986,7 @@
               <a:buChar char="•"/>
             </a:pPr>
             <a:r>
-              <a:rPr b="0" lang="en-US" sz="2000" spc="-1" strike="noStrike">
+              <a:rPr lang="en-US" sz="2000" b="0" strike="noStrike" spc="-1">
                 <a:solidFill>
                   <a:srgbClr val="000000"/>
                 </a:solidFill>
@@ -3520,15 +3994,9 @@
               </a:rPr>
               <a:t>Third level</a:t>
             </a:r>
-            <a:endParaRPr b="0" lang="en-US" sz="2000" spc="-1" strike="noStrike">
-              <a:solidFill>
-                <a:srgbClr val="000000"/>
-              </a:solidFill>
-              <a:latin typeface="Calibri"/>
-            </a:endParaRPr>
-          </a:p>
-          <a:p>
-            <a:pPr lvl="3" marL="1600200" indent="-228240">
+          </a:p>
+          <a:p>
+            <a:pPr marL="1600200" lvl="3" indent="-228240">
               <a:lnSpc>
                 <a:spcPct val="90000"/>
               </a:lnSpc>
@@ -3542,7 +4010,7 @@
               <a:buChar char="•"/>
             </a:pPr>
             <a:r>
-              <a:rPr b="0" lang="en-US" sz="1800" spc="-1" strike="noStrike">
+              <a:rPr lang="en-US" sz="1800" b="0" strike="noStrike" spc="-1">
                 <a:solidFill>
                   <a:srgbClr val="000000"/>
                 </a:solidFill>
@@ -3550,15 +4018,9 @@
               </a:rPr>
               <a:t>Fourth level</a:t>
             </a:r>
-            <a:endParaRPr b="0" lang="en-US" sz="1800" spc="-1" strike="noStrike">
-              <a:solidFill>
-                <a:srgbClr val="000000"/>
-              </a:solidFill>
-              <a:latin typeface="Calibri"/>
-            </a:endParaRPr>
-          </a:p>
-          <a:p>
-            <a:pPr lvl="4" marL="2057400" indent="-228240">
+          </a:p>
+          <a:p>
+            <a:pPr marL="2057400" lvl="4" indent="-228240">
               <a:lnSpc>
                 <a:spcPct val="90000"/>
               </a:lnSpc>
@@ -3572,7 +4034,7 @@
               <a:buChar char="•"/>
             </a:pPr>
             <a:r>
-              <a:rPr b="0" lang="en-US" sz="1800" spc="-1" strike="noStrike">
+              <a:rPr lang="en-US" sz="1800" b="0" strike="noStrike" spc="-1">
                 <a:solidFill>
                   <a:srgbClr val="000000"/>
                 </a:solidFill>
@@ -3580,12 +4042,6 @@
               </a:rPr>
               <a:t>Fifth level</a:t>
             </a:r>
-            <a:endParaRPr b="0" lang="en-US" sz="1800" spc="-1" strike="noStrike">
-              <a:solidFill>
-                <a:srgbClr val="000000"/>
-              </a:solidFill>
-              <a:latin typeface="Calibri"/>
-            </a:endParaRPr>
           </a:p>
         </p:txBody>
       </p:sp>
@@ -3612,6 +4068,7 @@
           <a:bodyPr anchor="ctr">
             <a:noAutofit/>
           </a:bodyPr>
+          <a:lstStyle/>
           <a:p>
             <a:pPr>
               <a:lnSpc>
@@ -3619,15 +4076,15 @@
               </a:lnSpc>
             </a:pPr>
             <a:fld id="{C2CDE7D0-C714-44AF-BC11-F5937273FA25}" type="datetime">
-              <a:rPr b="0" lang="en-US" sz="1200" spc="-1" strike="noStrike">
-                <a:solidFill>
-                  <a:srgbClr val="8b8b8b"/>
+              <a:rPr lang="en-US" sz="1200" b="0" strike="noStrike" spc="-1">
+                <a:solidFill>
+                  <a:srgbClr val="8B8B8B"/>
                 </a:solidFill>
                 <a:latin typeface="Calibri"/>
               </a:rPr>
-              <a:t>10/26/22</a:t>
+              <a:t>10/29/2022</a:t>
             </a:fld>
-            <a:endParaRPr b="0" lang="en-US" sz="1200" spc="-1" strike="noStrike">
+            <a:endParaRPr lang="en-US" sz="1200" b="0" strike="noStrike" spc="-1">
               <a:latin typeface="Times New Roman"/>
             </a:endParaRPr>
           </a:p>
@@ -3656,8 +4113,9 @@
           <a:bodyPr anchor="ctr">
             <a:noAutofit/>
           </a:bodyPr>
-          <a:p>
-            <a:endParaRPr b="0" lang="en-US" sz="2400" spc="-1" strike="noStrike">
+          <a:lstStyle/>
+          <a:p>
+            <a:endParaRPr lang="en-US" sz="2400" b="0" strike="noStrike" spc="-1">
               <a:latin typeface="Times New Roman"/>
             </a:endParaRPr>
           </a:p>
@@ -3686,6 +4144,7 @@
           <a:bodyPr anchor="ctr">
             <a:noAutofit/>
           </a:bodyPr>
+          <a:lstStyle/>
           <a:p>
             <a:pPr algn="r">
               <a:lnSpc>
@@ -3693,15 +4152,15 @@
               </a:lnSpc>
             </a:pPr>
             <a:fld id="{F850A8A3-11AD-431E-950E-1C945E61EE9B}" type="slidenum">
-              <a:rPr b="0" lang="en-US" sz="1200" spc="-1" strike="noStrike">
-                <a:solidFill>
-                  <a:srgbClr val="8b8b8b"/>
+              <a:rPr lang="en-US" sz="1200" b="0" strike="noStrike" spc="-1">
+                <a:solidFill>
+                  <a:srgbClr val="8B8B8B"/>
                 </a:solidFill>
                 <a:latin typeface="Calibri"/>
               </a:rPr>
-              <a:t>&lt;number&gt;</a:t>
+              <a:t>‹#›</a:t>
             </a:fld>
-            <a:endParaRPr b="0" lang="en-US" sz="1200" spc="-1" strike="noStrike">
+            <a:endParaRPr lang="en-US" sz="1200" b="0" strike="noStrike" spc="-1">
               <a:latin typeface="Times New Roman"/>
             </a:endParaRPr>
           </a:p>
@@ -3709,26 +4168,306 @@
       </p:sp>
     </p:spTree>
   </p:cSld>
-  <p:clrMap bg1="lt1" bg2="lt2" tx1="dk1" tx2="dk2" accent1="accent1" accent2="accent2" accent3="accent3" accent4="accent4" accent5="accent5" accent6="accent6" hlink="hlink" folHlink="folHlink"/>
+  <p:clrMap bg1="lt1" tx1="dk1" bg2="lt2" tx2="dk2" accent1="accent1" accent2="accent2" accent3="accent3" accent4="accent4" accent5="accent5" accent6="accent6" hlink="hlink" folHlink="folHlink"/>
   <p:sldLayoutIdLst>
-    <p:sldLayoutId id="2147483662" r:id="rId2"/>
-    <p:sldLayoutId id="2147483663" r:id="rId3"/>
-    <p:sldLayoutId id="2147483664" r:id="rId4"/>
-    <p:sldLayoutId id="2147483665" r:id="rId5"/>
-    <p:sldLayoutId id="2147483666" r:id="rId6"/>
-    <p:sldLayoutId id="2147483667" r:id="rId7"/>
-    <p:sldLayoutId id="2147483668" r:id="rId8"/>
-    <p:sldLayoutId id="2147483669" r:id="rId9"/>
-    <p:sldLayoutId id="2147483670" r:id="rId10"/>
-    <p:sldLayoutId id="2147483671" r:id="rId11"/>
-    <p:sldLayoutId id="2147483672" r:id="rId12"/>
-    <p:sldLayoutId id="2147483673" r:id="rId13"/>
+    <p:sldLayoutId id="2147483662" r:id="rId1"/>
+    <p:sldLayoutId id="2147483663" r:id="rId2"/>
+    <p:sldLayoutId id="2147483664" r:id="rId3"/>
+    <p:sldLayoutId id="2147483665" r:id="rId4"/>
+    <p:sldLayoutId id="2147483666" r:id="rId5"/>
+    <p:sldLayoutId id="2147483667" r:id="rId6"/>
+    <p:sldLayoutId id="2147483668" r:id="rId7"/>
+    <p:sldLayoutId id="2147483669" r:id="rId8"/>
+    <p:sldLayoutId id="2147483670" r:id="rId9"/>
+    <p:sldLayoutId id="2147483671" r:id="rId10"/>
+    <p:sldLayoutId id="2147483672" r:id="rId11"/>
+    <p:sldLayoutId id="2147483673" r:id="rId12"/>
   </p:sldLayoutIdLst>
+  <p:txStyles>
+    <p:titleStyle>
+      <a:lvl1pPr algn="l" defTabSz="914400" rtl="0" eaLnBrk="1" latinLnBrk="0" hangingPunct="1">
+        <a:lnSpc>
+          <a:spcPct val="90000"/>
+        </a:lnSpc>
+        <a:spcBef>
+          <a:spcPct val="0"/>
+        </a:spcBef>
+        <a:buNone/>
+        <a:defRPr sz="4400" kern="1200">
+          <a:solidFill>
+            <a:schemeClr val="tx1"/>
+          </a:solidFill>
+          <a:latin typeface="+mj-lt"/>
+          <a:ea typeface="+mj-ea"/>
+          <a:cs typeface="+mj-cs"/>
+        </a:defRPr>
+      </a:lvl1pPr>
+    </p:titleStyle>
+    <p:bodyStyle>
+      <a:lvl1pPr marL="228600" indent="-228600" algn="l" defTabSz="914400" rtl="0" eaLnBrk="1" latinLnBrk="0" hangingPunct="1">
+        <a:lnSpc>
+          <a:spcPct val="90000"/>
+        </a:lnSpc>
+        <a:spcBef>
+          <a:spcPts val="1000"/>
+        </a:spcBef>
+        <a:buFont typeface="Arial" panose="020B0604020202020204" pitchFamily="34" charset="0"/>
+        <a:buChar char="•"/>
+        <a:defRPr sz="2800" kern="1200">
+          <a:solidFill>
+            <a:schemeClr val="tx1"/>
+          </a:solidFill>
+          <a:latin typeface="+mn-lt"/>
+          <a:ea typeface="+mn-ea"/>
+          <a:cs typeface="+mn-cs"/>
+        </a:defRPr>
+      </a:lvl1pPr>
+      <a:lvl2pPr marL="685800" indent="-228600" algn="l" defTabSz="914400" rtl="0" eaLnBrk="1" latinLnBrk="0" hangingPunct="1">
+        <a:lnSpc>
+          <a:spcPct val="90000"/>
+        </a:lnSpc>
+        <a:spcBef>
+          <a:spcPts val="500"/>
+        </a:spcBef>
+        <a:buFont typeface="Arial" panose="020B0604020202020204" pitchFamily="34" charset="0"/>
+        <a:buChar char="•"/>
+        <a:defRPr sz="2400" kern="1200">
+          <a:solidFill>
+            <a:schemeClr val="tx1"/>
+          </a:solidFill>
+          <a:latin typeface="+mn-lt"/>
+          <a:ea typeface="+mn-ea"/>
+          <a:cs typeface="+mn-cs"/>
+        </a:defRPr>
+      </a:lvl2pPr>
+      <a:lvl3pPr marL="1143000" indent="-228600" algn="l" defTabSz="914400" rtl="0" eaLnBrk="1" latinLnBrk="0" hangingPunct="1">
+        <a:lnSpc>
+          <a:spcPct val="90000"/>
+        </a:lnSpc>
+        <a:spcBef>
+          <a:spcPts val="500"/>
+        </a:spcBef>
+        <a:buFont typeface="Arial" panose="020B0604020202020204" pitchFamily="34" charset="0"/>
+        <a:buChar char="•"/>
+        <a:defRPr sz="2000" kern="1200">
+          <a:solidFill>
+            <a:schemeClr val="tx1"/>
+          </a:solidFill>
+          <a:latin typeface="+mn-lt"/>
+          <a:ea typeface="+mn-ea"/>
+          <a:cs typeface="+mn-cs"/>
+        </a:defRPr>
+      </a:lvl3pPr>
+      <a:lvl4pPr marL="1600200" indent="-228600" algn="l" defTabSz="914400" rtl="0" eaLnBrk="1" latinLnBrk="0" hangingPunct="1">
+        <a:lnSpc>
+          <a:spcPct val="90000"/>
+        </a:lnSpc>
+        <a:spcBef>
+          <a:spcPts val="500"/>
+        </a:spcBef>
+        <a:buFont typeface="Arial" panose="020B0604020202020204" pitchFamily="34" charset="0"/>
+        <a:buChar char="•"/>
+        <a:defRPr sz="1800" kern="1200">
+          <a:solidFill>
+            <a:schemeClr val="tx1"/>
+          </a:solidFill>
+          <a:latin typeface="+mn-lt"/>
+          <a:ea typeface="+mn-ea"/>
+          <a:cs typeface="+mn-cs"/>
+        </a:defRPr>
+      </a:lvl4pPr>
+      <a:lvl5pPr marL="2057400" indent="-228600" algn="l" defTabSz="914400" rtl="0" eaLnBrk="1" latinLnBrk="0" hangingPunct="1">
+        <a:lnSpc>
+          <a:spcPct val="90000"/>
+        </a:lnSpc>
+        <a:spcBef>
+          <a:spcPts val="500"/>
+        </a:spcBef>
+        <a:buFont typeface="Arial" panose="020B0604020202020204" pitchFamily="34" charset="0"/>
+        <a:buChar char="•"/>
+        <a:defRPr sz="1800" kern="1200">
+          <a:solidFill>
+            <a:schemeClr val="tx1"/>
+          </a:solidFill>
+          <a:latin typeface="+mn-lt"/>
+          <a:ea typeface="+mn-ea"/>
+          <a:cs typeface="+mn-cs"/>
+        </a:defRPr>
+      </a:lvl5pPr>
+      <a:lvl6pPr marL="2514600" indent="-228600" algn="l" defTabSz="914400" rtl="0" eaLnBrk="1" latinLnBrk="0" hangingPunct="1">
+        <a:lnSpc>
+          <a:spcPct val="90000"/>
+        </a:lnSpc>
+        <a:spcBef>
+          <a:spcPts val="500"/>
+        </a:spcBef>
+        <a:buFont typeface="Arial" panose="020B0604020202020204" pitchFamily="34" charset="0"/>
+        <a:buChar char="•"/>
+        <a:defRPr sz="1800" kern="1200">
+          <a:solidFill>
+            <a:schemeClr val="tx1"/>
+          </a:solidFill>
+          <a:latin typeface="+mn-lt"/>
+          <a:ea typeface="+mn-ea"/>
+          <a:cs typeface="+mn-cs"/>
+        </a:defRPr>
+      </a:lvl6pPr>
+      <a:lvl7pPr marL="2971800" indent="-228600" algn="l" defTabSz="914400" rtl="0" eaLnBrk="1" latinLnBrk="0" hangingPunct="1">
+        <a:lnSpc>
+          <a:spcPct val="90000"/>
+        </a:lnSpc>
+        <a:spcBef>
+          <a:spcPts val="500"/>
+        </a:spcBef>
+        <a:buFont typeface="Arial" panose="020B0604020202020204" pitchFamily="34" charset="0"/>
+        <a:buChar char="•"/>
+        <a:defRPr sz="1800" kern="1200">
+          <a:solidFill>
+            <a:schemeClr val="tx1"/>
+          </a:solidFill>
+          <a:latin typeface="+mn-lt"/>
+          <a:ea typeface="+mn-ea"/>
+          <a:cs typeface="+mn-cs"/>
+        </a:defRPr>
+      </a:lvl7pPr>
+      <a:lvl8pPr marL="3429000" indent="-228600" algn="l" defTabSz="914400" rtl="0" eaLnBrk="1" latinLnBrk="0" hangingPunct="1">
+        <a:lnSpc>
+          <a:spcPct val="90000"/>
+        </a:lnSpc>
+        <a:spcBef>
+          <a:spcPts val="500"/>
+        </a:spcBef>
+        <a:buFont typeface="Arial" panose="020B0604020202020204" pitchFamily="34" charset="0"/>
+        <a:buChar char="•"/>
+        <a:defRPr sz="1800" kern="1200">
+          <a:solidFill>
+            <a:schemeClr val="tx1"/>
+          </a:solidFill>
+          <a:latin typeface="+mn-lt"/>
+          <a:ea typeface="+mn-ea"/>
+          <a:cs typeface="+mn-cs"/>
+        </a:defRPr>
+      </a:lvl8pPr>
+      <a:lvl9pPr marL="3886200" indent="-228600" algn="l" defTabSz="914400" rtl="0" eaLnBrk="1" latinLnBrk="0" hangingPunct="1">
+        <a:lnSpc>
+          <a:spcPct val="90000"/>
+        </a:lnSpc>
+        <a:spcBef>
+          <a:spcPts val="500"/>
+        </a:spcBef>
+        <a:buFont typeface="Arial" panose="020B0604020202020204" pitchFamily="34" charset="0"/>
+        <a:buChar char="•"/>
+        <a:defRPr sz="1800" kern="1200">
+          <a:solidFill>
+            <a:schemeClr val="tx1"/>
+          </a:solidFill>
+          <a:latin typeface="+mn-lt"/>
+          <a:ea typeface="+mn-ea"/>
+          <a:cs typeface="+mn-cs"/>
+        </a:defRPr>
+      </a:lvl9pPr>
+    </p:bodyStyle>
+    <p:otherStyle>
+      <a:defPPr>
+        <a:defRPr lang="en-US"/>
+      </a:defPPr>
+      <a:lvl1pPr marL="0" algn="l" defTabSz="914400" rtl="0" eaLnBrk="1" latinLnBrk="0" hangingPunct="1">
+        <a:defRPr sz="1800" kern="1200">
+          <a:solidFill>
+            <a:schemeClr val="tx1"/>
+          </a:solidFill>
+          <a:latin typeface="+mn-lt"/>
+          <a:ea typeface="+mn-ea"/>
+          <a:cs typeface="+mn-cs"/>
+        </a:defRPr>
+      </a:lvl1pPr>
+      <a:lvl2pPr marL="457200" algn="l" defTabSz="914400" rtl="0" eaLnBrk="1" latinLnBrk="0" hangingPunct="1">
+        <a:defRPr sz="1800" kern="1200">
+          <a:solidFill>
+            <a:schemeClr val="tx1"/>
+          </a:solidFill>
+          <a:latin typeface="+mn-lt"/>
+          <a:ea typeface="+mn-ea"/>
+          <a:cs typeface="+mn-cs"/>
+        </a:defRPr>
+      </a:lvl2pPr>
+      <a:lvl3pPr marL="914400" algn="l" defTabSz="914400" rtl="0" eaLnBrk="1" latinLnBrk="0" hangingPunct="1">
+        <a:defRPr sz="1800" kern="1200">
+          <a:solidFill>
+            <a:schemeClr val="tx1"/>
+          </a:solidFill>
+          <a:latin typeface="+mn-lt"/>
+          <a:ea typeface="+mn-ea"/>
+          <a:cs typeface="+mn-cs"/>
+        </a:defRPr>
+      </a:lvl3pPr>
+      <a:lvl4pPr marL="1371600" algn="l" defTabSz="914400" rtl="0" eaLnBrk="1" latinLnBrk="0" hangingPunct="1">
+        <a:defRPr sz="1800" kern="1200">
+          <a:solidFill>
+            <a:schemeClr val="tx1"/>
+          </a:solidFill>
+          <a:latin typeface="+mn-lt"/>
+          <a:ea typeface="+mn-ea"/>
+          <a:cs typeface="+mn-cs"/>
+        </a:defRPr>
+      </a:lvl4pPr>
+      <a:lvl5pPr marL="1828800" algn="l" defTabSz="914400" rtl="0" eaLnBrk="1" latinLnBrk="0" hangingPunct="1">
+        <a:defRPr sz="1800" kern="1200">
+          <a:solidFill>
+            <a:schemeClr val="tx1"/>
+          </a:solidFill>
+          <a:latin typeface="+mn-lt"/>
+          <a:ea typeface="+mn-ea"/>
+          <a:cs typeface="+mn-cs"/>
+        </a:defRPr>
+      </a:lvl5pPr>
+      <a:lvl6pPr marL="2286000" algn="l" defTabSz="914400" rtl="0" eaLnBrk="1" latinLnBrk="0" hangingPunct="1">
+        <a:defRPr sz="1800" kern="1200">
+          <a:solidFill>
+            <a:schemeClr val="tx1"/>
+          </a:solidFill>
+          <a:latin typeface="+mn-lt"/>
+          <a:ea typeface="+mn-ea"/>
+          <a:cs typeface="+mn-cs"/>
+        </a:defRPr>
+      </a:lvl6pPr>
+      <a:lvl7pPr marL="2743200" algn="l" defTabSz="914400" rtl="0" eaLnBrk="1" latinLnBrk="0" hangingPunct="1">
+        <a:defRPr sz="1800" kern="1200">
+          <a:solidFill>
+            <a:schemeClr val="tx1"/>
+          </a:solidFill>
+          <a:latin typeface="+mn-lt"/>
+          <a:ea typeface="+mn-ea"/>
+          <a:cs typeface="+mn-cs"/>
+        </a:defRPr>
+      </a:lvl7pPr>
+      <a:lvl8pPr marL="3200400" algn="l" defTabSz="914400" rtl="0" eaLnBrk="1" latinLnBrk="0" hangingPunct="1">
+        <a:defRPr sz="1800" kern="1200">
+          <a:solidFill>
+            <a:schemeClr val="tx1"/>
+          </a:solidFill>
+          <a:latin typeface="+mn-lt"/>
+          <a:ea typeface="+mn-ea"/>
+          <a:cs typeface="+mn-cs"/>
+        </a:defRPr>
+      </a:lvl8pPr>
+      <a:lvl9pPr marL="3657600" algn="l" defTabSz="914400" rtl="0" eaLnBrk="1" latinLnBrk="0" hangingPunct="1">
+        <a:defRPr sz="1800" kern="1200">
+          <a:solidFill>
+            <a:schemeClr val="tx1"/>
+          </a:solidFill>
+          <a:latin typeface="+mn-lt"/>
+          <a:ea typeface="+mn-ea"/>
+          <a:cs typeface="+mn-cs"/>
+        </a:defRPr>
+      </a:lvl9pPr>
+    </p:otherStyle>
+  </p:txStyles>
 </p:sldMaster>
 </file>
 
 <file path=ppt/slides/slide1.xml><?xml version="1.0" encoding="utf-8"?>
-<p:sld xmlns:a="http://schemas.openxmlformats.org/drawingml/2006/main" xmlns:p="http://schemas.openxmlformats.org/presentationml/2006/main" xmlns:r="http://schemas.openxmlformats.org/officeDocument/2006/relationships" xmlns:p14="http://schemas.microsoft.com/office/powerpoint/2010/main" xmlns:p15="http://schemas.microsoft.com/office/powerpoint/2012/main" xmlns:mc="http://schemas.openxmlformats.org/markup-compatibility/2006">
+<p:sld xmlns:a="http://schemas.openxmlformats.org/drawingml/2006/main" xmlns:r="http://schemas.openxmlformats.org/officeDocument/2006/relationships" xmlns:p="http://schemas.openxmlformats.org/presentationml/2006/main">
   <p:cSld>
     <p:spTree>
       <p:nvGrpSpPr>
@@ -3767,8 +4506,9 @@
           <a:bodyPr anchor="b">
             <a:noAutofit/>
           </a:bodyPr>
-          <a:p>
-            <a:endParaRPr b="0" lang="en-US" sz="1800" spc="-1" strike="noStrike">
+          <a:lstStyle/>
+          <a:p>
+            <a:endParaRPr lang="en-US" sz="1800" b="0" strike="noStrike" spc="-1">
               <a:solidFill>
                 <a:srgbClr val="000000"/>
               </a:solidFill>
@@ -3800,9 +4540,10 @@
           <a:bodyPr>
             <a:noAutofit/>
           </a:bodyPr>
+          <a:lstStyle/>
           <a:p>
             <a:pPr algn="ctr"/>
-            <a:endParaRPr b="0" lang="en-US" sz="3200" spc="-1" strike="noStrike">
+            <a:endParaRPr lang="en-US" sz="3200" b="0" strike="noStrike" spc="-1">
               <a:latin typeface="Arial"/>
             </a:endParaRPr>
           </a:p>
@@ -3810,19 +4551,14 @@
       </p:sp>
     </p:spTree>
   </p:cSld>
-  <mc:AlternateContent>
-    <mc:Choice Requires="p14">
-      <p:transition spd="slow" p14:dur="2000"/>
-    </mc:Choice>
-    <mc:Fallback>
-      <p:transition spd="slow"/>
-    </mc:Fallback>
-  </mc:AlternateContent>
+  <p:clrMapOvr>
+    <a:masterClrMapping/>
+  </p:clrMapOvr>
 </p:sld>
 </file>
 
 <file path=ppt/slides/slide2.xml><?xml version="1.0" encoding="utf-8"?>
-<p:sld xmlns:a="http://schemas.openxmlformats.org/drawingml/2006/main" xmlns:p="http://schemas.openxmlformats.org/presentationml/2006/main" xmlns:r="http://schemas.openxmlformats.org/officeDocument/2006/relationships" xmlns:p14="http://schemas.microsoft.com/office/powerpoint/2010/main" xmlns:p15="http://schemas.microsoft.com/office/powerpoint/2012/main" xmlns:mc="http://schemas.openxmlformats.org/markup-compatibility/2006">
+<p:sld xmlns:a="http://schemas.openxmlformats.org/drawingml/2006/main" xmlns:r="http://schemas.openxmlformats.org/officeDocument/2006/relationships" xmlns:p="http://schemas.openxmlformats.org/presentationml/2006/main">
   <p:cSld>
     <p:spTree>
       <p:nvGrpSpPr>
@@ -3858,12 +4594,13 @@
           </a:ln>
         </p:spPr>
         <p:txBody>
-          <a:bodyPr lIns="0" rIns="0" tIns="0" bIns="0" anchor="ctr">
+          <a:bodyPr lIns="0" tIns="0" rIns="0" bIns="0" anchor="ctr">
             <a:noAutofit/>
           </a:bodyPr>
-          <a:p>
-            <a:r>
-              <a:rPr b="0" lang="en-US" sz="1800" spc="-1" strike="noStrike">
+          <a:lstStyle/>
+          <a:p>
+            <a:r>
+              <a:rPr lang="en-US" sz="1800" b="0" strike="noStrike" spc="-1">
                 <a:solidFill>
                   <a:srgbClr val="000000"/>
                 </a:solidFill>
@@ -3871,23 +4608,17 @@
               </a:rPr>
               <a:t>IV_SUMRY Current columns (Oct 26)</a:t>
             </a:r>
-            <a:endParaRPr b="0" lang="en-US" sz="1800" spc="-1" strike="noStrike">
-              <a:solidFill>
-                <a:srgbClr val="000000"/>
-              </a:solidFill>
-              <a:latin typeface="Calibri"/>
-            </a:endParaRPr>
           </a:p>
         </p:txBody>
       </p:sp>
       <p:pic>
         <p:nvPicPr>
-          <p:cNvPr id="85" name="" descr=""/>
+          <p:cNvPr id="85" name="Picture 84"/>
           <p:cNvPicPr/>
           <p:nvPr/>
         </p:nvPicPr>
         <p:blipFill>
-          <a:blip r:embed="rId1"/>
+          <a:blip r:embed="rId2"/>
           <a:stretch/>
         </p:blipFill>
         <p:spPr>
@@ -3905,19 +4636,14 @@
       </p:pic>
     </p:spTree>
   </p:cSld>
-  <mc:AlternateContent>
-    <mc:Choice Requires="p14">
-      <p:transition spd="slow" p14:dur="2000"/>
-    </mc:Choice>
-    <mc:Fallback>
-      <p:transition spd="slow"/>
-    </mc:Fallback>
-  </mc:AlternateContent>
+  <p:clrMapOvr>
+    <a:masterClrMapping/>
+  </p:clrMapOvr>
 </p:sld>
 </file>
 
 <file path=ppt/slides/slide3.xml><?xml version="1.0" encoding="utf-8"?>
-<p:sld xmlns:a="http://schemas.openxmlformats.org/drawingml/2006/main" xmlns:p="http://schemas.openxmlformats.org/presentationml/2006/main" xmlns:r="http://schemas.openxmlformats.org/officeDocument/2006/relationships" xmlns:p14="http://schemas.microsoft.com/office/powerpoint/2010/main" xmlns:p15="http://schemas.microsoft.com/office/powerpoint/2012/main" xmlns:mc="http://schemas.openxmlformats.org/markup-compatibility/2006">
+<p:sld xmlns:a="http://schemas.openxmlformats.org/drawingml/2006/main" xmlns:r="http://schemas.openxmlformats.org/officeDocument/2006/relationships" xmlns:p="http://schemas.openxmlformats.org/presentationml/2006/main">
   <p:cSld>
     <p:spTree>
       <p:nvGrpSpPr>
@@ -3953,15 +4679,22 @@
           </a:ln>
         </p:spPr>
         <p:style>
-          <a:lnRef idx="0"/>
-          <a:fillRef idx="0"/>
-          <a:effectRef idx="0"/>
+          <a:lnRef idx="0">
+            <a:scrgbClr r="0" g="0" b="0"/>
+          </a:lnRef>
+          <a:fillRef idx="0">
+            <a:scrgbClr r="0" g="0" b="0"/>
+          </a:fillRef>
+          <a:effectRef idx="0">
+            <a:scrgbClr r="0" g="0" b="0"/>
+          </a:effectRef>
           <a:fontRef idx="minor"/>
         </p:style>
         <p:txBody>
-          <a:bodyPr lIns="90000" rIns="90000" tIns="45000" bIns="45000">
+          <a:bodyPr lIns="90000" tIns="45000" rIns="90000" bIns="45000">
             <a:spAutoFit/>
           </a:bodyPr>
+          <a:lstStyle/>
           <a:p>
             <a:pPr>
               <a:lnSpc>
@@ -3969,12 +4702,12 @@
               </a:lnSpc>
             </a:pPr>
             <a:r>
-              <a:rPr b="1" lang="en-US" sz="1800" spc="-1" strike="noStrike">
-                <a:solidFill>
-                  <a:srgbClr val="0000ff"/>
+              <a:rPr lang="en-US" sz="1800" b="1" strike="noStrike" spc="-1">
+                <a:solidFill>
+                  <a:srgbClr val="0000FF"/>
                 </a:solidFill>
                 <a:highlight>
-                  <a:srgbClr val="ffffff"/>
+                  <a:srgbClr val="FFFFFF"/>
                 </a:highlight>
                 <a:latin typeface="Courier New"/>
                 <a:ea typeface="Calibri"/>
@@ -3982,12 +4715,12 @@
               <a:t>&lt;</a:t>
             </a:r>
             <a:r>
-              <a:rPr b="1" lang="en-US" sz="1800" spc="-1" strike="noStrike">
+              <a:rPr lang="en-US" sz="1800" b="1" strike="noStrike" spc="-1">
                 <a:solidFill>
                   <a:srgbClr val="000000"/>
                 </a:solidFill>
                 <a:highlight>
-                  <a:srgbClr val="ffffff"/>
+                  <a:srgbClr val="FFFFFF"/>
                 </a:highlight>
                 <a:latin typeface="Courier New"/>
                 <a:ea typeface="Calibri"/>
@@ -3995,12 +4728,12 @@
               <a:t>SNSR_THCKNESS</a:t>
             </a:r>
             <a:r>
-              <a:rPr b="1" lang="en-US" sz="1800" spc="-1" strike="noStrike">
-                <a:solidFill>
-                  <a:srgbClr val="0000ff"/>
+              <a:rPr lang="en-US" sz="1800" b="1" strike="noStrike" spc="-1">
+                <a:solidFill>
+                  <a:srgbClr val="0000FF"/>
                 </a:solidFill>
                 <a:highlight>
-                  <a:srgbClr val="ffffff"/>
+                  <a:srgbClr val="FFFFFF"/>
                 </a:highlight>
                 <a:latin typeface="Courier New"/>
                 <a:ea typeface="Calibri"/>
@@ -4008,12 +4741,12 @@
               <a:t>&gt;</a:t>
             </a:r>
             <a:r>
-              <a:rPr b="1" lang="en-US" sz="1800" spc="-1" strike="noStrike">
+              <a:rPr lang="en-US" sz="1800" b="1" strike="noStrike" spc="-1">
                 <a:solidFill>
                   <a:srgbClr val="800000"/>
                 </a:solidFill>
                 <a:highlight>
-                  <a:srgbClr val="ffffff"/>
+                  <a:srgbClr val="FFFFFF"/>
                 </a:highlight>
                 <a:latin typeface="Courier New"/>
                 <a:ea typeface="Calibri"/>
@@ -4021,12 +4754,12 @@
               <a:t>120</a:t>
             </a:r>
             <a:r>
-              <a:rPr b="1" lang="en-US" sz="1800" spc="-1" strike="noStrike">
-                <a:solidFill>
-                  <a:srgbClr val="0000ff"/>
+              <a:rPr lang="en-US" sz="1800" b="1" strike="noStrike" spc="-1">
+                <a:solidFill>
+                  <a:srgbClr val="0000FF"/>
                 </a:solidFill>
                 <a:highlight>
-                  <a:srgbClr val="ffffff"/>
+                  <a:srgbClr val="FFFFFF"/>
                 </a:highlight>
                 <a:latin typeface="Courier New"/>
                 <a:ea typeface="Calibri"/>
@@ -4034,12 +4767,12 @@
               <a:t>&lt;/</a:t>
             </a:r>
             <a:r>
-              <a:rPr b="1" lang="en-US" sz="1800" spc="-1" strike="noStrike">
+              <a:rPr lang="en-US" sz="1800" b="1" strike="noStrike" spc="-1">
                 <a:solidFill>
                   <a:srgbClr val="000000"/>
                 </a:solidFill>
                 <a:highlight>
-                  <a:srgbClr val="ffffff"/>
+                  <a:srgbClr val="FFFFFF"/>
                 </a:highlight>
                 <a:latin typeface="Courier New"/>
                 <a:ea typeface="Calibri"/>
@@ -4047,19 +4780,19 @@
               <a:t>SNSR_THCKNESS</a:t>
             </a:r>
             <a:r>
-              <a:rPr b="1" lang="en-US" sz="1800" spc="-1" strike="noStrike">
-                <a:solidFill>
-                  <a:srgbClr val="0000ff"/>
+              <a:rPr lang="en-US" sz="1800" b="1" strike="noStrike" spc="-1">
+                <a:solidFill>
+                  <a:srgbClr val="0000FF"/>
                 </a:solidFill>
                 <a:highlight>
-                  <a:srgbClr val="ffffff"/>
+                  <a:srgbClr val="FFFFFF"/>
                 </a:highlight>
                 <a:latin typeface="Courier New"/>
                 <a:ea typeface="Calibri"/>
               </a:rPr>
               <a:t>&gt;</a:t>
             </a:r>
-            <a:endParaRPr b="0" lang="en-US" sz="1800" spc="-1" strike="noStrike">
+            <a:endParaRPr lang="en-US" sz="1800" b="0" strike="noStrike" spc="-1">
               <a:latin typeface="Arial"/>
             </a:endParaRPr>
           </a:p>
@@ -4070,12 +4803,12 @@
               </a:lnSpc>
             </a:pPr>
             <a:r>
-              <a:rPr b="1" lang="en-US" sz="1800" spc="-1" strike="noStrike">
-                <a:solidFill>
-                  <a:srgbClr val="0000ff"/>
+              <a:rPr lang="en-US" sz="1800" b="1" strike="noStrike" spc="-1">
+                <a:solidFill>
+                  <a:srgbClr val="0000FF"/>
                 </a:solidFill>
                 <a:highlight>
-                  <a:srgbClr val="ffffff"/>
+                  <a:srgbClr val="FFFFFF"/>
                 </a:highlight>
                 <a:latin typeface="Courier New"/>
                 <a:ea typeface="Calibri"/>
@@ -4083,12 +4816,12 @@
               <a:t>&lt;</a:t>
             </a:r>
             <a:r>
-              <a:rPr b="1" lang="en-US" sz="1800" spc="-1" strike="noStrike">
+              <a:rPr lang="en-US" sz="1800" b="1" strike="noStrike" spc="-1">
                 <a:solidFill>
                   <a:srgbClr val="000000"/>
                 </a:solidFill>
                 <a:highlight>
-                  <a:srgbClr val="ffffff"/>
+                  <a:srgbClr val="FFFFFF"/>
                 </a:highlight>
                 <a:latin typeface="Courier New"/>
                 <a:ea typeface="Calibri"/>
@@ -4096,12 +4829,12 @@
               <a:t>DEPL_VOLTS</a:t>
             </a:r>
             <a:r>
-              <a:rPr b="1" lang="en-US" sz="1800" spc="-1" strike="noStrike">
-                <a:solidFill>
-                  <a:srgbClr val="0000ff"/>
+              <a:rPr lang="en-US" sz="1800" b="1" strike="noStrike" spc="-1">
+                <a:solidFill>
+                  <a:srgbClr val="0000FF"/>
                 </a:solidFill>
                 <a:highlight>
-                  <a:srgbClr val="ffffff"/>
+                  <a:srgbClr val="FFFFFF"/>
                 </a:highlight>
                 <a:latin typeface="Courier New"/>
                 <a:ea typeface="Calibri"/>
@@ -4109,12 +4842,12 @@
               <a:t>&gt;</a:t>
             </a:r>
             <a:r>
-              <a:rPr b="1" lang="en-US" sz="1800" spc="-1" strike="noStrike">
+              <a:rPr lang="en-US" sz="1800" b="1" strike="noStrike" spc="-1">
                 <a:solidFill>
                   <a:srgbClr val="800000"/>
                 </a:solidFill>
                 <a:highlight>
-                  <a:srgbClr val="ffffff"/>
+                  <a:srgbClr val="FFFFFF"/>
                 </a:highlight>
                 <a:latin typeface="Courier New"/>
                 <a:ea typeface="Calibri"/>
@@ -4122,12 +4855,12 @@
               <a:t>200</a:t>
             </a:r>
             <a:r>
-              <a:rPr b="1" lang="en-US" sz="1800" spc="-1" strike="noStrike">
-                <a:solidFill>
-                  <a:srgbClr val="0000ff"/>
+              <a:rPr lang="en-US" sz="1800" b="1" strike="noStrike" spc="-1">
+                <a:solidFill>
+                  <a:srgbClr val="0000FF"/>
                 </a:solidFill>
                 <a:highlight>
-                  <a:srgbClr val="ffffff"/>
+                  <a:srgbClr val="FFFFFF"/>
                 </a:highlight>
                 <a:latin typeface="Courier New"/>
                 <a:ea typeface="Calibri"/>
@@ -4135,12 +4868,12 @@
               <a:t>&lt;/</a:t>
             </a:r>
             <a:r>
-              <a:rPr b="1" lang="en-US" sz="1800" spc="-1" strike="noStrike">
+              <a:rPr lang="en-US" sz="1800" b="1" strike="noStrike" spc="-1">
                 <a:solidFill>
                   <a:srgbClr val="000000"/>
                 </a:solidFill>
                 <a:highlight>
-                  <a:srgbClr val="ffffff"/>
+                  <a:srgbClr val="FFFFFF"/>
                 </a:highlight>
                 <a:latin typeface="Courier New"/>
                 <a:ea typeface="Calibri"/>
@@ -4148,19 +4881,19 @@
               <a:t>DEPL_VOLTS</a:t>
             </a:r>
             <a:r>
-              <a:rPr b="1" lang="en-US" sz="1800" spc="-1" strike="noStrike">
-                <a:solidFill>
-                  <a:srgbClr val="0000ff"/>
+              <a:rPr lang="en-US" sz="1800" b="1" strike="noStrike" spc="-1">
+                <a:solidFill>
+                  <a:srgbClr val="0000FF"/>
                 </a:solidFill>
                 <a:highlight>
-                  <a:srgbClr val="ffffff"/>
+                  <a:srgbClr val="FFFFFF"/>
                 </a:highlight>
                 <a:latin typeface="Courier New"/>
                 <a:ea typeface="Calibri"/>
               </a:rPr>
               <a:t>&gt;</a:t>
             </a:r>
-            <a:endParaRPr b="0" lang="en-US" sz="1800" spc="-1" strike="noStrike">
+            <a:endParaRPr lang="en-US" sz="1800" b="0" strike="noStrike" spc="-1">
               <a:latin typeface="Arial"/>
             </a:endParaRPr>
           </a:p>
@@ -4171,12 +4904,12 @@
               </a:lnSpc>
             </a:pPr>
             <a:r>
-              <a:rPr b="1" lang="en-US" sz="1800" spc="-1" strike="noStrike">
-                <a:solidFill>
-                  <a:srgbClr val="0000ff"/>
+              <a:rPr lang="en-US" sz="1800" b="1" strike="noStrike" spc="-1">
+                <a:solidFill>
+                  <a:srgbClr val="0000FF"/>
                 </a:solidFill>
                 <a:highlight>
-                  <a:srgbClr val="ffffff"/>
+                  <a:srgbClr val="FFFFFF"/>
                 </a:highlight>
                 <a:latin typeface="Courier New"/>
                 <a:ea typeface="Calibri"/>
@@ -4184,12 +4917,12 @@
               <a:t>&lt;</a:t>
             </a:r>
             <a:r>
-              <a:rPr b="1" lang="en-US" sz="1800" spc="-1" strike="noStrike">
+              <a:rPr lang="en-US" sz="1800" b="1" strike="noStrike" spc="-1">
                 <a:solidFill>
                   <a:srgbClr val="000000"/>
                 </a:solidFill>
                 <a:highlight>
-                  <a:srgbClr val="ffffff"/>
+                  <a:srgbClr val="FFFFFF"/>
                 </a:highlight>
                 <a:latin typeface="Courier New"/>
                 <a:ea typeface="Calibri"/>
@@ -4197,12 +4930,12 @@
               <a:t>MAX_DEPL_VOLTS</a:t>
             </a:r>
             <a:r>
-              <a:rPr b="1" lang="en-US" sz="1800" spc="-1" strike="noStrike">
-                <a:solidFill>
-                  <a:srgbClr val="0000ff"/>
+              <a:rPr lang="en-US" sz="1800" b="1" strike="noStrike" spc="-1">
+                <a:solidFill>
+                  <a:srgbClr val="0000FF"/>
                 </a:solidFill>
                 <a:highlight>
-                  <a:srgbClr val="ffffff"/>
+                  <a:srgbClr val="FFFFFF"/>
                 </a:highlight>
                 <a:latin typeface="Courier New"/>
                 <a:ea typeface="Calibri"/>
@@ -4210,12 +4943,12 @@
               <a:t>&gt;</a:t>
             </a:r>
             <a:r>
-              <a:rPr b="1" lang="en-US" sz="1800" spc="-1" strike="noStrike">
+              <a:rPr lang="en-US" sz="1800" b="1" strike="noStrike" spc="-1">
                 <a:solidFill>
                   <a:srgbClr val="800000"/>
                 </a:solidFill>
                 <a:highlight>
-                  <a:srgbClr val="ffffff"/>
+                  <a:srgbClr val="FFFFFF"/>
                 </a:highlight>
                 <a:latin typeface="Courier New"/>
                 <a:ea typeface="Calibri"/>
@@ -4223,12 +4956,12 @@
               <a:t>250</a:t>
             </a:r>
             <a:r>
-              <a:rPr b="1" lang="en-US" sz="1800" spc="-1" strike="noStrike">
-                <a:solidFill>
-                  <a:srgbClr val="0000ff"/>
+              <a:rPr lang="en-US" sz="1800" b="1" strike="noStrike" spc="-1">
+                <a:solidFill>
+                  <a:srgbClr val="0000FF"/>
                 </a:solidFill>
                 <a:highlight>
-                  <a:srgbClr val="ffffff"/>
+                  <a:srgbClr val="FFFFFF"/>
                 </a:highlight>
                 <a:latin typeface="Courier New"/>
                 <a:ea typeface="Calibri"/>
@@ -4236,12 +4969,12 @@
               <a:t>&lt;/</a:t>
             </a:r>
             <a:r>
-              <a:rPr b="1" lang="en-US" sz="1800" spc="-1" strike="noStrike">
+              <a:rPr lang="en-US" sz="1800" b="1" strike="noStrike" spc="-1">
                 <a:solidFill>
                   <a:srgbClr val="000000"/>
                 </a:solidFill>
                 <a:highlight>
-                  <a:srgbClr val="ffffff"/>
+                  <a:srgbClr val="FFFFFF"/>
                 </a:highlight>
                 <a:latin typeface="Courier New"/>
                 <a:ea typeface="Calibri"/>
@@ -4249,19 +4982,19 @@
               <a:t>MAX_DEPL_VOLTS</a:t>
             </a:r>
             <a:r>
-              <a:rPr b="1" lang="en-US" sz="1800" spc="-1" strike="noStrike">
-                <a:solidFill>
-                  <a:srgbClr val="0000ff"/>
+              <a:rPr lang="en-US" sz="1800" b="1" strike="noStrike" spc="-1">
+                <a:solidFill>
+                  <a:srgbClr val="0000FF"/>
                 </a:solidFill>
                 <a:highlight>
-                  <a:srgbClr val="ffffff"/>
+                  <a:srgbClr val="FFFFFF"/>
                 </a:highlight>
                 <a:latin typeface="Courier New"/>
                 <a:ea typeface="Calibri"/>
               </a:rPr>
               <a:t>&gt;</a:t>
             </a:r>
-            <a:endParaRPr b="0" lang="en-US" sz="1800" spc="-1" strike="noStrike">
+            <a:endParaRPr lang="en-US" sz="1800" b="0" strike="noStrike" spc="-1">
               <a:latin typeface="Arial"/>
             </a:endParaRPr>
           </a:p>
@@ -4272,12 +5005,12 @@
               </a:lnSpc>
             </a:pPr>
             <a:r>
-              <a:rPr b="1" lang="en-US" sz="1800" spc="-1" strike="noStrike">
-                <a:solidFill>
-                  <a:srgbClr val="0000ff"/>
+              <a:rPr lang="en-US" sz="1800" b="1" strike="noStrike" spc="-1">
+                <a:solidFill>
+                  <a:srgbClr val="0000FF"/>
                 </a:solidFill>
                 <a:highlight>
-                  <a:srgbClr val="ffffff"/>
+                  <a:srgbClr val="FFFFFF"/>
                 </a:highlight>
                 <a:latin typeface="Courier New"/>
                 <a:ea typeface="Calibri"/>
@@ -4285,12 +5018,12 @@
               <a:t>&lt;</a:t>
             </a:r>
             <a:r>
-              <a:rPr b="1" lang="en-US" sz="1800" spc="-1" strike="noStrike">
+              <a:rPr lang="en-US" sz="1800" b="1" strike="noStrike" spc="-1">
                 <a:solidFill>
                   <a:srgbClr val="000000"/>
                 </a:solidFill>
                 <a:highlight>
-                  <a:srgbClr val="ffffff"/>
+                  <a:srgbClr val="FFFFFF"/>
                 </a:highlight>
                 <a:latin typeface="Courier New"/>
                 <a:ea typeface="Calibri"/>
@@ -4298,12 +5031,12 @@
               <a:t>DEPL_UNIF_VOLTS</a:t>
             </a:r>
             <a:r>
-              <a:rPr b="1" lang="en-US" sz="1800" spc="-1" strike="noStrike">
-                <a:solidFill>
-                  <a:srgbClr val="0000ff"/>
+              <a:rPr lang="en-US" sz="1800" b="1" strike="noStrike" spc="-1">
+                <a:solidFill>
+                  <a:srgbClr val="0000FF"/>
                 </a:solidFill>
                 <a:highlight>
-                  <a:srgbClr val="ffffff"/>
+                  <a:srgbClr val="FFFFFF"/>
                 </a:highlight>
                 <a:latin typeface="Courier New"/>
                 <a:ea typeface="Calibri"/>
@@ -4311,12 +5044,12 @@
               <a:t>&gt;</a:t>
             </a:r>
             <a:r>
-              <a:rPr b="1" lang="en-US" sz="1800" spc="-1" strike="noStrike">
+              <a:rPr lang="en-US" sz="1800" b="1" strike="noStrike" spc="-1">
                 <a:solidFill>
                   <a:srgbClr val="800000"/>
                 </a:solidFill>
                 <a:highlight>
-                  <a:srgbClr val="ffffff"/>
+                  <a:srgbClr val="FFFFFF"/>
                 </a:highlight>
                 <a:latin typeface="Courier New"/>
                 <a:ea typeface="Calibri"/>
@@ -4324,12 +5057,12 @@
               <a:t>200</a:t>
             </a:r>
             <a:r>
-              <a:rPr b="1" lang="en-US" sz="1800" spc="-1" strike="noStrike">
-                <a:solidFill>
-                  <a:srgbClr val="0000ff"/>
+              <a:rPr lang="en-US" sz="1800" b="1" strike="noStrike" spc="-1">
+                <a:solidFill>
+                  <a:srgbClr val="0000FF"/>
                 </a:solidFill>
                 <a:highlight>
-                  <a:srgbClr val="ffffff"/>
+                  <a:srgbClr val="FFFFFF"/>
                 </a:highlight>
                 <a:latin typeface="Courier New"/>
                 <a:ea typeface="Calibri"/>
@@ -4337,12 +5070,12 @@
               <a:t>&lt;/</a:t>
             </a:r>
             <a:r>
-              <a:rPr b="1" lang="en-US" sz="1800" spc="-1" strike="noStrike">
+              <a:rPr lang="en-US" sz="1800" b="1" strike="noStrike" spc="-1">
                 <a:solidFill>
                   <a:srgbClr val="000000"/>
                 </a:solidFill>
                 <a:highlight>
-                  <a:srgbClr val="ffffff"/>
+                  <a:srgbClr val="FFFFFF"/>
                 </a:highlight>
                 <a:latin typeface="Courier New"/>
                 <a:ea typeface="Calibri"/>
@@ -4350,19 +5083,19 @@
               <a:t>DEPL_UNIF_VOLTS</a:t>
             </a:r>
             <a:r>
-              <a:rPr b="1" lang="en-US" sz="1800" spc="-1" strike="noStrike">
-                <a:solidFill>
-                  <a:srgbClr val="0000ff"/>
+              <a:rPr lang="en-US" sz="1800" b="1" strike="noStrike" spc="-1">
+                <a:solidFill>
+                  <a:srgbClr val="0000FF"/>
                 </a:solidFill>
                 <a:highlight>
-                  <a:srgbClr val="ffffff"/>
+                  <a:srgbClr val="FFFFFF"/>
                 </a:highlight>
                 <a:latin typeface="Courier New"/>
                 <a:ea typeface="Calibri"/>
               </a:rPr>
               <a:t>&gt;</a:t>
             </a:r>
-            <a:endParaRPr b="0" lang="en-US" sz="1800" spc="-1" strike="noStrike">
+            <a:endParaRPr lang="en-US" sz="1800" b="0" strike="noStrike" spc="-1">
               <a:latin typeface="Arial"/>
             </a:endParaRPr>
           </a:p>
@@ -4373,12 +5106,12 @@
               </a:lnSpc>
             </a:pPr>
             <a:r>
-              <a:rPr b="1" lang="en-US" sz="1800" spc="-1" strike="noStrike">
-                <a:solidFill>
-                  <a:srgbClr val="0000ff"/>
+              <a:rPr lang="en-US" sz="1800" b="1" strike="noStrike" spc="-1">
+                <a:solidFill>
+                  <a:srgbClr val="0000FF"/>
                 </a:solidFill>
                 <a:highlight>
-                  <a:srgbClr val="ffffff"/>
+                  <a:srgbClr val="FFFFFF"/>
                 </a:highlight>
                 <a:latin typeface="Courier New"/>
                 <a:ea typeface="Calibri"/>
@@ -4386,12 +5119,12 @@
               <a:t>&lt;</a:t>
             </a:r>
             <a:r>
-              <a:rPr b="1" lang="en-US" sz="1800" spc="-1" strike="noStrike">
+              <a:rPr lang="en-US" sz="1800" b="1" strike="noStrike" spc="-1">
                 <a:solidFill>
                   <a:srgbClr val="000000"/>
                 </a:solidFill>
                 <a:highlight>
-                  <a:srgbClr val="ffffff"/>
+                  <a:srgbClr val="FFFFFF"/>
                 </a:highlight>
                 <a:latin typeface="Courier New"/>
                 <a:ea typeface="Calibri"/>
@@ -4399,12 +5132,12 @@
               <a:t>SNSR_THKNES_UNIF</a:t>
             </a:r>
             <a:r>
-              <a:rPr b="1" lang="en-US" sz="1800" spc="-1" strike="noStrike">
-                <a:solidFill>
-                  <a:srgbClr val="0000ff"/>
+              <a:rPr lang="en-US" sz="1800" b="1" strike="noStrike" spc="-1">
+                <a:solidFill>
+                  <a:srgbClr val="0000FF"/>
                 </a:solidFill>
                 <a:highlight>
-                  <a:srgbClr val="ffffff"/>
+                  <a:srgbClr val="FFFFFF"/>
                 </a:highlight>
                 <a:latin typeface="Courier New"/>
                 <a:ea typeface="Calibri"/>
@@ -4412,12 +5145,12 @@
               <a:t>&gt;</a:t>
             </a:r>
             <a:r>
-              <a:rPr b="1" lang="en-US" sz="1800" spc="-1" strike="noStrike">
+              <a:rPr lang="en-US" sz="1800" b="1" strike="noStrike" spc="-1">
                 <a:solidFill>
                   <a:srgbClr val="800000"/>
                 </a:solidFill>
                 <a:highlight>
-                  <a:srgbClr val="ffffff"/>
+                  <a:srgbClr val="FFFFFF"/>
                 </a:highlight>
                 <a:latin typeface="Courier New"/>
                 <a:ea typeface="Calibri"/>
@@ -4425,12 +5158,12 @@
               <a:t>120</a:t>
             </a:r>
             <a:r>
-              <a:rPr b="1" lang="en-US" sz="1800" spc="-1" strike="noStrike">
-                <a:solidFill>
-                  <a:srgbClr val="0000ff"/>
+              <a:rPr lang="en-US" sz="1800" b="1" strike="noStrike" spc="-1">
+                <a:solidFill>
+                  <a:srgbClr val="0000FF"/>
                 </a:solidFill>
                 <a:highlight>
-                  <a:srgbClr val="ffffff"/>
+                  <a:srgbClr val="FFFFFF"/>
                 </a:highlight>
                 <a:latin typeface="Courier New"/>
                 <a:ea typeface="Calibri"/>
@@ -4438,12 +5171,12 @@
               <a:t>&lt;/</a:t>
             </a:r>
             <a:r>
-              <a:rPr b="1" lang="en-US" sz="1800" spc="-1" strike="noStrike">
+              <a:rPr lang="en-US" sz="1800" b="1" strike="noStrike" spc="-1">
                 <a:solidFill>
                   <a:srgbClr val="000000"/>
                 </a:solidFill>
                 <a:highlight>
-                  <a:srgbClr val="ffffff"/>
+                  <a:srgbClr val="FFFFFF"/>
                 </a:highlight>
                 <a:latin typeface="Courier New"/>
                 <a:ea typeface="Calibri"/>
@@ -4451,19 +5184,19 @@
               <a:t>SNSR_THKNES_UNIF</a:t>
             </a:r>
             <a:r>
-              <a:rPr b="1" lang="en-US" sz="1800" spc="-1" strike="noStrike">
-                <a:solidFill>
-                  <a:srgbClr val="0000ff"/>
+              <a:rPr lang="en-US" sz="1800" b="1" strike="noStrike" spc="-1">
+                <a:solidFill>
+                  <a:srgbClr val="0000FF"/>
                 </a:solidFill>
                 <a:highlight>
-                  <a:srgbClr val="ffffff"/>
+                  <a:srgbClr val="FFFFFF"/>
                 </a:highlight>
                 <a:latin typeface="Courier New"/>
                 <a:ea typeface="Calibri"/>
               </a:rPr>
               <a:t>&gt;</a:t>
             </a:r>
-            <a:endParaRPr b="0" lang="en-US" sz="1800" spc="-1" strike="noStrike">
+            <a:endParaRPr lang="en-US" sz="1800" b="0" strike="noStrike" spc="-1">
               <a:latin typeface="Arial"/>
             </a:endParaRPr>
           </a:p>
@@ -4474,12 +5207,12 @@
               </a:lnSpc>
             </a:pPr>
             <a:r>
-              <a:rPr b="1" lang="en-US" sz="1800" spc="-1" strike="noStrike">
-                <a:solidFill>
-                  <a:srgbClr val="0000ff"/>
+              <a:rPr lang="en-US" sz="1800" b="1" strike="noStrike" spc="-1">
+                <a:solidFill>
+                  <a:srgbClr val="0000FF"/>
                 </a:solidFill>
                 <a:highlight>
-                  <a:srgbClr val="ff0000"/>
+                  <a:srgbClr val="FF0000"/>
                 </a:highlight>
                 <a:latin typeface="Courier New"/>
                 <a:ea typeface="Calibri"/>
@@ -4487,12 +5220,12 @@
               <a:t>&lt;</a:t>
             </a:r>
             <a:r>
-              <a:rPr b="1" lang="en-US" sz="1800" spc="-1" strike="noStrike">
+              <a:rPr lang="en-US" sz="1800" b="1" strike="noStrike" spc="-1">
                 <a:solidFill>
                   <a:srgbClr val="000000"/>
                 </a:solidFill>
                 <a:highlight>
-                  <a:srgbClr val="ff0000"/>
+                  <a:srgbClr val="FF0000"/>
                 </a:highlight>
                 <a:latin typeface="Courier New"/>
                 <a:ea typeface="Calibri"/>
@@ -4500,12 +5233,12 @@
               <a:t>DEPL_VOLTS_PASS</a:t>
             </a:r>
             <a:r>
-              <a:rPr b="1" lang="en-US" sz="1800" spc="-1" strike="noStrike">
-                <a:solidFill>
-                  <a:srgbClr val="0000ff"/>
+              <a:rPr lang="en-US" sz="1800" b="1" strike="noStrike" spc="-1">
+                <a:solidFill>
+                  <a:srgbClr val="0000FF"/>
                 </a:solidFill>
                 <a:highlight>
-                  <a:srgbClr val="ff0000"/>
+                  <a:srgbClr val="FF0000"/>
                 </a:highlight>
                 <a:latin typeface="Courier New"/>
                 <a:ea typeface="Calibri"/>
@@ -4513,12 +5246,12 @@
               <a:t>&gt;</a:t>
             </a:r>
             <a:r>
-              <a:rPr b="1" lang="en-US" sz="1800" spc="-1" strike="noStrike">
+              <a:rPr lang="en-US" sz="1800" b="1" strike="noStrike" spc="-1">
                 <a:solidFill>
                   <a:srgbClr val="800000"/>
                 </a:solidFill>
                 <a:highlight>
-                  <a:srgbClr val="ff0000"/>
+                  <a:srgbClr val="FF0000"/>
                 </a:highlight>
                 <a:latin typeface="Courier New"/>
                 <a:ea typeface="Calibri"/>
@@ -4526,12 +5259,12 @@
               <a:t>PASSED</a:t>
             </a:r>
             <a:r>
-              <a:rPr b="1" lang="en-US" sz="1800" spc="-1" strike="noStrike">
-                <a:solidFill>
-                  <a:srgbClr val="0000ff"/>
+              <a:rPr lang="en-US" sz="1800" b="1" strike="noStrike" spc="-1">
+                <a:solidFill>
+                  <a:srgbClr val="0000FF"/>
                 </a:solidFill>
                 <a:highlight>
-                  <a:srgbClr val="ff0000"/>
+                  <a:srgbClr val="FF0000"/>
                 </a:highlight>
                 <a:latin typeface="Courier New"/>
                 <a:ea typeface="Calibri"/>
@@ -4539,12 +5272,12 @@
               <a:t>&lt;/</a:t>
             </a:r>
             <a:r>
-              <a:rPr b="1" lang="en-US" sz="1800" spc="-1" strike="noStrike">
+              <a:rPr lang="en-US" sz="1800" b="1" strike="noStrike" spc="-1">
                 <a:solidFill>
                   <a:srgbClr val="000000"/>
                 </a:solidFill>
                 <a:highlight>
-                  <a:srgbClr val="ff0000"/>
+                  <a:srgbClr val="FF0000"/>
                 </a:highlight>
                 <a:latin typeface="Courier New"/>
                 <a:ea typeface="Calibri"/>
@@ -4552,19 +5285,19 @@
               <a:t>DEPL_VOLTS_PASS</a:t>
             </a:r>
             <a:r>
-              <a:rPr b="1" lang="en-US" sz="1800" spc="-1" strike="noStrike">
-                <a:solidFill>
-                  <a:srgbClr val="0000ff"/>
+              <a:rPr lang="en-US" sz="1800" b="1" strike="noStrike" spc="-1">
+                <a:solidFill>
+                  <a:srgbClr val="0000FF"/>
                 </a:solidFill>
                 <a:highlight>
-                  <a:srgbClr val="ff0000"/>
+                  <a:srgbClr val="FF0000"/>
                 </a:highlight>
                 <a:latin typeface="Courier New"/>
                 <a:ea typeface="Calibri"/>
               </a:rPr>
               <a:t>&gt;</a:t>
             </a:r>
-            <a:endParaRPr b="0" lang="en-US" sz="1800" spc="-1" strike="noStrike">
+            <a:endParaRPr lang="en-US" sz="1800" b="0" strike="noStrike" spc="-1">
               <a:latin typeface="Arial"/>
             </a:endParaRPr>
           </a:p>
@@ -4575,12 +5308,12 @@
               </a:lnSpc>
             </a:pPr>
             <a:r>
-              <a:rPr b="1" lang="en-US" sz="1800" spc="-1" strike="noStrike">
-                <a:solidFill>
-                  <a:srgbClr val="0000ff"/>
+              <a:rPr lang="en-US" sz="1800" b="1" strike="noStrike" spc="-1">
+                <a:solidFill>
+                  <a:srgbClr val="0000FF"/>
                 </a:solidFill>
                 <a:highlight>
-                  <a:srgbClr val="ff0000"/>
+                  <a:srgbClr val="FF0000"/>
                 </a:highlight>
                 <a:latin typeface="Courier New"/>
                 <a:ea typeface="Calibri"/>
@@ -4588,12 +5321,12 @@
               <a:t>&lt;</a:t>
             </a:r>
             <a:r>
-              <a:rPr b="1" lang="en-US" sz="1800" spc="-1" strike="noStrike">
+              <a:rPr lang="en-US" sz="1800" b="1" strike="noStrike" spc="-1">
                 <a:solidFill>
                   <a:srgbClr val="000000"/>
                 </a:solidFill>
                 <a:highlight>
-                  <a:srgbClr val="ff0000"/>
+                  <a:srgbClr val="FF0000"/>
                 </a:highlight>
                 <a:latin typeface="Courier New"/>
                 <a:ea typeface="Calibri"/>
@@ -4601,12 +5334,12 @@
               <a:t>DEPL_VOLTS_UNIF_PASS</a:t>
             </a:r>
             <a:r>
-              <a:rPr b="1" lang="en-US" sz="1800" spc="-1" strike="noStrike">
-                <a:solidFill>
-                  <a:srgbClr val="0000ff"/>
+              <a:rPr lang="en-US" sz="1800" b="1" strike="noStrike" spc="-1">
+                <a:solidFill>
+                  <a:srgbClr val="0000FF"/>
                 </a:solidFill>
                 <a:highlight>
-                  <a:srgbClr val="ff0000"/>
+                  <a:srgbClr val="FF0000"/>
                 </a:highlight>
                 <a:latin typeface="Courier New"/>
                 <a:ea typeface="Calibri"/>
@@ -4614,12 +5347,12 @@
               <a:t>&gt;</a:t>
             </a:r>
             <a:r>
-              <a:rPr b="1" lang="en-US" sz="1800" spc="-1" strike="noStrike">
+              <a:rPr lang="en-US" sz="1800" b="1" strike="noStrike" spc="-1">
                 <a:solidFill>
                   <a:srgbClr val="800000"/>
                 </a:solidFill>
                 <a:highlight>
-                  <a:srgbClr val="ff0000"/>
+                  <a:srgbClr val="FF0000"/>
                 </a:highlight>
                 <a:latin typeface="Courier New"/>
                 <a:ea typeface="Calibri"/>
@@ -4627,12 +5360,12 @@
               <a:t>PASSED</a:t>
             </a:r>
             <a:r>
-              <a:rPr b="1" lang="en-US" sz="1800" spc="-1" strike="noStrike">
-                <a:solidFill>
-                  <a:srgbClr val="0000ff"/>
+              <a:rPr lang="en-US" sz="1800" b="1" strike="noStrike" spc="-1">
+                <a:solidFill>
+                  <a:srgbClr val="0000FF"/>
                 </a:solidFill>
                 <a:highlight>
-                  <a:srgbClr val="ff0000"/>
+                  <a:srgbClr val="FF0000"/>
                 </a:highlight>
                 <a:latin typeface="Courier New"/>
                 <a:ea typeface="Calibri"/>
@@ -4640,12 +5373,12 @@
               <a:t>&lt;/</a:t>
             </a:r>
             <a:r>
-              <a:rPr b="1" lang="en-US" sz="1800" spc="-1" strike="noStrike">
+              <a:rPr lang="en-US" sz="1800" b="1" strike="noStrike" spc="-1">
                 <a:solidFill>
                   <a:srgbClr val="000000"/>
                 </a:solidFill>
                 <a:highlight>
-                  <a:srgbClr val="ff0000"/>
+                  <a:srgbClr val="FF0000"/>
                 </a:highlight>
                 <a:latin typeface="Courier New"/>
                 <a:ea typeface="Calibri"/>
@@ -4653,19 +5386,19 @@
               <a:t>DEPL_VOLTS_UNIF_PASS</a:t>
             </a:r>
             <a:r>
-              <a:rPr b="1" lang="en-US" sz="1800" spc="-1" strike="noStrike">
-                <a:solidFill>
-                  <a:srgbClr val="0000ff"/>
+              <a:rPr lang="en-US" sz="1800" b="1" strike="noStrike" spc="-1">
+                <a:solidFill>
+                  <a:srgbClr val="0000FF"/>
                 </a:solidFill>
                 <a:highlight>
-                  <a:srgbClr val="ff0000"/>
+                  <a:srgbClr val="FF0000"/>
                 </a:highlight>
                 <a:latin typeface="Courier New"/>
                 <a:ea typeface="Calibri"/>
               </a:rPr>
               <a:t>&gt;</a:t>
             </a:r>
-            <a:endParaRPr b="0" lang="en-US" sz="1800" spc="-1" strike="noStrike">
+            <a:endParaRPr lang="en-US" sz="1800" b="0" strike="noStrike" spc="-1">
               <a:latin typeface="Arial"/>
             </a:endParaRPr>
           </a:p>
@@ -4676,12 +5409,12 @@
               </a:lnSpc>
             </a:pPr>
             <a:r>
-              <a:rPr b="1" lang="en-US" sz="1800" spc="-1" strike="noStrike">
-                <a:solidFill>
-                  <a:srgbClr val="0000ff"/>
+              <a:rPr lang="en-US" sz="1800" b="1" strike="noStrike" spc="-1">
+                <a:solidFill>
+                  <a:srgbClr val="0000FF"/>
                 </a:solidFill>
                 <a:highlight>
-                  <a:srgbClr val="ff0000"/>
+                  <a:srgbClr val="FF0000"/>
                 </a:highlight>
                 <a:latin typeface="Courier New"/>
                 <a:ea typeface="Calibri"/>
@@ -4689,12 +5422,12 @@
               <a:t>&lt;</a:t>
             </a:r>
             <a:r>
-              <a:rPr b="1" lang="en-US" sz="1800" spc="-1" strike="noStrike">
+              <a:rPr lang="en-US" sz="1800" b="1" strike="noStrike" spc="-1">
                 <a:solidFill>
                   <a:srgbClr val="000000"/>
                 </a:solidFill>
                 <a:highlight>
-                  <a:srgbClr val="ff0000"/>
+                  <a:srgbClr val="FF0000"/>
                 </a:highlight>
                 <a:latin typeface="Courier New"/>
                 <a:ea typeface="Calibri"/>
@@ -4702,12 +5435,12 @@
               <a:t>C_INT_PASS</a:t>
             </a:r>
             <a:r>
-              <a:rPr b="1" lang="en-US" sz="1800" spc="-1" strike="noStrike">
-                <a:solidFill>
-                  <a:srgbClr val="0000ff"/>
+              <a:rPr lang="en-US" sz="1800" b="1" strike="noStrike" spc="-1">
+                <a:solidFill>
+                  <a:srgbClr val="0000FF"/>
                 </a:solidFill>
                 <a:highlight>
-                  <a:srgbClr val="ff0000"/>
+                  <a:srgbClr val="FF0000"/>
                 </a:highlight>
                 <a:latin typeface="Courier New"/>
                 <a:ea typeface="Calibri"/>
@@ -4715,12 +5448,12 @@
               <a:t>&gt;</a:t>
             </a:r>
             <a:r>
-              <a:rPr b="1" lang="en-US" sz="1800" spc="-1" strike="noStrike">
+              <a:rPr lang="en-US" sz="1800" b="1" strike="noStrike" spc="-1">
                 <a:solidFill>
                   <a:srgbClr val="800000"/>
                 </a:solidFill>
                 <a:highlight>
-                  <a:srgbClr val="ff0000"/>
+                  <a:srgbClr val="FF0000"/>
                 </a:highlight>
                 <a:latin typeface="Courier New"/>
                 <a:ea typeface="Calibri"/>
@@ -4728,12 +5461,12 @@
               <a:t>PASSED</a:t>
             </a:r>
             <a:r>
-              <a:rPr b="1" lang="en-US" sz="1800" spc="-1" strike="noStrike">
-                <a:solidFill>
-                  <a:srgbClr val="0000ff"/>
+              <a:rPr lang="en-US" sz="1800" b="1" strike="noStrike" spc="-1">
+                <a:solidFill>
+                  <a:srgbClr val="0000FF"/>
                 </a:solidFill>
                 <a:highlight>
-                  <a:srgbClr val="ff0000"/>
+                  <a:srgbClr val="FF0000"/>
                 </a:highlight>
                 <a:latin typeface="Courier New"/>
                 <a:ea typeface="Calibri"/>
@@ -4741,12 +5474,12 @@
               <a:t>&lt;/</a:t>
             </a:r>
             <a:r>
-              <a:rPr b="1" lang="en-US" sz="1800" spc="-1" strike="noStrike">
+              <a:rPr lang="en-US" sz="1800" b="1" strike="noStrike" spc="-1">
                 <a:solidFill>
                   <a:srgbClr val="000000"/>
                 </a:solidFill>
                 <a:highlight>
-                  <a:srgbClr val="ff0000"/>
+                  <a:srgbClr val="FF0000"/>
                 </a:highlight>
                 <a:latin typeface="Courier New"/>
                 <a:ea typeface="Calibri"/>
@@ -4754,19 +5487,19 @@
               <a:t>C_INT_PASS</a:t>
             </a:r>
             <a:r>
-              <a:rPr b="1" lang="en-US" sz="1800" spc="-1" strike="noStrike">
-                <a:solidFill>
-                  <a:srgbClr val="0000ff"/>
+              <a:rPr lang="en-US" sz="1800" b="1" strike="noStrike" spc="-1">
+                <a:solidFill>
+                  <a:srgbClr val="0000FF"/>
                 </a:solidFill>
                 <a:highlight>
-                  <a:srgbClr val="ff0000"/>
+                  <a:srgbClr val="FF0000"/>
                 </a:highlight>
                 <a:latin typeface="Courier New"/>
                 <a:ea typeface="Calibri"/>
               </a:rPr>
               <a:t>&gt;</a:t>
             </a:r>
-            <a:endParaRPr b="0" lang="en-US" sz="1800" spc="-1" strike="noStrike">
+            <a:endParaRPr lang="en-US" sz="1800" b="0" strike="noStrike" spc="-1">
               <a:latin typeface="Arial"/>
             </a:endParaRPr>
           </a:p>
@@ -4777,12 +5510,12 @@
               </a:lnSpc>
             </a:pPr>
             <a:r>
-              <a:rPr b="1" lang="en-US" sz="1800" spc="-1" strike="noStrike">
-                <a:solidFill>
-                  <a:srgbClr val="0000ff"/>
+              <a:rPr lang="en-US" sz="1800" b="1" strike="noStrike" spc="-1">
+                <a:solidFill>
+                  <a:srgbClr val="0000FF"/>
                 </a:solidFill>
                 <a:highlight>
-                  <a:srgbClr val="ff0000"/>
+                  <a:srgbClr val="FF0000"/>
                 </a:highlight>
                 <a:latin typeface="Courier New"/>
                 <a:ea typeface="Calibri"/>
@@ -4790,12 +5523,12 @@
               <a:t>&lt;</a:t>
             </a:r>
             <a:r>
-              <a:rPr b="1" lang="en-US" sz="1800" spc="-1" strike="noStrike">
+              <a:rPr lang="en-US" sz="1800" b="1" strike="noStrike" spc="-1">
                 <a:solidFill>
                   <a:srgbClr val="000000"/>
                 </a:solidFill>
                 <a:highlight>
-                  <a:srgbClr val="ff0000"/>
+                  <a:srgbClr val="FF0000"/>
                 </a:highlight>
                 <a:latin typeface="Courier New"/>
                 <a:ea typeface="Calibri"/>
@@ -4803,12 +5536,12 @@
               <a:t>SNSR_THKNES_UNIF_PASS</a:t>
             </a:r>
             <a:r>
-              <a:rPr b="1" lang="en-US" sz="1800" spc="-1" strike="noStrike">
-                <a:solidFill>
-                  <a:srgbClr val="0000ff"/>
+              <a:rPr lang="en-US" sz="1800" b="1" strike="noStrike" spc="-1">
+                <a:solidFill>
+                  <a:srgbClr val="0000FF"/>
                 </a:solidFill>
                 <a:highlight>
-                  <a:srgbClr val="ff0000"/>
+                  <a:srgbClr val="FF0000"/>
                 </a:highlight>
                 <a:latin typeface="Courier New"/>
                 <a:ea typeface="Calibri"/>
@@ -4816,12 +5549,12 @@
               <a:t>&gt;</a:t>
             </a:r>
             <a:r>
-              <a:rPr b="1" lang="en-US" sz="1800" spc="-1" strike="noStrike">
+              <a:rPr lang="en-US" sz="1800" b="1" strike="noStrike" spc="-1">
                 <a:solidFill>
                   <a:srgbClr val="800000"/>
                 </a:solidFill>
                 <a:highlight>
-                  <a:srgbClr val="ff0000"/>
+                  <a:srgbClr val="FF0000"/>
                 </a:highlight>
                 <a:latin typeface="Courier New"/>
                 <a:ea typeface="Calibri"/>
@@ -4829,12 +5562,12 @@
               <a:t>PASSED</a:t>
             </a:r>
             <a:r>
-              <a:rPr b="1" lang="en-US" sz="1800" spc="-1" strike="noStrike">
-                <a:solidFill>
-                  <a:srgbClr val="0000ff"/>
+              <a:rPr lang="en-US" sz="1800" b="1" strike="noStrike" spc="-1">
+                <a:solidFill>
+                  <a:srgbClr val="0000FF"/>
                 </a:solidFill>
                 <a:highlight>
-                  <a:srgbClr val="ff0000"/>
+                  <a:srgbClr val="FF0000"/>
                 </a:highlight>
                 <a:latin typeface="Courier New"/>
                 <a:ea typeface="Calibri"/>
@@ -4842,12 +5575,12 @@
               <a:t>&lt;/</a:t>
             </a:r>
             <a:r>
-              <a:rPr b="1" lang="en-US" sz="1800" spc="-1" strike="noStrike">
+              <a:rPr lang="en-US" sz="1800" b="1" strike="noStrike" spc="-1">
                 <a:solidFill>
                   <a:srgbClr val="000000"/>
                 </a:solidFill>
                 <a:highlight>
-                  <a:srgbClr val="ff0000"/>
+                  <a:srgbClr val="FF0000"/>
                 </a:highlight>
                 <a:latin typeface="Courier New"/>
                 <a:ea typeface="Calibri"/>
@@ -4855,19 +5588,19 @@
               <a:t>SNSR_THKNES_UNIF_PASS</a:t>
             </a:r>
             <a:r>
-              <a:rPr b="1" lang="en-US" sz="1800" spc="-1" strike="noStrike">
-                <a:solidFill>
-                  <a:srgbClr val="0000ff"/>
+              <a:rPr lang="en-US" sz="1800" b="1" strike="noStrike" spc="-1">
+                <a:solidFill>
+                  <a:srgbClr val="0000FF"/>
                 </a:solidFill>
                 <a:highlight>
-                  <a:srgbClr val="ff0000"/>
+                  <a:srgbClr val="FF0000"/>
                 </a:highlight>
                 <a:latin typeface="Courier New"/>
                 <a:ea typeface="Calibri"/>
               </a:rPr>
               <a:t>&gt;</a:t>
             </a:r>
-            <a:endParaRPr b="0" lang="en-US" sz="1800" spc="-1" strike="noStrike">
+            <a:endParaRPr lang="en-US" sz="1800" b="0" strike="noStrike" spc="-1">
               <a:latin typeface="Arial"/>
             </a:endParaRPr>
           </a:p>
@@ -4878,12 +5611,12 @@
               </a:lnSpc>
             </a:pPr>
             <a:r>
-              <a:rPr b="1" lang="en-US" sz="1800" spc="-1" strike="noStrike">
-                <a:solidFill>
-                  <a:srgbClr val="0000ff"/>
+              <a:rPr lang="en-US" sz="1800" b="1" strike="noStrike" spc="-1">
+                <a:solidFill>
+                  <a:srgbClr val="0000FF"/>
                 </a:solidFill>
                 <a:highlight>
-                  <a:srgbClr val="ffffff"/>
+                  <a:srgbClr val="FFFFFF"/>
                 </a:highlight>
                 <a:latin typeface="Courier New"/>
                 <a:ea typeface="Calibri"/>
@@ -4891,12 +5624,12 @@
               <a:t>&lt;PASS&gt;</a:t>
             </a:r>
             <a:r>
-              <a:rPr b="1" lang="en-US" sz="1800" spc="-1" strike="noStrike">
+              <a:rPr lang="en-US" sz="1800" b="1" strike="noStrike" spc="-1">
                 <a:solidFill>
                   <a:srgbClr val="800000"/>
                 </a:solidFill>
                 <a:highlight>
-                  <a:srgbClr val="ff0000"/>
+                  <a:srgbClr val="FF0000"/>
                 </a:highlight>
                 <a:latin typeface="Courier New"/>
                 <a:ea typeface="Calibri"/>
@@ -4904,19 +5637,19 @@
               <a:t>PASSED</a:t>
             </a:r>
             <a:r>
-              <a:rPr b="1" lang="en-US" sz="1800" spc="-1" strike="noStrike">
-                <a:solidFill>
-                  <a:srgbClr val="0000ff"/>
+              <a:rPr lang="en-US" sz="1800" b="1" strike="noStrike" spc="-1">
+                <a:solidFill>
+                  <a:srgbClr val="0000FF"/>
                 </a:solidFill>
                 <a:highlight>
-                  <a:srgbClr val="ffffff"/>
+                  <a:srgbClr val="FFFFFF"/>
                 </a:highlight>
                 <a:latin typeface="Courier New"/>
                 <a:ea typeface="Calibri"/>
               </a:rPr>
               <a:t>&lt;/PASS&gt;</a:t>
             </a:r>
-            <a:endParaRPr b="0" lang="en-US" sz="1800" spc="-1" strike="noStrike">
+            <a:endParaRPr lang="en-US" sz="1800" b="0" strike="noStrike" spc="-1">
               <a:latin typeface="Arial"/>
             </a:endParaRPr>
           </a:p>
@@ -4926,7 +5659,7 @@
                 <a:spcPct val="100000"/>
               </a:lnSpc>
             </a:pPr>
-            <a:endParaRPr b="0" lang="en-US" sz="1800" spc="-1" strike="noStrike">
+            <a:endParaRPr lang="en-US" sz="1800" b="0" strike="noStrike" spc="-1">
               <a:latin typeface="Arial"/>
             </a:endParaRPr>
           </a:p>
@@ -4952,15 +5685,22 @@
           </a:ln>
         </p:spPr>
         <p:style>
-          <a:lnRef idx="0"/>
-          <a:fillRef idx="0"/>
-          <a:effectRef idx="0"/>
+          <a:lnRef idx="0">
+            <a:scrgbClr r="0" g="0" b="0"/>
+          </a:lnRef>
+          <a:fillRef idx="0">
+            <a:scrgbClr r="0" g="0" b="0"/>
+          </a:fillRef>
+          <a:effectRef idx="0">
+            <a:scrgbClr r="0" g="0" b="0"/>
+          </a:effectRef>
           <a:fontRef idx="minor"/>
         </p:style>
         <p:txBody>
-          <a:bodyPr lIns="90000" rIns="90000" tIns="45000" bIns="45000">
+          <a:bodyPr lIns="90000" tIns="45000" rIns="90000" bIns="45000">
             <a:spAutoFit/>
           </a:bodyPr>
+          <a:lstStyle/>
           <a:p>
             <a:pPr>
               <a:lnSpc>
@@ -4968,19 +5708,19 @@
               </a:lnSpc>
             </a:pPr>
             <a:r>
-              <a:rPr b="1" lang="en-US" sz="2400" spc="-1" strike="noStrike">
-                <a:solidFill>
-                  <a:srgbClr val="0000ff"/>
+              <a:rPr lang="en-US" sz="2400" b="1" strike="noStrike" spc="-1">
+                <a:solidFill>
+                  <a:srgbClr val="0000FF"/>
                 </a:solidFill>
                 <a:highlight>
-                  <a:srgbClr val="ffffff"/>
+                  <a:srgbClr val="FFFFFF"/>
                 </a:highlight>
                 <a:latin typeface="Courier New"/>
                 <a:ea typeface="Calibri"/>
               </a:rPr>
               <a:t>CV_SUMRY</a:t>
             </a:r>
-            <a:endParaRPr b="0" lang="en-US" sz="2400" spc="-1" strike="noStrike">
+            <a:endParaRPr lang="en-US" sz="2400" b="0" strike="noStrike" spc="-1">
               <a:latin typeface="Arial"/>
             </a:endParaRPr>
           </a:p>
@@ -4988,19 +5728,14 @@
       </p:sp>
     </p:spTree>
   </p:cSld>
-  <mc:AlternateContent>
-    <mc:Choice Requires="p14">
-      <p:transition spd="slow" p14:dur="2000"/>
-    </mc:Choice>
-    <mc:Fallback>
-      <p:transition spd="slow"/>
-    </mc:Fallback>
-  </mc:AlternateContent>
+  <p:clrMapOvr>
+    <a:masterClrMapping/>
+  </p:clrMapOvr>
 </p:sld>
 </file>
 
 <file path=ppt/slides/slide4.xml><?xml version="1.0" encoding="utf-8"?>
-<p:sld xmlns:a="http://schemas.openxmlformats.org/drawingml/2006/main" xmlns:p="http://schemas.openxmlformats.org/presentationml/2006/main" xmlns:r="http://schemas.openxmlformats.org/officeDocument/2006/relationships" xmlns:p14="http://schemas.microsoft.com/office/powerpoint/2010/main" xmlns:p15="http://schemas.microsoft.com/office/powerpoint/2012/main" xmlns:mc="http://schemas.openxmlformats.org/markup-compatibility/2006">
+<p:sld xmlns:a="http://schemas.openxmlformats.org/drawingml/2006/main" xmlns:r="http://schemas.openxmlformats.org/officeDocument/2006/relationships" xmlns:p="http://schemas.openxmlformats.org/presentationml/2006/main">
   <p:cSld>
     <p:spTree>
       <p:nvGrpSpPr>
@@ -5036,9 +5771,10 @@
           </a:ln>
         </p:spPr>
         <p:txBody>
-          <a:bodyPr lIns="0" rIns="0" tIns="0" bIns="0" anchor="ctr">
+          <a:bodyPr lIns="0" tIns="0" rIns="0" bIns="0" anchor="ctr">
             <a:noAutofit/>
           </a:bodyPr>
+          <a:lstStyle/>
           <a:p>
             <a:pPr>
               <a:lnSpc>
@@ -5046,7 +5782,7 @@
               </a:lnSpc>
             </a:pPr>
             <a:r>
-              <a:rPr b="0" lang="en-US" sz="1800" spc="-1" strike="noStrike">
+              <a:rPr lang="en-US" sz="1800" b="0" strike="noStrike" spc="-1">
                 <a:solidFill>
                   <a:srgbClr val="000000"/>
                 </a:solidFill>
@@ -5054,23 +5790,17 @@
               </a:rPr>
               <a:t>CV_SUMRY Current columns (Oct 26)</a:t>
             </a:r>
-            <a:endParaRPr b="0" lang="en-US" sz="1800" spc="-1" strike="noStrike">
-              <a:solidFill>
-                <a:srgbClr val="000000"/>
-              </a:solidFill>
-              <a:latin typeface="Calibri"/>
-            </a:endParaRPr>
           </a:p>
         </p:txBody>
       </p:sp>
       <p:pic>
         <p:nvPicPr>
-          <p:cNvPr id="89" name="" descr=""/>
+          <p:cNvPr id="89" name="Picture 88"/>
           <p:cNvPicPr/>
           <p:nvPr/>
         </p:nvPicPr>
         <p:blipFill>
-          <a:blip r:embed="rId1"/>
+          <a:blip r:embed="rId2"/>
           <a:stretch/>
         </p:blipFill>
         <p:spPr>
@@ -5088,19 +5818,14 @@
       </p:pic>
     </p:spTree>
   </p:cSld>
-  <mc:AlternateContent>
-    <mc:Choice Requires="p14">
-      <p:transition spd="slow" p14:dur="2000"/>
-    </mc:Choice>
-    <mc:Fallback>
-      <p:transition spd="slow"/>
-    </mc:Fallback>
-  </mc:AlternateContent>
+  <p:clrMapOvr>
+    <a:masterClrMapping/>
+  </p:clrMapOvr>
 </p:sld>
 </file>
 
 <file path=ppt/slides/slide5.xml><?xml version="1.0" encoding="utf-8"?>
-<p:sld xmlns:a="http://schemas.openxmlformats.org/drawingml/2006/main" xmlns:p="http://schemas.openxmlformats.org/presentationml/2006/main" xmlns:r="http://schemas.openxmlformats.org/officeDocument/2006/relationships" xmlns:p14="http://schemas.microsoft.com/office/powerpoint/2010/main" xmlns:p15="http://schemas.microsoft.com/office/powerpoint/2012/main" xmlns:mc="http://schemas.openxmlformats.org/markup-compatibility/2006">
+<p:sld xmlns:a="http://schemas.openxmlformats.org/drawingml/2006/main" xmlns:r="http://schemas.openxmlformats.org/officeDocument/2006/relationships" xmlns:p="http://schemas.openxmlformats.org/presentationml/2006/main">
   <p:cSld>
     <p:spTree>
       <p:nvGrpSpPr>
@@ -5123,18 +5848,18 @@
           <p:nvPr/>
         </p:nvPicPr>
         <p:blipFill>
-          <a:blip r:embed="rId1"/>
+          <a:blip r:embed="rId2"/>
           <a:stretch/>
         </p:blipFill>
         <p:spPr>
           <a:xfrm>
-            <a:off x="122400" y="112320"/>
+            <a:off x="3370708" y="68777"/>
             <a:ext cx="5068080" cy="6121440"/>
           </a:xfrm>
           <a:prstGeom prst="rect">
             <a:avLst/>
           </a:prstGeom>
-          <a:ln>
+          <a:ln w="38100">
             <a:noFill/>
           </a:ln>
         </p:spPr>
@@ -5147,14 +5872,14 @@
         </p:nvSpPr>
         <p:spPr>
           <a:xfrm>
-            <a:off x="5393160" y="3531600"/>
+            <a:off x="8246319" y="3695760"/>
             <a:ext cx="3215160" cy="257760"/>
           </a:xfrm>
           <a:prstGeom prst="rect">
             <a:avLst/>
           </a:prstGeom>
           <a:noFill/>
-          <a:ln w="28440">
+          <a:ln w="38100">
             <a:solidFill>
               <a:schemeClr val="accent2">
                 <a:lumMod val="75000"/>
@@ -5164,15 +5889,22 @@
           </a:ln>
         </p:spPr>
         <p:style>
-          <a:lnRef idx="0"/>
-          <a:fillRef idx="0"/>
-          <a:effectRef idx="0"/>
+          <a:lnRef idx="0">
+            <a:scrgbClr r="0" g="0" b="0"/>
+          </a:lnRef>
+          <a:fillRef idx="0">
+            <a:scrgbClr r="0" g="0" b="0"/>
+          </a:fillRef>
+          <a:effectRef idx="0">
+            <a:scrgbClr r="0" g="0" b="0"/>
+          </a:effectRef>
           <a:fontRef idx="minor"/>
         </p:style>
         <p:txBody>
-          <a:bodyPr lIns="90000" rIns="90000" tIns="45000" bIns="45000">
+          <a:bodyPr lIns="90000" tIns="45000" rIns="90000" bIns="45000">
             <a:spAutoFit/>
           </a:bodyPr>
+          <a:lstStyle/>
           <a:p>
             <a:pPr>
               <a:lnSpc>
@@ -5180,7 +5912,7 @@
               </a:lnSpc>
             </a:pPr>
             <a:r>
-              <a:rPr b="1" lang="en-US" sz="1100" spc="-1" strike="noStrike">
+              <a:rPr lang="en-US" sz="1100" b="1" strike="noStrike" spc="-1">
                 <a:solidFill>
                   <a:srgbClr val="000000"/>
                 </a:solidFill>
@@ -5189,7 +5921,7 @@
               </a:rPr>
               <a:t>&lt;SNSR_THCKNESS&gt;300&lt;/SNSR_THCKNESS&gt; </a:t>
             </a:r>
-            <a:endParaRPr b="0" lang="en-US" sz="1100" spc="-1" strike="noStrike">
+            <a:endParaRPr lang="en-US" sz="1100" b="0" strike="noStrike" spc="-1">
               <a:latin typeface="Arial"/>
             </a:endParaRPr>
           </a:p>
@@ -5203,14 +5935,14 @@
         </p:nvSpPr>
         <p:spPr>
           <a:xfrm>
-            <a:off x="5280840" y="2754360"/>
-            <a:ext cx="3215160" cy="257760"/>
+            <a:off x="5646268" y="1469609"/>
+            <a:ext cx="2644406" cy="257760"/>
           </a:xfrm>
           <a:prstGeom prst="rect">
             <a:avLst/>
           </a:prstGeom>
           <a:noFill/>
-          <a:ln w="28440">
+          <a:ln w="38100">
             <a:solidFill>
               <a:schemeClr val="accent1"/>
             </a:solidFill>
@@ -5218,15 +5950,22 @@
           </a:ln>
         </p:spPr>
         <p:style>
-          <a:lnRef idx="0"/>
-          <a:fillRef idx="0"/>
-          <a:effectRef idx="0"/>
+          <a:lnRef idx="0">
+            <a:scrgbClr r="0" g="0" b="0"/>
+          </a:lnRef>
+          <a:fillRef idx="0">
+            <a:scrgbClr r="0" g="0" b="0"/>
+          </a:fillRef>
+          <a:effectRef idx="0">
+            <a:scrgbClr r="0" g="0" b="0"/>
+          </a:effectRef>
           <a:fontRef idx="minor"/>
         </p:style>
         <p:txBody>
-          <a:bodyPr lIns="90000" rIns="90000" tIns="45000" bIns="45000">
+          <a:bodyPr wrap="square" lIns="90000" tIns="45000" rIns="90000" bIns="45000">
             <a:spAutoFit/>
           </a:bodyPr>
+          <a:lstStyle/>
           <a:p>
             <a:pPr>
               <a:lnSpc>
@@ -5234,7 +5973,7 @@
               </a:lnSpc>
             </a:pPr>
             <a:r>
-              <a:rPr b="1" lang="en-US" sz="1100" spc="-1" strike="noStrike">
+              <a:rPr lang="en-US" sz="1100" b="1" strike="noStrike" spc="-1">
                 <a:solidFill>
                   <a:srgbClr val="000000"/>
                 </a:solidFill>
@@ -5243,7 +5982,7 @@
               </a:rPr>
               <a:t>&lt;DEPL_VOLTS&gt;284&lt;/DEPL_VOLTS&gt;</a:t>
             </a:r>
-            <a:endParaRPr b="0" lang="en-US" sz="1100" spc="-1" strike="noStrike">
+            <a:endParaRPr lang="en-US" sz="1100" b="0" strike="noStrike" spc="-1">
               <a:latin typeface="Arial"/>
             </a:endParaRPr>
           </a:p>
@@ -5257,30 +5996,37 @@
         </p:nvSpPr>
         <p:spPr>
           <a:xfrm>
-            <a:off x="5280840" y="3153600"/>
-            <a:ext cx="4901400" cy="257760"/>
+            <a:off x="7144588" y="2042879"/>
+            <a:ext cx="3306086" cy="257760"/>
           </a:xfrm>
           <a:prstGeom prst="rect">
             <a:avLst/>
           </a:prstGeom>
           <a:noFill/>
-          <a:ln w="28440">
+          <a:ln w="38100">
             <a:solidFill>
-              <a:srgbClr val="92d050"/>
+              <a:srgbClr val="92D050"/>
             </a:solidFill>
             <a:round/>
           </a:ln>
         </p:spPr>
         <p:style>
-          <a:lnRef idx="0"/>
-          <a:fillRef idx="0"/>
-          <a:effectRef idx="0"/>
+          <a:lnRef idx="0">
+            <a:scrgbClr r="0" g="0" b="0"/>
+          </a:lnRef>
+          <a:fillRef idx="0">
+            <a:scrgbClr r="0" g="0" b="0"/>
+          </a:fillRef>
+          <a:effectRef idx="0">
+            <a:scrgbClr r="0" g="0" b="0"/>
+          </a:effectRef>
           <a:fontRef idx="minor"/>
         </p:style>
         <p:txBody>
-          <a:bodyPr lIns="90000" rIns="90000" tIns="45000" bIns="45000">
+          <a:bodyPr wrap="square" lIns="90000" tIns="45000" rIns="90000" bIns="45000">
             <a:spAutoFit/>
           </a:bodyPr>
+          <a:lstStyle/>
           <a:p>
             <a:pPr>
               <a:lnSpc>
@@ -5288,7 +6034,7 @@
               </a:lnSpc>
             </a:pPr>
             <a:r>
-              <a:rPr b="1" lang="en-US" sz="1100" spc="-1" strike="noStrike">
+              <a:rPr lang="en-US" sz="1100" b="1" strike="noStrike" spc="-1">
                 <a:solidFill>
                   <a:srgbClr val="000000"/>
                 </a:solidFill>
@@ -5297,7 +6043,7 @@
               </a:rPr>
               <a:t>&lt;MAX_DEPL_VOLTS&gt;370&lt;/MAX_DEPL_VOLTS&gt;</a:t>
             </a:r>
-            <a:endParaRPr b="0" lang="en-US" sz="1100" spc="-1" strike="noStrike">
+            <a:endParaRPr lang="en-US" sz="1100" b="0" strike="noStrike" spc="-1">
               <a:latin typeface="Arial"/>
             </a:endParaRPr>
           </a:p>
@@ -5311,14 +6057,14 @@
         </p:nvSpPr>
         <p:spPr>
           <a:xfrm>
-            <a:off x="1684440" y="3016080"/>
-            <a:ext cx="713520" cy="312480"/>
+            <a:off x="4902926" y="3016080"/>
+            <a:ext cx="743342" cy="257760"/>
           </a:xfrm>
           <a:prstGeom prst="rect">
             <a:avLst/>
           </a:prstGeom>
           <a:noFill/>
-          <a:ln>
+          <a:ln w="38100">
             <a:solidFill>
               <a:schemeClr val="accent1"/>
             </a:solidFill>
@@ -5347,14 +6093,14 @@
         </p:nvSpPr>
         <p:spPr>
           <a:xfrm>
-            <a:off x="2871360" y="3506040"/>
+            <a:off x="6119668" y="3453787"/>
             <a:ext cx="442440" cy="312480"/>
           </a:xfrm>
           <a:prstGeom prst="rect">
             <a:avLst/>
           </a:prstGeom>
           <a:noFill/>
-          <a:ln>
+          <a:ln w="38100">
             <a:solidFill>
               <a:schemeClr val="accent2">
                 <a:lumMod val="75000"/>
@@ -5385,16 +6131,16 @@
         </p:nvSpPr>
         <p:spPr>
           <a:xfrm>
-            <a:off x="995040" y="3506040"/>
+            <a:off x="4243348" y="3506040"/>
             <a:ext cx="356400" cy="223200"/>
           </a:xfrm>
           <a:prstGeom prst="rect">
             <a:avLst/>
           </a:prstGeom>
           <a:noFill/>
-          <a:ln>
+          <a:ln w="38100">
             <a:solidFill>
-              <a:srgbClr val="92d050"/>
+              <a:srgbClr val="92D050"/>
             </a:solidFill>
           </a:ln>
         </p:spPr>
@@ -5421,30 +6167,37 @@
         </p:nvSpPr>
         <p:spPr>
           <a:xfrm>
-            <a:off x="5110920" y="3894480"/>
-            <a:ext cx="5428440" cy="257760"/>
+            <a:off x="77251" y="3717896"/>
+            <a:ext cx="3391988" cy="257760"/>
           </a:xfrm>
           <a:prstGeom prst="rect">
             <a:avLst/>
           </a:prstGeom>
           <a:noFill/>
-          <a:ln w="28440">
+          <a:ln w="38100">
             <a:solidFill>
-              <a:srgbClr val="ff0000"/>
+              <a:srgbClr val="FF0000"/>
             </a:solidFill>
             <a:round/>
           </a:ln>
         </p:spPr>
         <p:style>
-          <a:lnRef idx="0"/>
-          <a:fillRef idx="0"/>
-          <a:effectRef idx="0"/>
+          <a:lnRef idx="0">
+            <a:scrgbClr r="0" g="0" b="0"/>
+          </a:lnRef>
+          <a:fillRef idx="0">
+            <a:scrgbClr r="0" g="0" b="0"/>
+          </a:fillRef>
+          <a:effectRef idx="0">
+            <a:scrgbClr r="0" g="0" b="0"/>
+          </a:effectRef>
           <a:fontRef idx="minor"/>
         </p:style>
         <p:txBody>
-          <a:bodyPr lIns="90000" rIns="90000" tIns="45000" bIns="45000">
+          <a:bodyPr wrap="square" lIns="90000" tIns="45000" rIns="90000" bIns="45000">
             <a:spAutoFit/>
           </a:bodyPr>
+          <a:lstStyle/>
           <a:p>
             <a:pPr>
               <a:lnSpc>
@@ -5452,7 +6205,7 @@
               </a:lnSpc>
             </a:pPr>
             <a:r>
-              <a:rPr b="1" lang="en-US" sz="1100" spc="-1" strike="noStrike">
+              <a:rPr lang="en-US" sz="1100" b="1" strike="noStrike" spc="-1" dirty="0">
                 <a:solidFill>
                   <a:srgbClr val="000000"/>
                 </a:solidFill>
@@ -5461,7 +6214,7 @@
               </a:rPr>
               <a:t>&lt;DEPL_UNIF_VOLTS&gt;0.2&lt;/DEPL_UNIF_VOLTS&gt; </a:t>
             </a:r>
-            <a:endParaRPr b="0" lang="en-US" sz="1100" spc="-1" strike="noStrike">
+            <a:endParaRPr lang="en-US" sz="1100" b="0" strike="noStrike" spc="-1" dirty="0">
               <a:latin typeface="Arial"/>
             </a:endParaRPr>
           </a:p>
@@ -5475,16 +6228,16 @@
         </p:nvSpPr>
         <p:spPr>
           <a:xfrm>
-            <a:off x="713880" y="3729960"/>
-            <a:ext cx="1593000" cy="312480"/>
+            <a:off x="3925290" y="3735176"/>
+            <a:ext cx="1739035" cy="223200"/>
           </a:xfrm>
           <a:prstGeom prst="rect">
             <a:avLst/>
           </a:prstGeom>
           <a:noFill/>
-          <a:ln>
+          <a:ln w="38100">
             <a:solidFill>
-              <a:srgbClr val="ff0000"/>
+              <a:srgbClr val="FF0000"/>
             </a:solidFill>
           </a:ln>
         </p:spPr>
@@ -5511,14 +6264,14 @@
         </p:nvSpPr>
         <p:spPr>
           <a:xfrm>
-            <a:off x="4695480" y="5473080"/>
-            <a:ext cx="6252840" cy="257760"/>
+            <a:off x="4717819" y="6261915"/>
+            <a:ext cx="3673457" cy="257760"/>
           </a:xfrm>
           <a:prstGeom prst="rect">
             <a:avLst/>
           </a:prstGeom>
           <a:noFill/>
-          <a:ln w="28440">
+          <a:ln w="38100">
             <a:solidFill>
               <a:schemeClr val="accent2"/>
             </a:solidFill>
@@ -5526,15 +6279,22 @@
           </a:ln>
         </p:spPr>
         <p:style>
-          <a:lnRef idx="0"/>
-          <a:fillRef idx="0"/>
-          <a:effectRef idx="0"/>
+          <a:lnRef idx="0">
+            <a:scrgbClr r="0" g="0" b="0"/>
+          </a:lnRef>
+          <a:fillRef idx="0">
+            <a:scrgbClr r="0" g="0" b="0"/>
+          </a:fillRef>
+          <a:effectRef idx="0">
+            <a:scrgbClr r="0" g="0" b="0"/>
+          </a:effectRef>
           <a:fontRef idx="minor"/>
         </p:style>
         <p:txBody>
-          <a:bodyPr lIns="90000" rIns="90000" tIns="45000" bIns="45000">
+          <a:bodyPr wrap="square" lIns="90000" tIns="45000" rIns="90000" bIns="45000">
             <a:spAutoFit/>
           </a:bodyPr>
+          <a:lstStyle/>
           <a:p>
             <a:pPr>
               <a:lnSpc>
@@ -5542,7 +6302,7 @@
               </a:lnSpc>
             </a:pPr>
             <a:r>
-              <a:rPr b="1" lang="en-US" sz="1100" spc="-1" strike="noStrike">
+              <a:rPr lang="en-US" sz="1100" b="1" strike="noStrike" spc="-1">
                 <a:solidFill>
                   <a:srgbClr val="000000"/>
                 </a:solidFill>
@@ -5551,7 +6311,7 @@
               </a:rPr>
               <a:t>&lt;SNSR_THKNES_UNIF&gt;0.2&lt;/SNSR_THKNES_UNIF&gt; </a:t>
             </a:r>
-            <a:endParaRPr b="0" lang="en-US" sz="1100" spc="-1" strike="noStrike">
+            <a:endParaRPr lang="en-US" sz="1100" b="0" strike="noStrike" spc="-1">
               <a:latin typeface="Arial"/>
             </a:endParaRPr>
           </a:p>
@@ -5565,14 +6325,14 @@
         </p:nvSpPr>
         <p:spPr>
           <a:xfrm>
-            <a:off x="1924920" y="5344920"/>
-            <a:ext cx="946080" cy="369000"/>
+            <a:off x="5173228" y="5403906"/>
+            <a:ext cx="946080" cy="257760"/>
           </a:xfrm>
           <a:prstGeom prst="rect">
             <a:avLst/>
           </a:prstGeom>
           <a:noFill/>
-          <a:ln>
+          <a:ln w="38100">
             <a:solidFill>
               <a:schemeClr val="accent2"/>
             </a:solidFill>
@@ -5601,30 +6361,37 @@
         </p:nvSpPr>
         <p:spPr>
           <a:xfrm>
-            <a:off x="635400" y="1625400"/>
-            <a:ext cx="6252840" cy="257760"/>
+            <a:off x="8249905" y="3291479"/>
+            <a:ext cx="3509880" cy="260156"/>
           </a:xfrm>
           <a:prstGeom prst="rect">
             <a:avLst/>
           </a:prstGeom>
           <a:noFill/>
-          <a:ln w="28440">
+          <a:ln w="38100">
             <a:solidFill>
-              <a:srgbClr val="7030a0"/>
+              <a:srgbClr val="7030A0"/>
             </a:solidFill>
             <a:round/>
           </a:ln>
         </p:spPr>
         <p:style>
-          <a:lnRef idx="0"/>
-          <a:fillRef idx="0"/>
-          <a:effectRef idx="0"/>
+          <a:lnRef idx="0">
+            <a:scrgbClr r="0" g="0" b="0"/>
+          </a:lnRef>
+          <a:fillRef idx="0">
+            <a:scrgbClr r="0" g="0" b="0"/>
+          </a:fillRef>
+          <a:effectRef idx="0">
+            <a:scrgbClr r="0" g="0" b="0"/>
+          </a:effectRef>
           <a:fontRef idx="minor"/>
         </p:style>
         <p:txBody>
-          <a:bodyPr lIns="90000" rIns="90000" tIns="45000" bIns="45000">
+          <a:bodyPr wrap="square" lIns="90000" tIns="45000" rIns="90000" bIns="45000">
             <a:spAutoFit/>
           </a:bodyPr>
+          <a:lstStyle/>
           <a:p>
             <a:pPr>
               <a:lnSpc>
@@ -5632,7 +6399,7 @@
               </a:lnSpc>
             </a:pPr>
             <a:r>
-              <a:rPr b="1" lang="en-US" sz="1100" spc="-1" strike="noStrike">
+              <a:rPr lang="en-US" sz="1100" b="1" strike="noStrike" spc="-1" dirty="0">
                 <a:solidFill>
                   <a:srgbClr val="000000"/>
                 </a:solidFill>
@@ -5641,7 +6408,7 @@
               </a:rPr>
               <a:t>&lt;DEPL_VOLTS_PASS&gt;PASS&lt;/DEPL_VOLTS_PASS&gt; </a:t>
             </a:r>
-            <a:endParaRPr b="0" lang="en-US" sz="1100" spc="-1" strike="noStrike">
+            <a:endParaRPr lang="en-US" sz="1100" b="0" strike="noStrike" spc="-1" dirty="0">
               <a:latin typeface="Arial"/>
             </a:endParaRPr>
           </a:p>
@@ -5655,16 +6422,16 @@
         </p:nvSpPr>
         <p:spPr>
           <a:xfrm>
-            <a:off x="3306240" y="3506040"/>
+            <a:off x="6554548" y="3453787"/>
             <a:ext cx="442440" cy="312480"/>
           </a:xfrm>
           <a:prstGeom prst="rect">
             <a:avLst/>
           </a:prstGeom>
           <a:noFill/>
-          <a:ln>
+          <a:ln w="38100">
             <a:solidFill>
-              <a:srgbClr val="7030a0"/>
+              <a:srgbClr val="7030A0"/>
             </a:solidFill>
           </a:ln>
         </p:spPr>
@@ -5691,14 +6458,14 @@
         </p:nvSpPr>
         <p:spPr>
           <a:xfrm>
-            <a:off x="2398320" y="2089440"/>
-            <a:ext cx="6252840" cy="257760"/>
+            <a:off x="8246319" y="4328089"/>
+            <a:ext cx="3619303" cy="257760"/>
           </a:xfrm>
           <a:prstGeom prst="rect">
             <a:avLst/>
           </a:prstGeom>
           <a:noFill/>
-          <a:ln w="28440">
+          <a:ln w="38100">
             <a:solidFill>
               <a:schemeClr val="bg1">
                 <a:lumMod val="50000"/>
@@ -5708,15 +6475,22 @@
           </a:ln>
         </p:spPr>
         <p:style>
-          <a:lnRef idx="0"/>
-          <a:fillRef idx="0"/>
-          <a:effectRef idx="0"/>
+          <a:lnRef idx="0">
+            <a:scrgbClr r="0" g="0" b="0"/>
+          </a:lnRef>
+          <a:fillRef idx="0">
+            <a:scrgbClr r="0" g="0" b="0"/>
+          </a:fillRef>
+          <a:effectRef idx="0">
+            <a:scrgbClr r="0" g="0" b="0"/>
+          </a:effectRef>
           <a:fontRef idx="minor"/>
         </p:style>
         <p:txBody>
-          <a:bodyPr lIns="90000" rIns="90000" tIns="45000" bIns="45000">
+          <a:bodyPr wrap="square" lIns="90000" tIns="45000" rIns="90000" bIns="45000">
             <a:spAutoFit/>
           </a:bodyPr>
+          <a:lstStyle/>
           <a:p>
             <a:pPr>
               <a:lnSpc>
@@ -5724,7 +6498,7 @@
               </a:lnSpc>
             </a:pPr>
             <a:r>
-              <a:rPr b="1" lang="en-US" sz="1100" spc="-1" strike="noStrike">
+              <a:rPr lang="en-US" sz="1100" b="1" strike="noStrike" spc="-1">
                 <a:solidFill>
                   <a:srgbClr val="000000"/>
                 </a:solidFill>
@@ -5733,7 +6507,7 @@
               </a:rPr>
               <a:t>&lt;DEPL_VOLTS_PASS&gt;PASS&lt;/DEPL_VOLTS_PASS&gt; </a:t>
             </a:r>
-            <a:endParaRPr b="0" lang="en-US" sz="1100" spc="-1" strike="noStrike">
+            <a:endParaRPr lang="en-US" sz="1100" b="0" strike="noStrike" spc="-1">
               <a:latin typeface="Arial"/>
             </a:endParaRPr>
           </a:p>
@@ -5747,14 +6521,14 @@
         </p:nvSpPr>
         <p:spPr>
           <a:xfrm>
-            <a:off x="4465440" y="3953520"/>
-            <a:ext cx="442440" cy="312480"/>
+            <a:off x="7713748" y="3953520"/>
+            <a:ext cx="442440" cy="252519"/>
           </a:xfrm>
           <a:prstGeom prst="rect">
             <a:avLst/>
           </a:prstGeom>
           <a:noFill/>
-          <a:ln>
+          <a:ln w="38100">
             <a:solidFill>
               <a:schemeClr val="bg1">
                 <a:lumMod val="50000"/>
@@ -5785,14 +6559,14 @@
         </p:nvSpPr>
         <p:spPr>
           <a:xfrm>
-            <a:off x="3171600" y="6059160"/>
-            <a:ext cx="4817160" cy="257760"/>
+            <a:off x="7405845" y="5801681"/>
+            <a:ext cx="4703077" cy="257760"/>
           </a:xfrm>
           <a:prstGeom prst="rect">
             <a:avLst/>
           </a:prstGeom>
           <a:noFill/>
-          <a:ln w="28440">
+          <a:ln w="38100">
             <a:solidFill>
               <a:srgbClr val="006600"/>
             </a:solidFill>
@@ -5800,15 +6574,22 @@
           </a:ln>
         </p:spPr>
         <p:style>
-          <a:lnRef idx="0"/>
-          <a:fillRef idx="0"/>
-          <a:effectRef idx="0"/>
+          <a:lnRef idx="0">
+            <a:scrgbClr r="0" g="0" b="0"/>
+          </a:lnRef>
+          <a:fillRef idx="0">
+            <a:scrgbClr r="0" g="0" b="0"/>
+          </a:fillRef>
+          <a:effectRef idx="0">
+            <a:scrgbClr r="0" g="0" b="0"/>
+          </a:effectRef>
           <a:fontRef idx="minor"/>
         </p:style>
         <p:txBody>
-          <a:bodyPr lIns="90000" rIns="90000" tIns="45000" bIns="45000">
+          <a:bodyPr wrap="square" lIns="90000" tIns="45000" rIns="90000" bIns="45000">
             <a:spAutoFit/>
           </a:bodyPr>
+          <a:lstStyle/>
           <a:p>
             <a:pPr>
               <a:lnSpc>
@@ -5816,16 +6597,16 @@
               </a:lnSpc>
             </a:pPr>
             <a:r>
-              <a:rPr b="1" lang="en-US" sz="1100" spc="-1" strike="noStrike">
+              <a:rPr lang="en-US" sz="1100" b="1" strike="noStrike" spc="-1" dirty="0">
                 <a:solidFill>
                   <a:srgbClr val="000000"/>
                 </a:solidFill>
                 <a:latin typeface="Courier New"/>
                 <a:ea typeface="Calibri"/>
               </a:rPr>
-              <a:t>&lt;SNSR_THKNES_UNIF_PASS&gt;PASSED &lt;/SNSR_THKNES_UNIF_PASS&gt; </a:t>
-            </a:r>
-            <a:endParaRPr b="0" lang="en-US" sz="1100" spc="-1" strike="noStrike">
+              <a:t>&lt;SNSR_THKNES_UNIF_PASS&gt;PASSED&lt;/SNSR_THKNES_UNIF_PASS&gt; </a:t>
+            </a:r>
+            <a:endParaRPr lang="en-US" sz="1100" b="0" strike="noStrike" spc="-1" dirty="0">
               <a:latin typeface="Arial"/>
             </a:endParaRPr>
           </a:p>
@@ -5839,14 +6620,14 @@
         </p:nvSpPr>
         <p:spPr>
           <a:xfrm>
-            <a:off x="3453840" y="5373360"/>
-            <a:ext cx="442440" cy="312480"/>
+            <a:off x="6649896" y="5390780"/>
+            <a:ext cx="442440" cy="269877"/>
           </a:xfrm>
           <a:prstGeom prst="rect">
             <a:avLst/>
           </a:prstGeom>
           <a:noFill/>
-          <a:ln>
+          <a:ln w="38100">
             <a:solidFill>
               <a:srgbClr val="006600"/>
             </a:solidFill>
@@ -5867,16 +6648,516 @@
           <a:fontRef idx="minor"/>
         </p:style>
       </p:sp>
+      <p:cxnSp>
+        <p:nvCxnSpPr>
+          <p:cNvPr id="3" name="Straight Arrow Connector 2">
+            <a:extLst>
+              <a:ext uri="{FF2B5EF4-FFF2-40B4-BE49-F238E27FC236}">
+                <a16:creationId xmlns:a16="http://schemas.microsoft.com/office/drawing/2014/main" id="{913A1B34-7661-0059-C79B-09F88DBB0DD5}"/>
+              </a:ext>
+            </a:extLst>
+          </p:cNvPr>
+          <p:cNvCxnSpPr>
+            <a:cxnSpLocks/>
+          </p:cNvCxnSpPr>
+          <p:nvPr/>
+        </p:nvCxnSpPr>
+        <p:spPr>
+          <a:xfrm flipH="1">
+            <a:off x="5464083" y="1727369"/>
+            <a:ext cx="335826" cy="1248810"/>
+          </a:xfrm>
+          <a:prstGeom prst="straightConnector1">
+            <a:avLst/>
+          </a:prstGeom>
+          <a:ln w="28575">
+            <a:tailEnd type="triangle"/>
+          </a:ln>
+        </p:spPr>
+        <p:style>
+          <a:lnRef idx="1">
+            <a:schemeClr val="accent1"/>
+          </a:lnRef>
+          <a:fillRef idx="0">
+            <a:schemeClr val="accent1"/>
+          </a:fillRef>
+          <a:effectRef idx="0">
+            <a:schemeClr val="accent1"/>
+          </a:effectRef>
+          <a:fontRef idx="minor">
+            <a:schemeClr val="tx1"/>
+          </a:fontRef>
+        </p:style>
+      </p:cxnSp>
+      <p:cxnSp>
+        <p:nvCxnSpPr>
+          <p:cNvPr id="6" name="Straight Connector 5">
+            <a:extLst>
+              <a:ext uri="{FF2B5EF4-FFF2-40B4-BE49-F238E27FC236}">
+                <a16:creationId xmlns:a16="http://schemas.microsoft.com/office/drawing/2014/main" id="{E540489E-B2BE-B577-CF13-41AA569838D1}"/>
+              </a:ext>
+            </a:extLst>
+          </p:cNvPr>
+          <p:cNvCxnSpPr>
+            <a:cxnSpLocks/>
+          </p:cNvCxnSpPr>
+          <p:nvPr/>
+        </p:nvCxnSpPr>
+        <p:spPr>
+          <a:xfrm flipH="1" flipV="1">
+            <a:off x="6423464" y="3866936"/>
+            <a:ext cx="1806248" cy="14886"/>
+          </a:xfrm>
+          <a:prstGeom prst="line">
+            <a:avLst/>
+          </a:prstGeom>
+          <a:ln w="28575">
+            <a:solidFill>
+              <a:srgbClr val="C55A11"/>
+            </a:solidFill>
+          </a:ln>
+        </p:spPr>
+        <p:style>
+          <a:lnRef idx="1">
+            <a:schemeClr val="accent1"/>
+          </a:lnRef>
+          <a:fillRef idx="0">
+            <a:schemeClr val="accent1"/>
+          </a:fillRef>
+          <a:effectRef idx="0">
+            <a:schemeClr val="accent1"/>
+          </a:effectRef>
+          <a:fontRef idx="minor">
+            <a:schemeClr val="tx1"/>
+          </a:fontRef>
+        </p:style>
+      </p:cxnSp>
+      <p:cxnSp>
+        <p:nvCxnSpPr>
+          <p:cNvPr id="9" name="Straight Arrow Connector 8">
+            <a:extLst>
+              <a:ext uri="{FF2B5EF4-FFF2-40B4-BE49-F238E27FC236}">
+                <a16:creationId xmlns:a16="http://schemas.microsoft.com/office/drawing/2014/main" id="{CCB33099-CAC4-C698-7E45-49CECD31DDEA}"/>
+              </a:ext>
+            </a:extLst>
+          </p:cNvPr>
+          <p:cNvCxnSpPr/>
+          <p:nvPr/>
+        </p:nvCxnSpPr>
+        <p:spPr>
+          <a:xfrm flipV="1">
+            <a:off x="6418218" y="3730596"/>
+            <a:ext cx="0" cy="151016"/>
+          </a:xfrm>
+          <a:prstGeom prst="straightConnector1">
+            <a:avLst/>
+          </a:prstGeom>
+          <a:ln w="28575">
+            <a:solidFill>
+              <a:srgbClr val="C55A11"/>
+            </a:solidFill>
+            <a:tailEnd type="triangle"/>
+          </a:ln>
+        </p:spPr>
+        <p:style>
+          <a:lnRef idx="1">
+            <a:schemeClr val="accent1"/>
+          </a:lnRef>
+          <a:fillRef idx="0">
+            <a:schemeClr val="accent1"/>
+          </a:fillRef>
+          <a:effectRef idx="0">
+            <a:schemeClr val="accent1"/>
+          </a:effectRef>
+          <a:fontRef idx="minor">
+            <a:schemeClr val="tx1"/>
+          </a:fontRef>
+        </p:style>
+      </p:cxnSp>
+      <p:cxnSp>
+        <p:nvCxnSpPr>
+          <p:cNvPr id="10" name="Straight Arrow Connector 9">
+            <a:extLst>
+              <a:ext uri="{FF2B5EF4-FFF2-40B4-BE49-F238E27FC236}">
+                <a16:creationId xmlns:a16="http://schemas.microsoft.com/office/drawing/2014/main" id="{BF6FF91C-D925-65BC-1BE1-ACDBCA2CB0A9}"/>
+              </a:ext>
+            </a:extLst>
+          </p:cNvPr>
+          <p:cNvCxnSpPr>
+            <a:cxnSpLocks/>
+            <a:stCxn id="101" idx="1"/>
+          </p:cNvCxnSpPr>
+          <p:nvPr/>
+        </p:nvCxnSpPr>
+        <p:spPr>
+          <a:xfrm flipH="1">
+            <a:off x="6996988" y="3421557"/>
+            <a:ext cx="1252917" cy="104628"/>
+          </a:xfrm>
+          <a:prstGeom prst="straightConnector1">
+            <a:avLst/>
+          </a:prstGeom>
+          <a:ln w="28575">
+            <a:solidFill>
+              <a:srgbClr val="7030A0"/>
+            </a:solidFill>
+            <a:tailEnd type="triangle"/>
+          </a:ln>
+        </p:spPr>
+        <p:style>
+          <a:lnRef idx="1">
+            <a:schemeClr val="accent1"/>
+          </a:lnRef>
+          <a:fillRef idx="0">
+            <a:schemeClr val="accent1"/>
+          </a:fillRef>
+          <a:effectRef idx="0">
+            <a:schemeClr val="accent1"/>
+          </a:effectRef>
+          <a:fontRef idx="minor">
+            <a:schemeClr val="tx1"/>
+          </a:fontRef>
+        </p:style>
+      </p:cxnSp>
+      <p:cxnSp>
+        <p:nvCxnSpPr>
+          <p:cNvPr id="13" name="Straight Arrow Connector 12">
+            <a:extLst>
+              <a:ext uri="{FF2B5EF4-FFF2-40B4-BE49-F238E27FC236}">
+                <a16:creationId xmlns:a16="http://schemas.microsoft.com/office/drawing/2014/main" id="{BD8C991B-1F1A-0F1A-AF9F-0A4D7F6679FA}"/>
+              </a:ext>
+            </a:extLst>
+          </p:cNvPr>
+          <p:cNvCxnSpPr>
+            <a:cxnSpLocks/>
+          </p:cNvCxnSpPr>
+          <p:nvPr/>
+        </p:nvCxnSpPr>
+        <p:spPr>
+          <a:xfrm flipH="1" flipV="1">
+            <a:off x="7892945" y="4235354"/>
+            <a:ext cx="353374" cy="348633"/>
+          </a:xfrm>
+          <a:prstGeom prst="straightConnector1">
+            <a:avLst/>
+          </a:prstGeom>
+          <a:ln w="28575">
+            <a:solidFill>
+              <a:srgbClr val="7F7F7F"/>
+            </a:solidFill>
+            <a:tailEnd type="triangle"/>
+          </a:ln>
+        </p:spPr>
+        <p:style>
+          <a:lnRef idx="1">
+            <a:schemeClr val="accent1"/>
+          </a:lnRef>
+          <a:fillRef idx="0">
+            <a:schemeClr val="accent1"/>
+          </a:fillRef>
+          <a:effectRef idx="0">
+            <a:schemeClr val="accent1"/>
+          </a:effectRef>
+          <a:fontRef idx="minor">
+            <a:schemeClr val="tx1"/>
+          </a:fontRef>
+        </p:style>
+      </p:cxnSp>
+      <p:cxnSp>
+        <p:nvCxnSpPr>
+          <p:cNvPr id="17" name="Straight Arrow Connector 16">
+            <a:extLst>
+              <a:ext uri="{FF2B5EF4-FFF2-40B4-BE49-F238E27FC236}">
+                <a16:creationId xmlns:a16="http://schemas.microsoft.com/office/drawing/2014/main" id="{EC5254F3-7B70-9483-8C7F-8F53C5918515}"/>
+              </a:ext>
+            </a:extLst>
+          </p:cNvPr>
+          <p:cNvCxnSpPr/>
+          <p:nvPr/>
+        </p:nvCxnSpPr>
+        <p:spPr>
+          <a:xfrm>
+            <a:off x="3509624" y="3866936"/>
+            <a:ext cx="370495" cy="7443"/>
+          </a:xfrm>
+          <a:prstGeom prst="straightConnector1">
+            <a:avLst/>
+          </a:prstGeom>
+          <a:ln w="28575">
+            <a:solidFill>
+              <a:srgbClr val="FF0000"/>
+            </a:solidFill>
+            <a:tailEnd type="triangle"/>
+          </a:ln>
+        </p:spPr>
+        <p:style>
+          <a:lnRef idx="1">
+            <a:schemeClr val="accent1"/>
+          </a:lnRef>
+          <a:fillRef idx="0">
+            <a:schemeClr val="accent1"/>
+          </a:fillRef>
+          <a:effectRef idx="0">
+            <a:schemeClr val="accent1"/>
+          </a:effectRef>
+          <a:fontRef idx="minor">
+            <a:schemeClr val="tx1"/>
+          </a:fontRef>
+        </p:style>
+      </p:cxnSp>
+      <p:cxnSp>
+        <p:nvCxnSpPr>
+          <p:cNvPr id="19" name="Straight Arrow Connector 18">
+            <a:extLst>
+              <a:ext uri="{FF2B5EF4-FFF2-40B4-BE49-F238E27FC236}">
+                <a16:creationId xmlns:a16="http://schemas.microsoft.com/office/drawing/2014/main" id="{54F3DCF6-46F4-725D-7F3D-46F3F4E6F1F1}"/>
+              </a:ext>
+            </a:extLst>
+          </p:cNvPr>
+          <p:cNvCxnSpPr/>
+          <p:nvPr/>
+        </p:nvCxnSpPr>
+        <p:spPr>
+          <a:xfrm flipH="1" flipV="1">
+            <a:off x="6119308" y="5714997"/>
+            <a:ext cx="435240" cy="431128"/>
+          </a:xfrm>
+          <a:prstGeom prst="straightConnector1">
+            <a:avLst/>
+          </a:prstGeom>
+          <a:ln w="28575">
+            <a:solidFill>
+              <a:srgbClr val="ED7D31"/>
+            </a:solidFill>
+            <a:tailEnd type="triangle"/>
+          </a:ln>
+        </p:spPr>
+        <p:style>
+          <a:lnRef idx="1">
+            <a:schemeClr val="accent1"/>
+          </a:lnRef>
+          <a:fillRef idx="0">
+            <a:schemeClr val="accent1"/>
+          </a:fillRef>
+          <a:effectRef idx="0">
+            <a:schemeClr val="accent1"/>
+          </a:effectRef>
+          <a:fontRef idx="minor">
+            <a:schemeClr val="tx1"/>
+          </a:fontRef>
+        </p:style>
+      </p:cxnSp>
+      <p:cxnSp>
+        <p:nvCxnSpPr>
+          <p:cNvPr id="21" name="Straight Arrow Connector 20">
+            <a:extLst>
+              <a:ext uri="{FF2B5EF4-FFF2-40B4-BE49-F238E27FC236}">
+                <a16:creationId xmlns:a16="http://schemas.microsoft.com/office/drawing/2014/main" id="{FE022C58-969B-56A7-2BDC-446E73ADFF7A}"/>
+              </a:ext>
+            </a:extLst>
+          </p:cNvPr>
+          <p:cNvCxnSpPr/>
+          <p:nvPr/>
+        </p:nvCxnSpPr>
+        <p:spPr>
+          <a:xfrm flipH="1" flipV="1">
+            <a:off x="7144588" y="5660657"/>
+            <a:ext cx="182000" cy="269904"/>
+          </a:xfrm>
+          <a:prstGeom prst="straightConnector1">
+            <a:avLst/>
+          </a:prstGeom>
+          <a:ln w="28575">
+            <a:solidFill>
+              <a:srgbClr val="006600"/>
+            </a:solidFill>
+            <a:tailEnd type="triangle"/>
+          </a:ln>
+        </p:spPr>
+        <p:style>
+          <a:lnRef idx="1">
+            <a:schemeClr val="accent1"/>
+          </a:lnRef>
+          <a:fillRef idx="0">
+            <a:schemeClr val="accent1"/>
+          </a:fillRef>
+          <a:effectRef idx="0">
+            <a:schemeClr val="accent1"/>
+          </a:effectRef>
+          <a:fontRef idx="minor">
+            <a:schemeClr val="tx1"/>
+          </a:fontRef>
+        </p:style>
+      </p:cxnSp>
+      <p:sp>
+        <p:nvSpPr>
+          <p:cNvPr id="22" name="CustomShape 7">
+            <a:extLst>
+              <a:ext uri="{FF2B5EF4-FFF2-40B4-BE49-F238E27FC236}">
+                <a16:creationId xmlns:a16="http://schemas.microsoft.com/office/drawing/2014/main" id="{2596EDE8-AF63-664F-F7C2-B9DB25348F75}"/>
+              </a:ext>
+            </a:extLst>
+          </p:cNvPr>
+          <p:cNvSpPr/>
+          <p:nvPr/>
+        </p:nvSpPr>
+        <p:spPr>
+          <a:xfrm>
+            <a:off x="117636" y="5457237"/>
+            <a:ext cx="3391988" cy="257760"/>
+          </a:xfrm>
+          <a:prstGeom prst="rect">
+            <a:avLst/>
+          </a:prstGeom>
+          <a:noFill/>
+          <a:ln w="38100">
+            <a:solidFill>
+              <a:schemeClr val="accent4">
+                <a:lumMod val="60000"/>
+                <a:lumOff val="40000"/>
+              </a:schemeClr>
+            </a:solidFill>
+            <a:round/>
+          </a:ln>
+        </p:spPr>
+        <p:style>
+          <a:lnRef idx="0">
+            <a:scrgbClr r="0" g="0" b="0"/>
+          </a:lnRef>
+          <a:fillRef idx="0">
+            <a:scrgbClr r="0" g="0" b="0"/>
+          </a:fillRef>
+          <a:effectRef idx="0">
+            <a:scrgbClr r="0" g="0" b="0"/>
+          </a:effectRef>
+          <a:fontRef idx="minor"/>
+        </p:style>
+        <p:txBody>
+          <a:bodyPr wrap="square" lIns="90000" tIns="45000" rIns="90000" bIns="45000">
+            <a:spAutoFit/>
+          </a:bodyPr>
+          <a:lstStyle/>
+          <a:p>
+            <a:pPr>
+              <a:lnSpc>
+                <a:spcPct val="100000"/>
+              </a:lnSpc>
+            </a:pPr>
+            <a:r>
+              <a:rPr lang="en-US" sz="1100" b="1" strike="noStrike" spc="-1" dirty="0">
+                <a:solidFill>
+                  <a:srgbClr val="000000"/>
+                </a:solidFill>
+                <a:latin typeface="Courier New"/>
+                <a:ea typeface="Calibri"/>
+              </a:rPr>
+              <a:t>&lt;DEPL_UNIF_VOLTS&gt;0.2&lt;/DEPL_UNIF_VOLTS&gt; </a:t>
+            </a:r>
+            <a:endParaRPr lang="en-US" sz="1100" b="0" strike="noStrike" spc="-1" dirty="0">
+              <a:latin typeface="Arial"/>
+            </a:endParaRPr>
+          </a:p>
+        </p:txBody>
+      </p:sp>
+      <p:sp>
+        <p:nvSpPr>
+          <p:cNvPr id="23" name="Rectangle 22">
+            <a:extLst>
+              <a:ext uri="{FF2B5EF4-FFF2-40B4-BE49-F238E27FC236}">
+                <a16:creationId xmlns:a16="http://schemas.microsoft.com/office/drawing/2014/main" id="{23918505-6AF0-DE45-4686-AF4C872AC889}"/>
+              </a:ext>
+            </a:extLst>
+          </p:cNvPr>
+          <p:cNvSpPr/>
+          <p:nvPr/>
+        </p:nvSpPr>
+        <p:spPr>
+          <a:xfrm>
+            <a:off x="4025579" y="5795609"/>
+            <a:ext cx="470220" cy="263832"/>
+          </a:xfrm>
+          <a:prstGeom prst="rect">
+            <a:avLst/>
+          </a:prstGeom>
+          <a:noFill/>
+          <a:ln>
+            <a:solidFill>
+              <a:srgbClr val="FFE38C"/>
+            </a:solidFill>
+          </a:ln>
+        </p:spPr>
+        <p:style>
+          <a:lnRef idx="2">
+            <a:schemeClr val="accent1">
+              <a:shade val="50000"/>
+            </a:schemeClr>
+          </a:lnRef>
+          <a:fillRef idx="1">
+            <a:schemeClr val="accent1"/>
+          </a:fillRef>
+          <a:effectRef idx="0">
+            <a:schemeClr val="accent1"/>
+          </a:effectRef>
+          <a:fontRef idx="minor">
+            <a:schemeClr val="lt1"/>
+          </a:fontRef>
+        </p:style>
+        <p:txBody>
+          <a:bodyPr rtlCol="0" anchor="ctr"/>
+          <a:lstStyle/>
+          <a:p>
+            <a:pPr algn="ctr"/>
+            <a:endParaRPr lang="en-US"/>
+          </a:p>
+        </p:txBody>
+      </p:sp>
+      <p:cxnSp>
+        <p:nvCxnSpPr>
+          <p:cNvPr id="25" name="Straight Arrow Connector 24">
+            <a:extLst>
+              <a:ext uri="{FF2B5EF4-FFF2-40B4-BE49-F238E27FC236}">
+                <a16:creationId xmlns:a16="http://schemas.microsoft.com/office/drawing/2014/main" id="{1161A48F-190A-CF2A-2281-5B586926552D}"/>
+              </a:ext>
+            </a:extLst>
+          </p:cNvPr>
+          <p:cNvCxnSpPr/>
+          <p:nvPr/>
+        </p:nvCxnSpPr>
+        <p:spPr>
+          <a:xfrm>
+            <a:off x="3509624" y="5579533"/>
+            <a:ext cx="515955" cy="216076"/>
+          </a:xfrm>
+          <a:prstGeom prst="straightConnector1">
+            <a:avLst/>
+          </a:prstGeom>
+          <a:ln w="28575">
+            <a:solidFill>
+              <a:srgbClr val="FFD966"/>
+            </a:solidFill>
+            <a:tailEnd type="triangle"/>
+          </a:ln>
+        </p:spPr>
+        <p:style>
+          <a:lnRef idx="1">
+            <a:schemeClr val="accent1"/>
+          </a:lnRef>
+          <a:fillRef idx="0">
+            <a:schemeClr val="accent1"/>
+          </a:fillRef>
+          <a:effectRef idx="0">
+            <a:schemeClr val="accent1"/>
+          </a:effectRef>
+          <a:fontRef idx="minor">
+            <a:schemeClr val="tx1"/>
+          </a:fontRef>
+        </p:style>
+      </p:cxnSp>
     </p:spTree>
   </p:cSld>
-  <mc:AlternateContent>
-    <mc:Choice Requires="p14">
-      <p:transition spd="slow" p14:dur="2000"/>
-    </mc:Choice>
-    <mc:Fallback>
-      <p:transition spd="slow"/>
-    </mc:Fallback>
-  </mc:AlternateContent>
+  <p:clrMapOvr>
+    <a:masterClrMapping/>
+  </p:clrMapOvr>
 </p:sld>
 </file>
 
@@ -5891,34 +7172,34 @@
         <a:sysClr val="window" lastClr="FFFFFF"/>
       </a:lt1>
       <a:dk2>
-        <a:srgbClr val="44546a"/>
+        <a:srgbClr val="44546A"/>
       </a:dk2>
       <a:lt2>
-        <a:srgbClr val="e7e6e6"/>
+        <a:srgbClr val="E7E6E6"/>
       </a:lt2>
       <a:accent1>
-        <a:srgbClr val="4472c4"/>
+        <a:srgbClr val="4472C4"/>
       </a:accent1>
       <a:accent2>
-        <a:srgbClr val="ed7d31"/>
+        <a:srgbClr val="ED7D31"/>
       </a:accent2>
       <a:accent3>
-        <a:srgbClr val="a5a5a5"/>
+        <a:srgbClr val="A5A5A5"/>
       </a:accent3>
       <a:accent4>
-        <a:srgbClr val="ffc000"/>
+        <a:srgbClr val="FFC000"/>
       </a:accent4>
       <a:accent5>
-        <a:srgbClr val="5b9bd5"/>
+        <a:srgbClr val="5B9BD5"/>
       </a:accent5>
       <a:accent6>
-        <a:srgbClr val="70ad47"/>
+        <a:srgbClr val="70AD47"/>
       </a:accent6>
       <a:hlink>
-        <a:srgbClr val="0563c1"/>
+        <a:srgbClr val="0563C1"/>
       </a:hlink>
       <a:folHlink>
-        <a:srgbClr val="954f72"/>
+        <a:srgbClr val="954F72"/>
       </a:folHlink>
     </a:clrScheme>
     <a:fontScheme name="Office">
@@ -6103,6 +7384,8 @@
       </a:bgFillStyleLst>
     </a:fmtScheme>
   </a:themeElements>
+  <a:objectDefaults/>
+  <a:extraClrSchemeLst/>
 </a:theme>
 </file>
 
@@ -6117,34 +7400,34 @@
         <a:sysClr val="window" lastClr="FFFFFF"/>
       </a:lt1>
       <a:dk2>
-        <a:srgbClr val="44546a"/>
+        <a:srgbClr val="44546A"/>
       </a:dk2>
       <a:lt2>
-        <a:srgbClr val="e7e6e6"/>
+        <a:srgbClr val="E7E6E6"/>
       </a:lt2>
       <a:accent1>
-        <a:srgbClr val="4472c4"/>
+        <a:srgbClr val="4472C4"/>
       </a:accent1>
       <a:accent2>
-        <a:srgbClr val="ed7d31"/>
+        <a:srgbClr val="ED7D31"/>
       </a:accent2>
       <a:accent3>
-        <a:srgbClr val="a5a5a5"/>
+        <a:srgbClr val="A5A5A5"/>
       </a:accent3>
       <a:accent4>
-        <a:srgbClr val="ffc000"/>
+        <a:srgbClr val="FFC000"/>
       </a:accent4>
       <a:accent5>
-        <a:srgbClr val="5b9bd5"/>
+        <a:srgbClr val="5B9BD5"/>
       </a:accent5>
       <a:accent6>
-        <a:srgbClr val="70ad47"/>
+        <a:srgbClr val="70AD47"/>
       </a:accent6>
       <a:hlink>
-        <a:srgbClr val="0563c1"/>
+        <a:srgbClr val="0563C1"/>
       </a:hlink>
       <a:folHlink>
-        <a:srgbClr val="954f72"/>
+        <a:srgbClr val="954F72"/>
       </a:folHlink>
     </a:clrScheme>
     <a:fontScheme name="Office">
@@ -6329,5 +7612,7 @@
       </a:bgFillStyleLst>
     </a:fmtScheme>
   </a:themeElements>
+  <a:objectDefaults/>
+  <a:extraClrSchemeLst/>
 </a:theme>
 </file>